--- a/rapports/Soutenance Mélanie Donne - JEMS - Datascientest.pptx
+++ b/rapports/Soutenance Mélanie Donne - JEMS - Datascientest.pptx
@@ -29,29 +29,28 @@
     <p:sldId id="274" r:id="rId24"/>
     <p:sldId id="275" r:id="rId25"/>
     <p:sldId id="276" r:id="rId26"/>
-    <p:sldId id="277" r:id="rId27"/>
   </p:sldIdLst>
   <p:sldSz cy="5143500" cx="9144000"/>
   <p:notesSz cx="6858000" cy="9144000"/>
   <p:embeddedFontLst>
     <p:embeddedFont>
       <p:font typeface="Lexend Light"/>
-      <p:regular r:id="rId28"/>
-      <p:bold r:id="rId29"/>
+      <p:regular r:id="rId27"/>
+      <p:bold r:id="rId28"/>
     </p:embeddedFont>
     <p:embeddedFont>
       <p:font typeface="Gloria Hallelujah"/>
-      <p:regular r:id="rId30"/>
+      <p:regular r:id="rId29"/>
     </p:embeddedFont>
     <p:embeddedFont>
       <p:font typeface="Lexend"/>
-      <p:regular r:id="rId31"/>
-      <p:bold r:id="rId32"/>
+      <p:regular r:id="rId30"/>
+      <p:bold r:id="rId31"/>
     </p:embeddedFont>
     <p:embeddedFont>
       <p:font typeface="Oswald"/>
-      <p:regular r:id="rId33"/>
-      <p:bold r:id="rId34"/>
+      <p:regular r:id="rId32"/>
+      <p:bold r:id="rId33"/>
     </p:embeddedFont>
   </p:embeddedFontLst>
   <p:defaultTextStyle>
@@ -832,7 +831,7 @@
   <p:cSld>
     <p:spTree>
       <p:nvGrpSpPr>
-        <p:cNvPr id="189" name="Shape 189"/>
+        <p:cNvPr id="187" name="Shape 187"/>
         <p:cNvGrpSpPr/>
         <p:nvPr/>
       </p:nvGrpSpPr>
@@ -846,7 +845,7 @@
       </p:grpSpPr>
       <p:sp>
         <p:nvSpPr>
-          <p:cNvPr id="190" name="Google Shape;190;g2ccb79f218e_0_115:notes"/>
+          <p:cNvPr id="188" name="Google Shape;188;g2ccb79f218e_0_115:notes"/>
           <p:cNvSpPr/>
           <p:nvPr>
             <p:ph idx="2" type="sldImg"/>
@@ -881,7 +880,7 @@
       </p:sp>
       <p:sp>
         <p:nvSpPr>
-          <p:cNvPr id="191" name="Google Shape;191;g2ccb79f218e_0_115:notes"/>
+          <p:cNvPr id="189" name="Google Shape;189;g2ccb79f218e_0_115:notes"/>
           <p:cNvSpPr txBox="1"/>
           <p:nvPr>
             <p:ph idx="1" type="body"/>
@@ -931,7 +930,7 @@
   <p:cSld>
     <p:spTree>
       <p:nvGrpSpPr>
-        <p:cNvPr id="218" name="Shape 218"/>
+        <p:cNvPr id="216" name="Shape 216"/>
         <p:cNvGrpSpPr/>
         <p:nvPr/>
       </p:nvGrpSpPr>
@@ -945,7 +944,7 @@
       </p:grpSpPr>
       <p:sp>
         <p:nvSpPr>
-          <p:cNvPr id="219" name="Google Shape;219;g2cd141f0872_0_135:notes"/>
+          <p:cNvPr id="217" name="Google Shape;217;g2cd141f0872_0_135:notes"/>
           <p:cNvSpPr/>
           <p:nvPr>
             <p:ph idx="2" type="sldImg"/>
@@ -980,7 +979,7 @@
       </p:sp>
       <p:sp>
         <p:nvSpPr>
-          <p:cNvPr id="220" name="Google Shape;220;g2cd141f0872_0_135:notes"/>
+          <p:cNvPr id="218" name="Google Shape;218;g2cd141f0872_0_135:notes"/>
           <p:cNvSpPr txBox="1"/>
           <p:nvPr>
             <p:ph idx="1" type="body"/>
@@ -1030,7 +1029,7 @@
   <p:cSld>
     <p:spTree>
       <p:nvGrpSpPr>
-        <p:cNvPr id="229" name="Shape 229"/>
+        <p:cNvPr id="227" name="Shape 227"/>
         <p:cNvGrpSpPr/>
         <p:nvPr/>
       </p:nvGrpSpPr>
@@ -1044,7 +1043,7 @@
       </p:grpSpPr>
       <p:sp>
         <p:nvSpPr>
-          <p:cNvPr id="230" name="Google Shape;230;g2cd141f0872_0_158:notes"/>
+          <p:cNvPr id="228" name="Google Shape;228;g2cd141f0872_0_158:notes"/>
           <p:cNvSpPr/>
           <p:nvPr>
             <p:ph idx="2" type="sldImg"/>
@@ -1079,7 +1078,7 @@
       </p:sp>
       <p:sp>
         <p:nvSpPr>
-          <p:cNvPr id="231" name="Google Shape;231;g2cd141f0872_0_158:notes"/>
+          <p:cNvPr id="229" name="Google Shape;229;g2cd141f0872_0_158:notes"/>
           <p:cNvSpPr txBox="1"/>
           <p:nvPr>
             <p:ph idx="1" type="body"/>
@@ -1129,7 +1128,7 @@
   <p:cSld>
     <p:spTree>
       <p:nvGrpSpPr>
-        <p:cNvPr id="237" name="Shape 237"/>
+        <p:cNvPr id="235" name="Shape 235"/>
         <p:cNvGrpSpPr/>
         <p:nvPr/>
       </p:nvGrpSpPr>
@@ -1143,7 +1142,7 @@
       </p:grpSpPr>
       <p:sp>
         <p:nvSpPr>
-          <p:cNvPr id="238" name="Google Shape;238;g2cd141f0872_0_171:notes"/>
+          <p:cNvPr id="236" name="Google Shape;236;g2cd141f0872_0_171:notes"/>
           <p:cNvSpPr/>
           <p:nvPr>
             <p:ph idx="2" type="sldImg"/>
@@ -1178,7 +1177,7 @@
       </p:sp>
       <p:sp>
         <p:nvSpPr>
-          <p:cNvPr id="239" name="Google Shape;239;g2cd141f0872_0_171:notes"/>
+          <p:cNvPr id="237" name="Google Shape;237;g2cd141f0872_0_171:notes"/>
           <p:cNvSpPr txBox="1"/>
           <p:nvPr>
             <p:ph idx="1" type="body"/>
@@ -1228,7 +1227,7 @@
   <p:cSld>
     <p:spTree>
       <p:nvGrpSpPr>
-        <p:cNvPr id="253" name="Shape 253"/>
+        <p:cNvPr id="251" name="Shape 251"/>
         <p:cNvGrpSpPr/>
         <p:nvPr/>
       </p:nvGrpSpPr>
@@ -1242,7 +1241,7 @@
       </p:grpSpPr>
       <p:sp>
         <p:nvSpPr>
-          <p:cNvPr id="254" name="Google Shape;254;g2cd141f0872_0_246:notes"/>
+          <p:cNvPr id="252" name="Google Shape;252;g2cd141f0872_0_246:notes"/>
           <p:cNvSpPr/>
           <p:nvPr>
             <p:ph idx="2" type="sldImg"/>
@@ -1277,7 +1276,7 @@
       </p:sp>
       <p:sp>
         <p:nvSpPr>
-          <p:cNvPr id="255" name="Google Shape;255;g2cd141f0872_0_246:notes"/>
+          <p:cNvPr id="253" name="Google Shape;253;g2cd141f0872_0_246:notes"/>
           <p:cNvSpPr txBox="1"/>
           <p:nvPr>
             <p:ph idx="1" type="body"/>
@@ -1327,7 +1326,7 @@
   <p:cSld>
     <p:spTree>
       <p:nvGrpSpPr>
-        <p:cNvPr id="267" name="Shape 267"/>
+        <p:cNvPr id="265" name="Shape 265"/>
         <p:cNvGrpSpPr/>
         <p:nvPr/>
       </p:nvGrpSpPr>
@@ -1341,7 +1340,7 @@
       </p:grpSpPr>
       <p:sp>
         <p:nvSpPr>
-          <p:cNvPr id="268" name="Google Shape;268;g2ccb79f218e_0_120:notes"/>
+          <p:cNvPr id="266" name="Google Shape;266;g2ccb79f218e_0_120:notes"/>
           <p:cNvSpPr/>
           <p:nvPr>
             <p:ph idx="2" type="sldImg"/>
@@ -1376,7 +1375,7 @@
       </p:sp>
       <p:sp>
         <p:nvSpPr>
-          <p:cNvPr id="269" name="Google Shape;269;g2ccb79f218e_0_120:notes"/>
+          <p:cNvPr id="267" name="Google Shape;267;g2ccb79f218e_0_120:notes"/>
           <p:cNvSpPr txBox="1"/>
           <p:nvPr>
             <p:ph idx="1" type="body"/>
@@ -1426,7 +1425,7 @@
   <p:cSld>
     <p:spTree>
       <p:nvGrpSpPr>
-        <p:cNvPr id="310" name="Shape 310"/>
+        <p:cNvPr id="308" name="Shape 308"/>
         <p:cNvGrpSpPr/>
         <p:nvPr/>
       </p:nvGrpSpPr>
@@ -1440,7 +1439,7 @@
       </p:grpSpPr>
       <p:sp>
         <p:nvSpPr>
-          <p:cNvPr id="311" name="Google Shape;311;g2cd141f0872_0_270:notes"/>
+          <p:cNvPr id="309" name="Google Shape;309;g2cd141f0872_0_278:notes"/>
           <p:cNvSpPr/>
           <p:nvPr>
             <p:ph idx="2" type="sldImg"/>
@@ -1475,7 +1474,7 @@
       </p:sp>
       <p:sp>
         <p:nvSpPr>
-          <p:cNvPr id="312" name="Google Shape;312;g2cd141f0872_0_270:notes"/>
+          <p:cNvPr id="310" name="Google Shape;310;g2cd141f0872_0_278:notes"/>
           <p:cNvSpPr txBox="1"/>
           <p:nvPr>
             <p:ph idx="1" type="body"/>
@@ -1525,7 +1524,7 @@
   <p:cSld>
     <p:spTree>
       <p:nvGrpSpPr>
-        <p:cNvPr id="322" name="Shape 322"/>
+        <p:cNvPr id="324" name="Shape 324"/>
         <p:cNvGrpSpPr/>
         <p:nvPr/>
       </p:nvGrpSpPr>
@@ -1539,7 +1538,7 @@
       </p:grpSpPr>
       <p:sp>
         <p:nvSpPr>
-          <p:cNvPr id="323" name="Google Shape;323;g2cd141f0872_0_278:notes"/>
+          <p:cNvPr id="325" name="Google Shape;325;g2cd141f0872_0_420:notes"/>
           <p:cNvSpPr/>
           <p:nvPr>
             <p:ph idx="2" type="sldImg"/>
@@ -1574,7 +1573,7 @@
       </p:sp>
       <p:sp>
         <p:nvSpPr>
-          <p:cNvPr id="324" name="Google Shape;324;g2cd141f0872_0_278:notes"/>
+          <p:cNvPr id="326" name="Google Shape;326;g2cd141f0872_0_420:notes"/>
           <p:cNvSpPr txBox="1"/>
           <p:nvPr>
             <p:ph idx="1" type="body"/>
@@ -1624,7 +1623,7 @@
   <p:cSld>
     <p:spTree>
       <p:nvGrpSpPr>
-        <p:cNvPr id="334" name="Shape 334"/>
+        <p:cNvPr id="343" name="Shape 343"/>
         <p:cNvGrpSpPr/>
         <p:nvPr/>
       </p:nvGrpSpPr>
@@ -1638,7 +1637,7 @@
       </p:grpSpPr>
       <p:sp>
         <p:nvSpPr>
-          <p:cNvPr id="335" name="Google Shape;335;g2cd141f0872_0_420:notes"/>
+          <p:cNvPr id="344" name="Google Shape;344;g2cd141f0872_0_447:notes"/>
           <p:cNvSpPr/>
           <p:nvPr>
             <p:ph idx="2" type="sldImg"/>
@@ -1673,7 +1672,7 @@
       </p:sp>
       <p:sp>
         <p:nvSpPr>
-          <p:cNvPr id="336" name="Google Shape;336;g2cd141f0872_0_420:notes"/>
+          <p:cNvPr id="345" name="Google Shape;345;g2cd141f0872_0_447:notes"/>
           <p:cNvSpPr txBox="1"/>
           <p:nvPr>
             <p:ph idx="1" type="body"/>
@@ -1723,7 +1722,7 @@
   <p:cSld>
     <p:spTree>
       <p:nvGrpSpPr>
-        <p:cNvPr id="349" name="Shape 349"/>
+        <p:cNvPr id="357" name="Shape 357"/>
         <p:cNvGrpSpPr/>
         <p:nvPr/>
       </p:nvGrpSpPr>
@@ -1737,7 +1736,7 @@
       </p:grpSpPr>
       <p:sp>
         <p:nvSpPr>
-          <p:cNvPr id="350" name="Google Shape;350;g2cd141f0872_0_447:notes"/>
+          <p:cNvPr id="358" name="Google Shape;358;g2cd141f0872_0_403:notes"/>
           <p:cNvSpPr/>
           <p:nvPr>
             <p:ph idx="2" type="sldImg"/>
@@ -1772,7 +1771,7 @@
       </p:sp>
       <p:sp>
         <p:nvSpPr>
-          <p:cNvPr id="351" name="Google Shape;351;g2cd141f0872_0_447:notes"/>
+          <p:cNvPr id="359" name="Google Shape;359;g2cd141f0872_0_403:notes"/>
           <p:cNvSpPr txBox="1"/>
           <p:nvPr>
             <p:ph idx="1" type="body"/>
@@ -1921,7 +1920,7 @@
   <p:cSld>
     <p:spTree>
       <p:nvGrpSpPr>
-        <p:cNvPr id="359" name="Shape 359"/>
+        <p:cNvPr id="364" name="Shape 364"/>
         <p:cNvGrpSpPr/>
         <p:nvPr/>
       </p:nvGrpSpPr>
@@ -1935,7 +1934,7 @@
       </p:grpSpPr>
       <p:sp>
         <p:nvSpPr>
-          <p:cNvPr id="360" name="Google Shape;360;g2cd141f0872_0_403:notes"/>
+          <p:cNvPr id="365" name="Google Shape;365;g2cd141f0872_0_479:notes"/>
           <p:cNvSpPr/>
           <p:nvPr>
             <p:ph idx="2" type="sldImg"/>
@@ -1970,7 +1969,7 @@
       </p:sp>
       <p:sp>
         <p:nvSpPr>
-          <p:cNvPr id="361" name="Google Shape;361;g2cd141f0872_0_403:notes"/>
+          <p:cNvPr id="366" name="Google Shape;366;g2cd141f0872_0_479:notes"/>
           <p:cNvSpPr txBox="1"/>
           <p:nvPr>
             <p:ph idx="1" type="body"/>
@@ -2020,7 +2019,7 @@
   <p:cSld>
     <p:spTree>
       <p:nvGrpSpPr>
-        <p:cNvPr id="366" name="Shape 366"/>
+        <p:cNvPr id="385" name="Shape 385"/>
         <p:cNvGrpSpPr/>
         <p:nvPr/>
       </p:nvGrpSpPr>
@@ -2034,7 +2033,7 @@
       </p:grpSpPr>
       <p:sp>
         <p:nvSpPr>
-          <p:cNvPr id="367" name="Google Shape;367;g2cd141f0872_0_479:notes"/>
+          <p:cNvPr id="386" name="Google Shape;386;g2ccb79f218e_0_126:notes"/>
           <p:cNvSpPr/>
           <p:nvPr>
             <p:ph idx="2" type="sldImg"/>
@@ -2069,106 +2068,7 @@
       </p:sp>
       <p:sp>
         <p:nvSpPr>
-          <p:cNvPr id="368" name="Google Shape;368;g2cd141f0872_0_479:notes"/>
-          <p:cNvSpPr txBox="1"/>
-          <p:nvPr>
-            <p:ph idx="1" type="body"/>
-          </p:nvPr>
-        </p:nvSpPr>
-        <p:spPr>
-          <a:xfrm>
-            <a:off x="685800" y="4343400"/>
-            <a:ext cx="5486400" cy="4114800"/>
-          </a:xfrm>
-          <a:prstGeom prst="rect">
-            <a:avLst/>
-          </a:prstGeom>
-        </p:spPr>
-        <p:txBody>
-          <a:bodyPr anchorCtr="0" anchor="t" bIns="91425" lIns="91425" spcFirstLastPara="1" rIns="91425" wrap="square" tIns="91425">
-            <a:noAutofit/>
-          </a:bodyPr>
-          <a:lstStyle/>
-          <a:p>
-            <a:pPr indent="0" lvl="0" marL="0" rtl="0" algn="l">
-              <a:spcBef>
-                <a:spcPts val="0"/>
-              </a:spcBef>
-              <a:spcAft>
-                <a:spcPts val="0"/>
-              </a:spcAft>
-              <a:buNone/>
-            </a:pPr>
-            <a:r>
-              <a:t/>
-            </a:r>
-            <a:endParaRPr/>
-          </a:p>
-        </p:txBody>
-      </p:sp>
-    </p:spTree>
-  </p:cSld>
-  <p:clrMapOvr>
-    <a:masterClrMapping/>
-  </p:clrMapOvr>
-</p:notes>
-</file>
-
-<file path=ppt/notesSlides/notesSlide22.xml><?xml version="1.0" encoding="utf-8"?>
-<p:notes xmlns:a="http://schemas.openxmlformats.org/drawingml/2006/main" xmlns:r="http://schemas.openxmlformats.org/officeDocument/2006/relationships" xmlns:mc="http://schemas.openxmlformats.org/markup-compatibility/2006" xmlns:mv="urn:schemas-microsoft-com:mac:vml" xmlns:p="http://schemas.openxmlformats.org/presentationml/2006/main" xmlns:c="http://schemas.openxmlformats.org/drawingml/2006/chart" xmlns:dgm="http://schemas.openxmlformats.org/drawingml/2006/diagram" xmlns:o="urn:schemas-microsoft-com:office:office" xmlns:v="urn:schemas-microsoft-com:vml" xmlns:pvml="urn:schemas-microsoft-com:office:powerpoint" xmlns:com="http://schemas.openxmlformats.org/drawingml/2006/compatibility" xmlns:p14="http://schemas.microsoft.com/office/powerpoint/2010/main" xmlns:p15="http://schemas.microsoft.com/office/powerpoint/2012/main" xmlns:ahyp="http://schemas.microsoft.com/office/drawing/2018/hyperlinkcolor" showMasterPhAnim="0" showMasterSp="0">
-  <p:cSld>
-    <p:spTree>
-      <p:nvGrpSpPr>
-        <p:cNvPr id="382" name="Shape 382"/>
-        <p:cNvGrpSpPr/>
-        <p:nvPr/>
-      </p:nvGrpSpPr>
-      <p:grpSpPr>
-        <a:xfrm>
-          <a:off x="0" y="0"/>
-          <a:ext cx="0" cy="0"/>
-          <a:chOff x="0" y="0"/>
-          <a:chExt cx="0" cy="0"/>
-        </a:xfrm>
-      </p:grpSpPr>
-      <p:sp>
-        <p:nvSpPr>
-          <p:cNvPr id="383" name="Google Shape;383;g2ccb79f218e_0_126:notes"/>
-          <p:cNvSpPr/>
-          <p:nvPr>
-            <p:ph idx="2" type="sldImg"/>
-          </p:nvPr>
-        </p:nvSpPr>
-        <p:spPr>
-          <a:xfrm>
-            <a:off x="381300" y="685800"/>
-            <a:ext cx="6096000" cy="3429000"/>
-          </a:xfrm>
-          <a:custGeom>
-            <a:rect b="b" l="l" r="r" t="t"/>
-            <a:pathLst>
-              <a:path extrusionOk="0" h="120000" w="120000">
-                <a:moveTo>
-                  <a:pt x="0" y="0"/>
-                </a:moveTo>
-                <a:lnTo>
-                  <a:pt x="120000" y="0"/>
-                </a:lnTo>
-                <a:lnTo>
-                  <a:pt x="120000" y="120000"/>
-                </a:lnTo>
-                <a:lnTo>
-                  <a:pt x="0" y="120000"/>
-                </a:lnTo>
-                <a:close/>
-              </a:path>
-            </a:pathLst>
-          </a:custGeom>
-        </p:spPr>
-      </p:sp>
-      <p:sp>
-        <p:nvSpPr>
-          <p:cNvPr id="384" name="Google Shape;384;g2ccb79f218e_0_126:notes"/>
+          <p:cNvPr id="387" name="Google Shape;387;g2ccb79f218e_0_126:notes"/>
           <p:cNvSpPr txBox="1"/>
           <p:nvPr>
             <p:ph idx="1" type="body"/>
@@ -2416,7 +2316,7 @@
   <p:cSld>
     <p:spTree>
       <p:nvGrpSpPr>
-        <p:cNvPr id="105" name="Shape 105"/>
+        <p:cNvPr id="103" name="Shape 103"/>
         <p:cNvGrpSpPr/>
         <p:nvPr/>
       </p:nvGrpSpPr>
@@ -2430,7 +2330,7 @@
       </p:grpSpPr>
       <p:sp>
         <p:nvSpPr>
-          <p:cNvPr id="106" name="Google Shape;106;g2ccb79f218e_0_57:notes"/>
+          <p:cNvPr id="104" name="Google Shape;104;g2ccb79f218e_0_57:notes"/>
           <p:cNvSpPr/>
           <p:nvPr>
             <p:ph idx="2" type="sldImg"/>
@@ -2465,7 +2365,7 @@
       </p:sp>
       <p:sp>
         <p:nvSpPr>
-          <p:cNvPr id="107" name="Google Shape;107;g2ccb79f218e_0_57:notes"/>
+          <p:cNvPr id="105" name="Google Shape;105;g2ccb79f218e_0_57:notes"/>
           <p:cNvSpPr txBox="1"/>
           <p:nvPr>
             <p:ph idx="1" type="body"/>
@@ -2515,7 +2415,7 @@
   <p:cSld>
     <p:spTree>
       <p:nvGrpSpPr>
-        <p:cNvPr id="143" name="Shape 143"/>
+        <p:cNvPr id="141" name="Shape 141"/>
         <p:cNvGrpSpPr/>
         <p:nvPr/>
       </p:nvGrpSpPr>
@@ -2529,7 +2429,7 @@
       </p:grpSpPr>
       <p:sp>
         <p:nvSpPr>
-          <p:cNvPr id="144" name="Google Shape;144;g2ccb79f218e_0_152:notes"/>
+          <p:cNvPr id="142" name="Google Shape;142;g2ccb79f218e_0_152:notes"/>
           <p:cNvSpPr/>
           <p:nvPr>
             <p:ph idx="2" type="sldImg"/>
@@ -2564,7 +2464,7 @@
       </p:sp>
       <p:sp>
         <p:nvSpPr>
-          <p:cNvPr id="145" name="Google Shape;145;g2ccb79f218e_0_152:notes"/>
+          <p:cNvPr id="143" name="Google Shape;143;g2ccb79f218e_0_152:notes"/>
           <p:cNvSpPr txBox="1"/>
           <p:nvPr>
             <p:ph idx="1" type="body"/>
@@ -2614,7 +2514,7 @@
   <p:cSld>
     <p:spTree>
       <p:nvGrpSpPr>
-        <p:cNvPr id="156" name="Shape 156"/>
+        <p:cNvPr id="154" name="Shape 154"/>
         <p:cNvGrpSpPr/>
         <p:nvPr/>
       </p:nvGrpSpPr>
@@ -2628,7 +2528,7 @@
       </p:grpSpPr>
       <p:sp>
         <p:nvSpPr>
-          <p:cNvPr id="157" name="Google Shape;157;g2ccb79f218e_0_167:notes"/>
+          <p:cNvPr id="155" name="Google Shape;155;g2ccb79f218e_0_167:notes"/>
           <p:cNvSpPr/>
           <p:nvPr>
             <p:ph idx="2" type="sldImg"/>
@@ -2663,7 +2563,7 @@
       </p:sp>
       <p:sp>
         <p:nvSpPr>
-          <p:cNvPr id="158" name="Google Shape;158;g2ccb79f218e_0_167:notes"/>
+          <p:cNvPr id="156" name="Google Shape;156;g2ccb79f218e_0_167:notes"/>
           <p:cNvSpPr txBox="1"/>
           <p:nvPr>
             <p:ph idx="1" type="body"/>
@@ -2713,7 +2613,7 @@
   <p:cSld>
     <p:spTree>
       <p:nvGrpSpPr>
-        <p:cNvPr id="167" name="Shape 167"/>
+        <p:cNvPr id="165" name="Shape 165"/>
         <p:cNvGrpSpPr/>
         <p:nvPr/>
       </p:nvGrpSpPr>
@@ -2727,7 +2627,7 @@
       </p:grpSpPr>
       <p:sp>
         <p:nvSpPr>
-          <p:cNvPr id="168" name="Google Shape;168;g2cd141f0872_0_90:notes"/>
+          <p:cNvPr id="166" name="Google Shape;166;g2cd141f0872_0_90:notes"/>
           <p:cNvSpPr/>
           <p:nvPr>
             <p:ph idx="2" type="sldImg"/>
@@ -2762,7 +2662,7 @@
       </p:sp>
       <p:sp>
         <p:nvSpPr>
-          <p:cNvPr id="169" name="Google Shape;169;g2cd141f0872_0_90:notes"/>
+          <p:cNvPr id="167" name="Google Shape;167;g2cd141f0872_0_90:notes"/>
           <p:cNvSpPr txBox="1"/>
           <p:nvPr>
             <p:ph idx="1" type="body"/>
@@ -2812,7 +2712,7 @@
   <p:cSld>
     <p:spTree>
       <p:nvGrpSpPr>
-        <p:cNvPr id="178" name="Shape 178"/>
+        <p:cNvPr id="176" name="Shape 176"/>
         <p:cNvGrpSpPr/>
         <p:nvPr/>
       </p:nvGrpSpPr>
@@ -2826,7 +2726,7 @@
       </p:grpSpPr>
       <p:sp>
         <p:nvSpPr>
-          <p:cNvPr id="179" name="Google Shape;179;g2cd141f0872_0_68:notes"/>
+          <p:cNvPr id="177" name="Google Shape;177;g2cd141f0872_0_68:notes"/>
           <p:cNvSpPr/>
           <p:nvPr>
             <p:ph idx="2" type="sldImg"/>
@@ -2861,7 +2761,7 @@
       </p:sp>
       <p:sp>
         <p:nvSpPr>
-          <p:cNvPr id="180" name="Google Shape;180;g2cd141f0872_0_68:notes"/>
+          <p:cNvPr id="178" name="Google Shape;178;g2cd141f0872_0_68:notes"/>
           <p:cNvSpPr txBox="1"/>
           <p:nvPr>
             <p:ph idx="1" type="body"/>
@@ -7955,7 +7855,7 @@
   <p:cSld>
     <p:spTree>
       <p:nvGrpSpPr>
-        <p:cNvPr id="192" name="Shape 192"/>
+        <p:cNvPr id="190" name="Shape 190"/>
         <p:cNvGrpSpPr/>
         <p:nvPr/>
       </p:nvGrpSpPr>
@@ -7969,7 +7869,7 @@
       </p:grpSpPr>
       <p:sp>
         <p:nvSpPr>
-          <p:cNvPr id="193" name="Google Shape;193;p22"/>
+          <p:cNvPr id="191" name="Google Shape;191;p22"/>
           <p:cNvSpPr txBox="1"/>
           <p:nvPr/>
         </p:nvSpPr>
@@ -8046,7 +7946,7 @@
       </p:sp>
       <p:sp>
         <p:nvSpPr>
-          <p:cNvPr id="194" name="Google Shape;194;p22"/>
+          <p:cNvPr id="192" name="Google Shape;192;p22"/>
           <p:cNvSpPr txBox="1"/>
           <p:nvPr/>
         </p:nvSpPr>
@@ -8189,7 +8089,7 @@
       </p:sp>
       <p:grpSp>
         <p:nvGrpSpPr>
-          <p:cNvPr id="195" name="Google Shape;195;p22"/>
+          <p:cNvPr id="193" name="Google Shape;193;p22"/>
           <p:cNvGrpSpPr/>
           <p:nvPr/>
         </p:nvGrpSpPr>
@@ -8203,7 +8103,7 @@
         </p:grpSpPr>
         <p:sp>
           <p:nvSpPr>
-            <p:cNvPr id="196" name="Google Shape;196;p22"/>
+            <p:cNvPr id="194" name="Google Shape;194;p22"/>
             <p:cNvSpPr txBox="1"/>
             <p:nvPr/>
           </p:nvSpPr>
@@ -8253,7 +8153,7 @@
         </p:sp>
         <p:pic>
           <p:nvPicPr>
-            <p:cNvPr id="197" name="Google Shape;197;p22"/>
+            <p:cNvPr id="195" name="Google Shape;195;p22"/>
             <p:cNvPicPr preferRelativeResize="0"/>
             <p:nvPr/>
           </p:nvPicPr>
@@ -8282,7 +8182,7 @@
       </p:grpSp>
       <p:grpSp>
         <p:nvGrpSpPr>
-          <p:cNvPr id="198" name="Google Shape;198;p22"/>
+          <p:cNvPr id="196" name="Google Shape;196;p22"/>
           <p:cNvGrpSpPr/>
           <p:nvPr/>
         </p:nvGrpSpPr>
@@ -8296,7 +8196,7 @@
         </p:grpSpPr>
         <p:sp>
           <p:nvSpPr>
-            <p:cNvPr id="199" name="Google Shape;199;p22"/>
+            <p:cNvPr id="197" name="Google Shape;197;p22"/>
             <p:cNvSpPr txBox="1"/>
             <p:nvPr/>
           </p:nvSpPr>
@@ -8346,7 +8246,7 @@
         </p:sp>
         <p:pic>
           <p:nvPicPr>
-            <p:cNvPr id="200" name="Google Shape;200;p22"/>
+            <p:cNvPr id="198" name="Google Shape;198;p22"/>
             <p:cNvPicPr preferRelativeResize="0"/>
             <p:nvPr/>
           </p:nvPicPr>
@@ -8375,10 +8275,10 @@
       </p:grpSp>
       <p:cxnSp>
         <p:nvCxnSpPr>
-          <p:cNvPr id="201" name="Google Shape;201;p22"/>
+          <p:cNvPr id="199" name="Google Shape;199;p22"/>
           <p:cNvCxnSpPr>
-            <a:stCxn id="197" idx="2"/>
-            <a:endCxn id="200" idx="1"/>
+            <a:stCxn id="195" idx="2"/>
+            <a:endCxn id="198" idx="1"/>
           </p:cNvCxnSpPr>
           <p:nvPr/>
         </p:nvCxnSpPr>
@@ -8404,10 +8304,10 @@
       </p:cxnSp>
       <p:cxnSp>
         <p:nvCxnSpPr>
-          <p:cNvPr id="202" name="Google Shape;202;p22"/>
+          <p:cNvPr id="200" name="Google Shape;200;p22"/>
           <p:cNvCxnSpPr>
-            <a:stCxn id="197" idx="2"/>
-            <a:endCxn id="203" idx="1"/>
+            <a:stCxn id="195" idx="2"/>
+            <a:endCxn id="201" idx="1"/>
           </p:cNvCxnSpPr>
           <p:nvPr/>
         </p:nvCxnSpPr>
@@ -8433,10 +8333,10 @@
       </p:cxnSp>
       <p:cxnSp>
         <p:nvCxnSpPr>
-          <p:cNvPr id="204" name="Google Shape;204;p22"/>
+          <p:cNvPr id="202" name="Google Shape;202;p22"/>
           <p:cNvCxnSpPr>
-            <a:stCxn id="200" idx="2"/>
-            <a:endCxn id="205" idx="1"/>
+            <a:stCxn id="198" idx="2"/>
+            <a:endCxn id="203" idx="1"/>
           </p:cNvCxnSpPr>
           <p:nvPr/>
         </p:nvCxnSpPr>
@@ -8462,10 +8362,10 @@
       </p:cxnSp>
       <p:cxnSp>
         <p:nvCxnSpPr>
-          <p:cNvPr id="206" name="Google Shape;206;p22"/>
+          <p:cNvPr id="204" name="Google Shape;204;p22"/>
           <p:cNvCxnSpPr>
-            <a:stCxn id="200" idx="2"/>
-            <a:endCxn id="207" idx="1"/>
+            <a:stCxn id="198" idx="2"/>
+            <a:endCxn id="205" idx="1"/>
           </p:cNvCxnSpPr>
           <p:nvPr/>
         </p:nvCxnSpPr>
@@ -8491,7 +8391,7 @@
       </p:cxnSp>
       <p:grpSp>
         <p:nvGrpSpPr>
-          <p:cNvPr id="208" name="Google Shape;208;p22"/>
+          <p:cNvPr id="206" name="Google Shape;206;p22"/>
           <p:cNvGrpSpPr/>
           <p:nvPr/>
         </p:nvGrpSpPr>
@@ -8505,7 +8405,7 @@
         </p:grpSpPr>
         <p:sp>
           <p:nvSpPr>
-            <p:cNvPr id="209" name="Google Shape;209;p22"/>
+            <p:cNvPr id="207" name="Google Shape;207;p22"/>
             <p:cNvSpPr txBox="1"/>
             <p:nvPr/>
           </p:nvSpPr>
@@ -8555,7 +8455,7 @@
         </p:sp>
         <p:pic>
           <p:nvPicPr>
-            <p:cNvPr id="207" name="Google Shape;207;p22"/>
+            <p:cNvPr id="205" name="Google Shape;205;p22"/>
             <p:cNvPicPr preferRelativeResize="0"/>
             <p:nvPr/>
           </p:nvPicPr>
@@ -8584,7 +8484,7 @@
       </p:grpSp>
       <p:grpSp>
         <p:nvGrpSpPr>
-          <p:cNvPr id="210" name="Google Shape;210;p22"/>
+          <p:cNvPr id="208" name="Google Shape;208;p22"/>
           <p:cNvGrpSpPr/>
           <p:nvPr/>
         </p:nvGrpSpPr>
@@ -8598,7 +8498,7 @@
         </p:grpSpPr>
         <p:sp>
           <p:nvSpPr>
-            <p:cNvPr id="211" name="Google Shape;211;p22"/>
+            <p:cNvPr id="209" name="Google Shape;209;p22"/>
             <p:cNvSpPr txBox="1"/>
             <p:nvPr/>
           </p:nvSpPr>
@@ -8648,7 +8548,7 @@
         </p:sp>
         <p:pic>
           <p:nvPicPr>
-            <p:cNvPr id="203" name="Google Shape;203;p22"/>
+            <p:cNvPr id="201" name="Google Shape;201;p22"/>
             <p:cNvPicPr preferRelativeResize="0"/>
             <p:nvPr/>
           </p:nvPicPr>
@@ -8677,7 +8577,7 @@
       </p:grpSp>
       <p:grpSp>
         <p:nvGrpSpPr>
-          <p:cNvPr id="212" name="Google Shape;212;p22"/>
+          <p:cNvPr id="210" name="Google Shape;210;p22"/>
           <p:cNvGrpSpPr/>
           <p:nvPr/>
         </p:nvGrpSpPr>
@@ -8691,7 +8591,7 @@
         </p:grpSpPr>
         <p:sp>
           <p:nvSpPr>
-            <p:cNvPr id="213" name="Google Shape;213;p22"/>
+            <p:cNvPr id="211" name="Google Shape;211;p22"/>
             <p:cNvSpPr txBox="1"/>
             <p:nvPr/>
           </p:nvSpPr>
@@ -8741,7 +8641,7 @@
         </p:sp>
         <p:pic>
           <p:nvPicPr>
-            <p:cNvPr id="205" name="Google Shape;205;p22"/>
+            <p:cNvPr id="203" name="Google Shape;203;p22"/>
             <p:cNvPicPr preferRelativeResize="0"/>
             <p:nvPr/>
           </p:nvPicPr>
@@ -8770,7 +8670,7 @@
       </p:grpSp>
       <p:grpSp>
         <p:nvGrpSpPr>
-          <p:cNvPr id="214" name="Google Shape;214;p22"/>
+          <p:cNvPr id="212" name="Google Shape;212;p22"/>
           <p:cNvGrpSpPr/>
           <p:nvPr/>
         </p:nvGrpSpPr>
@@ -8784,7 +8684,7 @@
         </p:grpSpPr>
         <p:pic>
           <p:nvPicPr>
-            <p:cNvPr id="215" name="Google Shape;215;p22"/>
+            <p:cNvPr id="213" name="Google Shape;213;p22"/>
             <p:cNvPicPr preferRelativeResize="0"/>
             <p:nvPr/>
           </p:nvPicPr>
@@ -8812,7 +8712,7 @@
         </p:pic>
         <p:sp>
           <p:nvSpPr>
-            <p:cNvPr id="216" name="Google Shape;216;p22"/>
+            <p:cNvPr id="214" name="Google Shape;214;p22"/>
             <p:cNvSpPr txBox="1"/>
             <p:nvPr/>
           </p:nvSpPr>
@@ -8863,9 +8763,9 @@
       </p:grpSp>
       <p:cxnSp>
         <p:nvCxnSpPr>
-          <p:cNvPr id="217" name="Google Shape;217;p22"/>
+          <p:cNvPr id="215" name="Google Shape;215;p22"/>
           <p:cNvCxnSpPr>
-            <a:endCxn id="215" idx="1"/>
+            <a:endCxn id="213" idx="1"/>
           </p:cNvCxnSpPr>
           <p:nvPr/>
         </p:nvCxnSpPr>
@@ -8902,7 +8802,7 @@
   <p:cSld>
     <p:spTree>
       <p:nvGrpSpPr>
-        <p:cNvPr id="221" name="Shape 221"/>
+        <p:cNvPr id="219" name="Shape 219"/>
         <p:cNvGrpSpPr/>
         <p:nvPr/>
       </p:nvGrpSpPr>
@@ -8916,7 +8816,7 @@
       </p:grpSpPr>
       <p:sp>
         <p:nvSpPr>
-          <p:cNvPr id="222" name="Google Shape;222;p23"/>
+          <p:cNvPr id="220" name="Google Shape;220;p23"/>
           <p:cNvSpPr txBox="1"/>
           <p:nvPr/>
         </p:nvSpPr>
@@ -8999,7 +8899,7 @@
       </p:sp>
       <p:sp>
         <p:nvSpPr>
-          <p:cNvPr id="223" name="Google Shape;223;p23"/>
+          <p:cNvPr id="221" name="Google Shape;221;p23"/>
           <p:cNvSpPr txBox="1"/>
           <p:nvPr/>
         </p:nvSpPr>
@@ -9049,7 +8949,7 @@
       </p:sp>
       <p:grpSp>
         <p:nvGrpSpPr>
-          <p:cNvPr id="224" name="Google Shape;224;p23"/>
+          <p:cNvPr id="222" name="Google Shape;222;p23"/>
           <p:cNvGrpSpPr/>
           <p:nvPr/>
         </p:nvGrpSpPr>
@@ -9063,7 +8963,7 @@
         </p:grpSpPr>
         <p:sp>
           <p:nvSpPr>
-            <p:cNvPr id="225" name="Google Shape;225;p23"/>
+            <p:cNvPr id="223" name="Google Shape;223;p23"/>
             <p:cNvSpPr txBox="1"/>
             <p:nvPr/>
           </p:nvSpPr>
@@ -9972,7 +9872,7 @@
         </p:sp>
         <p:grpSp>
           <p:nvGrpSpPr>
-            <p:cNvPr id="226" name="Google Shape;226;p23"/>
+            <p:cNvPr id="224" name="Google Shape;224;p23"/>
             <p:cNvGrpSpPr/>
             <p:nvPr/>
           </p:nvGrpSpPr>
@@ -9986,7 +9886,7 @@
           </p:grpSpPr>
           <p:sp>
             <p:nvSpPr>
-              <p:cNvPr id="227" name="Google Shape;227;p23"/>
+              <p:cNvPr id="225" name="Google Shape;225;p23"/>
               <p:cNvSpPr txBox="1"/>
               <p:nvPr/>
             </p:nvSpPr>
@@ -10895,7 +10795,7 @@
           </p:sp>
           <p:sp>
             <p:nvSpPr>
-              <p:cNvPr id="228" name="Google Shape;228;p23"/>
+              <p:cNvPr id="226" name="Google Shape;226;p23"/>
               <p:cNvSpPr txBox="1"/>
               <p:nvPr/>
             </p:nvSpPr>
@@ -10954,7 +10854,7 @@
   <p:cSld>
     <p:spTree>
       <p:nvGrpSpPr>
-        <p:cNvPr id="232" name="Shape 232"/>
+        <p:cNvPr id="230" name="Shape 230"/>
         <p:cNvGrpSpPr/>
         <p:nvPr/>
       </p:nvGrpSpPr>
@@ -10968,7 +10868,7 @@
       </p:grpSpPr>
       <p:sp>
         <p:nvSpPr>
-          <p:cNvPr id="233" name="Google Shape;233;p24"/>
+          <p:cNvPr id="231" name="Google Shape;231;p24"/>
           <p:cNvSpPr txBox="1"/>
           <p:nvPr/>
         </p:nvSpPr>
@@ -11039,7 +10939,7 @@
       </p:sp>
       <p:grpSp>
         <p:nvGrpSpPr>
-          <p:cNvPr id="234" name="Google Shape;234;p24"/>
+          <p:cNvPr id="232" name="Google Shape;232;p24"/>
           <p:cNvGrpSpPr/>
           <p:nvPr/>
         </p:nvGrpSpPr>
@@ -11053,7 +10953,7 @@
         </p:grpSpPr>
         <p:sp>
           <p:nvSpPr>
-            <p:cNvPr id="235" name="Google Shape;235;p24"/>
+            <p:cNvPr id="233" name="Google Shape;233;p24"/>
             <p:cNvSpPr txBox="1"/>
             <p:nvPr/>
           </p:nvSpPr>
@@ -11224,7 +11124,7 @@
         </p:sp>
         <p:pic>
           <p:nvPicPr>
-            <p:cNvPr id="236" name="Google Shape;236;p24"/>
+            <p:cNvPr id="234" name="Google Shape;234;p24"/>
             <p:cNvPicPr preferRelativeResize="0"/>
             <p:nvPr/>
           </p:nvPicPr>
@@ -11264,7 +11164,7 @@
   <p:cSld>
     <p:spTree>
       <p:nvGrpSpPr>
-        <p:cNvPr id="240" name="Shape 240"/>
+        <p:cNvPr id="238" name="Shape 238"/>
         <p:cNvGrpSpPr/>
         <p:nvPr/>
       </p:nvGrpSpPr>
@@ -11278,7 +11178,7 @@
       </p:grpSpPr>
       <p:sp>
         <p:nvSpPr>
-          <p:cNvPr id="241" name="Google Shape;241;p25"/>
+          <p:cNvPr id="239" name="Google Shape;239;p25"/>
           <p:cNvSpPr txBox="1"/>
           <p:nvPr/>
         </p:nvSpPr>
@@ -11352,21 +11252,21 @@
       </p:sp>
       <p:grpSp>
         <p:nvGrpSpPr>
-          <p:cNvPr id="242" name="Google Shape;242;p25"/>
+          <p:cNvPr id="240" name="Google Shape;240;p25"/>
           <p:cNvGrpSpPr/>
           <p:nvPr/>
         </p:nvGrpSpPr>
         <p:grpSpPr>
           <a:xfrm>
-            <a:off x="6676338" y="180000"/>
-            <a:ext cx="2346635" cy="354000"/>
+            <a:off x="7718693" y="180000"/>
+            <a:ext cx="1304494" cy="354000"/>
             <a:chOff x="6274188" y="4238216"/>
             <a:chExt cx="2346635" cy="354000"/>
           </a:xfrm>
         </p:grpSpPr>
         <p:sp>
           <p:nvSpPr>
-            <p:cNvPr id="243" name="Google Shape;243;p25"/>
+            <p:cNvPr id="241" name="Google Shape;241;p25"/>
             <p:cNvSpPr txBox="1"/>
             <p:nvPr/>
           </p:nvSpPr>
@@ -11404,7 +11304,7 @@
                     <a:schemeClr val="dk2"/>
                   </a:solidFill>
                 </a:rPr>
-                <a:t>db_creation_script.sql</a:t>
+                <a:t>creation_db.sql</a:t>
               </a:r>
               <a:endParaRPr sz="1100">
                 <a:solidFill>
@@ -11416,7 +11316,7 @@
         </p:sp>
         <p:pic>
           <p:nvPicPr>
-            <p:cNvPr id="244" name="Google Shape;244;p25"/>
+            <p:cNvPr id="242" name="Google Shape;242;p25"/>
             <p:cNvPicPr preferRelativeResize="0"/>
             <p:nvPr/>
           </p:nvPicPr>
@@ -11445,17 +11345,17 @@
       </p:grpSp>
       <p:cxnSp>
         <p:nvCxnSpPr>
-          <p:cNvPr id="245" name="Google Shape;245;p25"/>
+          <p:cNvPr id="243" name="Google Shape;243;p25"/>
           <p:cNvCxnSpPr>
-            <a:stCxn id="241" idx="3"/>
-            <a:endCxn id="243" idx="2"/>
+            <a:stCxn id="239" idx="3"/>
+            <a:endCxn id="241" idx="2"/>
           </p:cNvCxnSpPr>
           <p:nvPr/>
         </p:nvCxnSpPr>
         <p:spPr>
           <a:xfrm flipH="1" rot="10800000">
             <a:off x="6361800" y="534125"/>
-            <a:ext cx="1632600" cy="222900"/>
+            <a:ext cx="2089500" cy="222900"/>
           </a:xfrm>
           <a:prstGeom prst="bentConnector2">
             <a:avLst/>
@@ -11474,7 +11374,7 @@
       </p:cxnSp>
       <p:sp>
         <p:nvSpPr>
-          <p:cNvPr id="246" name="Google Shape;246;p25"/>
+          <p:cNvPr id="244" name="Google Shape;244;p25"/>
           <p:cNvSpPr txBox="1"/>
           <p:nvPr/>
         </p:nvSpPr>
@@ -14567,7 +14467,7 @@
       </p:sp>
       <p:sp>
         <p:nvSpPr>
-          <p:cNvPr id="247" name="Google Shape;247;p25"/>
+          <p:cNvPr id="245" name="Google Shape;245;p25"/>
           <p:cNvSpPr txBox="1"/>
           <p:nvPr/>
         </p:nvSpPr>
@@ -14635,7 +14535,7 @@
       </p:sp>
       <p:sp>
         <p:nvSpPr>
-          <p:cNvPr id="248" name="Google Shape;248;p25"/>
+          <p:cNvPr id="246" name="Google Shape;246;p25"/>
           <p:cNvSpPr txBox="1"/>
           <p:nvPr/>
         </p:nvSpPr>
@@ -14694,7 +14594,7 @@
       </p:sp>
       <p:sp>
         <p:nvSpPr>
-          <p:cNvPr id="249" name="Google Shape;249;p25"/>
+          <p:cNvPr id="247" name="Google Shape;247;p25"/>
           <p:cNvSpPr txBox="1"/>
           <p:nvPr/>
         </p:nvSpPr>
@@ -14753,9 +14653,9 @@
       </p:sp>
       <p:cxnSp>
         <p:nvCxnSpPr>
-          <p:cNvPr id="250" name="Google Shape;250;p25"/>
+          <p:cNvPr id="248" name="Google Shape;248;p25"/>
           <p:cNvCxnSpPr>
-            <a:stCxn id="247" idx="1"/>
+            <a:stCxn id="245" idx="1"/>
           </p:cNvCxnSpPr>
           <p:nvPr/>
         </p:nvCxnSpPr>
@@ -14781,9 +14681,9 @@
       </p:cxnSp>
       <p:cxnSp>
         <p:nvCxnSpPr>
-          <p:cNvPr id="251" name="Google Shape;251;p25"/>
+          <p:cNvPr id="249" name="Google Shape;249;p25"/>
           <p:cNvCxnSpPr>
-            <a:stCxn id="249" idx="1"/>
+            <a:stCxn id="247" idx="1"/>
           </p:cNvCxnSpPr>
           <p:nvPr/>
         </p:nvCxnSpPr>
@@ -14811,15 +14711,13 @@
       </p:cxnSp>
       <p:cxnSp>
         <p:nvCxnSpPr>
-          <p:cNvPr id="252" name="Google Shape;252;p25"/>
-          <p:cNvCxnSpPr>
-            <a:stCxn id="248" idx="1"/>
-          </p:cNvCxnSpPr>
+          <p:cNvPr id="250" name="Google Shape;250;p25"/>
+          <p:cNvCxnSpPr/>
           <p:nvPr/>
         </p:nvCxnSpPr>
         <p:spPr>
           <a:xfrm rot="10800000">
-            <a:off x="4415850" y="4006050"/>
+            <a:off x="4415850" y="3929850"/>
             <a:ext cx="1507500" cy="460200"/>
           </a:xfrm>
           <a:prstGeom prst="curvedConnector3">
@@ -14852,7 +14750,7 @@
   <p:cSld>
     <p:spTree>
       <p:nvGrpSpPr>
-        <p:cNvPr id="256" name="Shape 256"/>
+        <p:cNvPr id="254" name="Shape 254"/>
         <p:cNvGrpSpPr/>
         <p:nvPr/>
       </p:nvGrpSpPr>
@@ -14866,7 +14764,7 @@
       </p:grpSpPr>
       <p:sp>
         <p:nvSpPr>
-          <p:cNvPr id="257" name="Google Shape;257;p26"/>
+          <p:cNvPr id="255" name="Google Shape;255;p26"/>
           <p:cNvSpPr txBox="1"/>
           <p:nvPr/>
         </p:nvSpPr>
@@ -14940,21 +14838,21 @@
       </p:sp>
       <p:grpSp>
         <p:nvGrpSpPr>
-          <p:cNvPr id="258" name="Google Shape;258;p26"/>
+          <p:cNvPr id="256" name="Google Shape;256;p26"/>
           <p:cNvGrpSpPr/>
           <p:nvPr/>
         </p:nvGrpSpPr>
         <p:grpSpPr>
           <a:xfrm>
-            <a:off x="6676338" y="180000"/>
-            <a:ext cx="2346635" cy="354000"/>
+            <a:off x="6934380" y="180000"/>
+            <a:ext cx="2088036" cy="354000"/>
             <a:chOff x="6274188" y="4238216"/>
             <a:chExt cx="2346635" cy="354000"/>
           </a:xfrm>
         </p:grpSpPr>
         <p:sp>
           <p:nvSpPr>
-            <p:cNvPr id="259" name="Google Shape;259;p26"/>
+            <p:cNvPr id="257" name="Google Shape;257;p26"/>
             <p:cNvSpPr txBox="1"/>
             <p:nvPr/>
           </p:nvSpPr>
@@ -14992,7 +14890,7 @@
                     <a:schemeClr val="dk2"/>
                   </a:solidFill>
                 </a:rPr>
-                <a:t>db_requetes_diverses</a:t>
+                <a:t>requetes_optimisation</a:t>
               </a:r>
               <a:r>
                 <a:rPr lang="fr" sz="1100">
@@ -15012,7 +14910,7 @@
         </p:sp>
         <p:pic>
           <p:nvPicPr>
-            <p:cNvPr id="260" name="Google Shape;260;p26"/>
+            <p:cNvPr id="258" name="Google Shape;258;p26"/>
             <p:cNvPicPr preferRelativeResize="0"/>
             <p:nvPr/>
           </p:nvPicPr>
@@ -15041,17 +14939,17 @@
       </p:grpSp>
       <p:cxnSp>
         <p:nvCxnSpPr>
-          <p:cNvPr id="261" name="Google Shape;261;p26"/>
+          <p:cNvPr id="259" name="Google Shape;259;p26"/>
           <p:cNvCxnSpPr>
-            <a:stCxn id="257" idx="3"/>
-            <a:endCxn id="259" idx="2"/>
+            <a:stCxn id="255" idx="3"/>
+            <a:endCxn id="257" idx="2"/>
           </p:cNvCxnSpPr>
           <p:nvPr/>
         </p:nvCxnSpPr>
         <p:spPr>
           <a:xfrm flipH="1" rot="10800000">
             <a:off x="6626400" y="534125"/>
-            <a:ext cx="1368000" cy="222900"/>
+            <a:ext cx="1480800" cy="222900"/>
           </a:xfrm>
           <a:prstGeom prst="bentConnector2">
             <a:avLst/>
@@ -15070,7 +14968,7 @@
       </p:cxnSp>
       <p:sp>
         <p:nvSpPr>
-          <p:cNvPr id="262" name="Google Shape;262;p26"/>
+          <p:cNvPr id="260" name="Google Shape;260;p26"/>
           <p:cNvSpPr txBox="1"/>
           <p:nvPr/>
         </p:nvSpPr>
@@ -15116,7 +15014,39 @@
                   <a:schemeClr val="dk2"/>
                 </a:solidFill>
               </a:rPr>
-              <a:t>ptimiser sa base de données avant de creer notre nouveau schema et cela permet de maximiser les performances, la fiabilité et de contribuer à maintenant l’intégrité des données</a:t>
+              <a:t>ptimiser sa base de données avant de </a:t>
+            </a:r>
+            <a:r>
+              <a:rPr lang="fr">
+                <a:solidFill>
+                  <a:schemeClr val="dk2"/>
+                </a:solidFill>
+              </a:rPr>
+              <a:t>créer</a:t>
+            </a:r>
+            <a:r>
+              <a:rPr lang="fr">
+                <a:solidFill>
+                  <a:schemeClr val="dk2"/>
+                </a:solidFill>
+              </a:rPr>
+              <a:t> notre nouveau </a:t>
+            </a:r>
+            <a:r>
+              <a:rPr lang="fr">
+                <a:solidFill>
+                  <a:schemeClr val="dk2"/>
+                </a:solidFill>
+              </a:rPr>
+              <a:t>schéma</a:t>
+            </a:r>
+            <a:r>
+              <a:rPr lang="fr">
+                <a:solidFill>
+                  <a:schemeClr val="dk2"/>
+                </a:solidFill>
+              </a:rPr>
+              <a:t> et cela permet de maximiser les performances, la fiabilité et de contribuer à maintenant l’intégrité des données</a:t>
             </a:r>
             <a:endParaRPr>
               <a:solidFill>
@@ -15128,7 +15058,7 @@
       </p:sp>
       <p:cxnSp>
         <p:nvCxnSpPr>
-          <p:cNvPr id="263" name="Google Shape;263;p26"/>
+          <p:cNvPr id="261" name="Google Shape;261;p26"/>
           <p:cNvCxnSpPr/>
           <p:nvPr/>
         </p:nvCxnSpPr>
@@ -15154,7 +15084,7 @@
       </p:cxnSp>
       <p:grpSp>
         <p:nvGrpSpPr>
-          <p:cNvPr id="264" name="Google Shape;264;p26"/>
+          <p:cNvPr id="262" name="Google Shape;262;p26"/>
           <p:cNvGrpSpPr/>
           <p:nvPr/>
         </p:nvGrpSpPr>
@@ -15168,7 +15098,7 @@
         </p:grpSpPr>
         <p:sp>
           <p:nvSpPr>
-            <p:cNvPr id="265" name="Google Shape;265;p26"/>
+            <p:cNvPr id="263" name="Google Shape;263;p26"/>
             <p:cNvSpPr txBox="1"/>
             <p:nvPr/>
           </p:nvSpPr>
@@ -15915,7 +15845,7 @@
         </p:sp>
         <p:sp>
           <p:nvSpPr>
-            <p:cNvPr id="266" name="Google Shape;266;p26"/>
+            <p:cNvPr id="264" name="Google Shape;264;p26"/>
             <p:cNvSpPr txBox="1"/>
             <p:nvPr/>
           </p:nvSpPr>
@@ -16020,7 +15950,7 @@
   <p:cSld>
     <p:spTree>
       <p:nvGrpSpPr>
-        <p:cNvPr id="270" name="Shape 270"/>
+        <p:cNvPr id="268" name="Shape 268"/>
         <p:cNvGrpSpPr/>
         <p:nvPr/>
       </p:nvGrpSpPr>
@@ -16034,7 +15964,7 @@
       </p:grpSpPr>
       <p:sp>
         <p:nvSpPr>
-          <p:cNvPr id="271" name="Google Shape;271;p27"/>
+          <p:cNvPr id="269" name="Google Shape;269;p27"/>
           <p:cNvSpPr txBox="1"/>
           <p:nvPr/>
         </p:nvSpPr>
@@ -16111,14 +16041,14 @@
       </p:sp>
       <p:sp>
         <p:nvSpPr>
-          <p:cNvPr id="272" name="Google Shape;272;p27"/>
+          <p:cNvPr id="270" name="Google Shape;270;p27"/>
           <p:cNvSpPr txBox="1"/>
           <p:nvPr/>
         </p:nvSpPr>
         <p:spPr>
           <a:xfrm>
             <a:off x="689100" y="1587500"/>
-            <a:ext cx="4675500" cy="1262100"/>
+            <a:ext cx="4675500" cy="1046700"/>
           </a:xfrm>
           <a:prstGeom prst="rect">
             <a:avLst/>
@@ -16177,34 +16107,6 @@
                   <a:schemeClr val="dk2"/>
                 </a:solidFill>
               </a:rPr>
-              <a:t>Charger les données </a:t>
-            </a:r>
-            <a:endParaRPr>
-              <a:solidFill>
-                <a:schemeClr val="dk2"/>
-              </a:solidFill>
-            </a:endParaRPr>
-          </a:p>
-          <a:p>
-            <a:pPr indent="-317500" lvl="0" marL="457200" rtl="0" algn="just">
-              <a:spcBef>
-                <a:spcPts val="0"/>
-              </a:spcBef>
-              <a:spcAft>
-                <a:spcPts val="0"/>
-              </a:spcAft>
-              <a:buClr>
-                <a:schemeClr val="dk2"/>
-              </a:buClr>
-              <a:buSzPts val="1400"/>
-              <a:buChar char="●"/>
-            </a:pPr>
-            <a:r>
-              <a:rPr lang="fr">
-                <a:solidFill>
-                  <a:schemeClr val="dk2"/>
-                </a:solidFill>
-              </a:rPr>
               <a:t>Dénormaliser (schéma en constellation) et charger les données dans le système cible </a:t>
             </a:r>
             <a:endParaRPr>
@@ -16245,7 +16147,7 @@
       </p:sp>
       <p:pic>
         <p:nvPicPr>
-          <p:cNvPr id="273" name="Google Shape;273;p27"/>
+          <p:cNvPr id="271" name="Google Shape;271;p27"/>
           <p:cNvPicPr preferRelativeResize="0"/>
           <p:nvPr/>
         </p:nvPicPr>
@@ -16273,7 +16175,7 @@
       </p:pic>
       <p:sp>
         <p:nvSpPr>
-          <p:cNvPr id="274" name="Google Shape;274;p27"/>
+          <p:cNvPr id="272" name="Google Shape;272;p27"/>
           <p:cNvSpPr txBox="1"/>
           <p:nvPr/>
         </p:nvSpPr>
@@ -16323,10 +16225,10 @@
       </p:sp>
       <p:cxnSp>
         <p:nvCxnSpPr>
-          <p:cNvPr id="275" name="Google Shape;275;p27"/>
+          <p:cNvPr id="273" name="Google Shape;273;p27"/>
           <p:cNvCxnSpPr>
-            <a:stCxn id="273" idx="2"/>
-            <a:endCxn id="276" idx="1"/>
+            <a:stCxn id="271" idx="2"/>
+            <a:endCxn id="274" idx="1"/>
           </p:cNvCxnSpPr>
           <p:nvPr/>
         </p:nvCxnSpPr>
@@ -16352,7 +16254,7 @@
       </p:cxnSp>
       <p:sp>
         <p:nvSpPr>
-          <p:cNvPr id="276" name="Google Shape;276;p27"/>
+          <p:cNvPr id="274" name="Google Shape;274;p27"/>
           <p:cNvSpPr txBox="1"/>
           <p:nvPr/>
         </p:nvSpPr>
@@ -16402,7 +16304,7 @@
       </p:sp>
       <p:pic>
         <p:nvPicPr>
-          <p:cNvPr id="277" name="Google Shape;277;p27"/>
+          <p:cNvPr id="275" name="Google Shape;275;p27"/>
           <p:cNvPicPr preferRelativeResize="0"/>
           <p:nvPr/>
         </p:nvPicPr>
@@ -16430,14 +16332,14 @@
       </p:pic>
       <p:sp>
         <p:nvSpPr>
-          <p:cNvPr id="278" name="Google Shape;278;p27"/>
+          <p:cNvPr id="276" name="Google Shape;276;p27"/>
           <p:cNvSpPr txBox="1"/>
           <p:nvPr/>
         </p:nvSpPr>
         <p:spPr>
           <a:xfrm>
-            <a:off x="6922458" y="2202740"/>
-            <a:ext cx="728700" cy="323100"/>
+            <a:off x="6922451" y="2202750"/>
+            <a:ext cx="1552800" cy="323100"/>
           </a:xfrm>
           <a:prstGeom prst="rect">
             <a:avLst/>
@@ -16468,7 +16370,7 @@
                   <a:schemeClr val="dk2"/>
                 </a:solidFill>
               </a:rPr>
-              <a:t>ARRETS</a:t>
+              <a:t>ARRONDISSEMENTS</a:t>
             </a:r>
             <a:endParaRPr sz="900">
               <a:solidFill>
@@ -16480,7 +16382,7 @@
       </p:sp>
       <p:pic>
         <p:nvPicPr>
-          <p:cNvPr id="279" name="Google Shape;279;p27"/>
+          <p:cNvPr id="277" name="Google Shape;277;p27"/>
           <p:cNvPicPr preferRelativeResize="0"/>
           <p:nvPr/>
         </p:nvPicPr>
@@ -16508,7 +16410,7 @@
       </p:pic>
       <p:sp>
         <p:nvSpPr>
-          <p:cNvPr id="280" name="Google Shape;280;p27"/>
+          <p:cNvPr id="278" name="Google Shape;278;p27"/>
           <p:cNvSpPr txBox="1"/>
           <p:nvPr/>
         </p:nvSpPr>
@@ -16558,7 +16460,7 @@
       </p:sp>
       <p:pic>
         <p:nvPicPr>
-          <p:cNvPr id="281" name="Google Shape;281;p27"/>
+          <p:cNvPr id="279" name="Google Shape;279;p27"/>
           <p:cNvPicPr preferRelativeResize="0"/>
           <p:nvPr/>
         </p:nvPicPr>
@@ -16586,7 +16488,7 @@
       </p:pic>
       <p:sp>
         <p:nvSpPr>
-          <p:cNvPr id="282" name="Google Shape;282;p27"/>
+          <p:cNvPr id="280" name="Google Shape;280;p27"/>
           <p:cNvSpPr txBox="1"/>
           <p:nvPr/>
         </p:nvSpPr>
@@ -16636,10 +16538,10 @@
       </p:sp>
       <p:cxnSp>
         <p:nvCxnSpPr>
-          <p:cNvPr id="283" name="Google Shape;283;p27"/>
+          <p:cNvPr id="281" name="Google Shape;281;p27"/>
           <p:cNvCxnSpPr>
-            <a:stCxn id="281" idx="2"/>
-            <a:endCxn id="284" idx="1"/>
+            <a:stCxn id="279" idx="2"/>
+            <a:endCxn id="282" idx="1"/>
           </p:cNvCxnSpPr>
           <p:nvPr/>
         </p:nvCxnSpPr>
@@ -16665,7 +16567,7 @@
       </p:cxnSp>
       <p:sp>
         <p:nvSpPr>
-          <p:cNvPr id="284" name="Google Shape;284;p27"/>
+          <p:cNvPr id="282" name="Google Shape;282;p27"/>
           <p:cNvSpPr txBox="1"/>
           <p:nvPr/>
         </p:nvSpPr>
@@ -16715,7 +16617,7 @@
       </p:sp>
       <p:pic>
         <p:nvPicPr>
-          <p:cNvPr id="285" name="Google Shape;285;p27"/>
+          <p:cNvPr id="283" name="Google Shape;283;p27"/>
           <p:cNvPicPr preferRelativeResize="0"/>
           <p:nvPr/>
         </p:nvPicPr>
@@ -16743,7 +16645,7 @@
       </p:pic>
       <p:sp>
         <p:nvSpPr>
-          <p:cNvPr id="286" name="Google Shape;286;p27"/>
+          <p:cNvPr id="284" name="Google Shape;284;p27"/>
           <p:cNvSpPr txBox="1"/>
           <p:nvPr/>
         </p:nvSpPr>
@@ -16789,7 +16691,7 @@
                   <a:schemeClr val="dk2"/>
                 </a:solidFill>
               </a:rPr>
-              <a:t>ARRETS</a:t>
+              <a:t>DATE</a:t>
             </a:r>
             <a:endParaRPr sz="900">
               <a:solidFill>
@@ -16801,7 +16703,7 @@
       </p:sp>
       <p:pic>
         <p:nvPicPr>
-          <p:cNvPr id="287" name="Google Shape;287;p27"/>
+          <p:cNvPr id="285" name="Google Shape;285;p27"/>
           <p:cNvPicPr preferRelativeResize="0"/>
           <p:nvPr/>
         </p:nvPicPr>
@@ -16829,7 +16731,7 @@
       </p:pic>
       <p:sp>
         <p:nvSpPr>
-          <p:cNvPr id="288" name="Google Shape;288;p27"/>
+          <p:cNvPr id="286" name="Google Shape;286;p27"/>
           <p:cNvSpPr txBox="1"/>
           <p:nvPr/>
         </p:nvSpPr>
@@ -16879,7 +16781,7 @@
       </p:sp>
       <p:pic>
         <p:nvPicPr>
-          <p:cNvPr id="289" name="Google Shape;289;p27"/>
+          <p:cNvPr id="287" name="Google Shape;287;p27"/>
           <p:cNvPicPr preferRelativeResize="0"/>
           <p:nvPr/>
         </p:nvPicPr>
@@ -16907,7 +16809,7 @@
       </p:pic>
       <p:sp>
         <p:nvSpPr>
-          <p:cNvPr id="290" name="Google Shape;290;p27"/>
+          <p:cNvPr id="288" name="Google Shape;288;p27"/>
           <p:cNvSpPr txBox="1"/>
           <p:nvPr/>
         </p:nvSpPr>
@@ -16945,7 +16847,7 @@
                   <a:schemeClr val="dk2"/>
                 </a:solidFill>
               </a:rPr>
-              <a:t>DIM_ESPACES_LIBRES…</a:t>
+              <a:t>DIM_NBR_PIECES</a:t>
             </a:r>
             <a:endParaRPr sz="900">
               <a:solidFill>
@@ -16957,7 +16859,7 @@
       </p:sp>
       <p:pic>
         <p:nvPicPr>
-          <p:cNvPr id="291" name="Google Shape;291;p27"/>
+          <p:cNvPr id="289" name="Google Shape;289;p27"/>
           <p:cNvPicPr preferRelativeResize="0"/>
           <p:nvPr/>
         </p:nvPicPr>
@@ -16985,7 +16887,7 @@
       </p:pic>
       <p:sp>
         <p:nvSpPr>
-          <p:cNvPr id="292" name="Google Shape;292;p27"/>
+          <p:cNvPr id="290" name="Google Shape;290;p27"/>
           <p:cNvSpPr txBox="1"/>
           <p:nvPr/>
         </p:nvSpPr>
@@ -17023,7 +16925,7 @@
                   <a:schemeClr val="dk2"/>
                 </a:solidFill>
               </a:rPr>
-              <a:t>DIM_ETABLISSEMENTS…</a:t>
+              <a:t>DIM_TYPE_LOCAL</a:t>
             </a:r>
             <a:endParaRPr sz="900">
               <a:solidFill>
@@ -17035,7 +16937,7 @@
       </p:sp>
       <p:pic>
         <p:nvPicPr>
-          <p:cNvPr id="293" name="Google Shape;293;p27"/>
+          <p:cNvPr id="291" name="Google Shape;291;p27"/>
           <p:cNvPicPr preferRelativeResize="0"/>
           <p:nvPr/>
         </p:nvPicPr>
@@ -17063,7 +16965,7 @@
       </p:pic>
       <p:sp>
         <p:nvSpPr>
-          <p:cNvPr id="294" name="Google Shape;294;p27"/>
+          <p:cNvPr id="292" name="Google Shape;292;p27"/>
           <p:cNvSpPr txBox="1"/>
           <p:nvPr/>
         </p:nvSpPr>
@@ -17113,7 +17015,7 @@
       </p:sp>
       <p:pic>
         <p:nvPicPr>
-          <p:cNvPr id="295" name="Google Shape;295;p27"/>
+          <p:cNvPr id="293" name="Google Shape;293;p27"/>
           <p:cNvPicPr preferRelativeResize="0"/>
           <p:nvPr/>
         </p:nvPicPr>
@@ -17141,7 +17043,7 @@
       </p:pic>
       <p:sp>
         <p:nvSpPr>
-          <p:cNvPr id="296" name="Google Shape;296;p27"/>
+          <p:cNvPr id="294" name="Google Shape;294;p27"/>
           <p:cNvSpPr txBox="1"/>
           <p:nvPr/>
         </p:nvSpPr>
@@ -17191,10 +17093,10 @@
       </p:sp>
       <p:cxnSp>
         <p:nvCxnSpPr>
-          <p:cNvPr id="297" name="Google Shape;297;p27"/>
+          <p:cNvPr id="295" name="Google Shape;295;p27"/>
           <p:cNvCxnSpPr>
-            <a:stCxn id="276" idx="2"/>
-            <a:endCxn id="277" idx="1"/>
+            <a:stCxn id="274" idx="2"/>
+            <a:endCxn id="275" idx="1"/>
           </p:cNvCxnSpPr>
           <p:nvPr/>
         </p:nvCxnSpPr>
@@ -17220,10 +17122,10 @@
       </p:cxnSp>
       <p:cxnSp>
         <p:nvCxnSpPr>
-          <p:cNvPr id="298" name="Google Shape;298;p27"/>
+          <p:cNvPr id="296" name="Google Shape;296;p27"/>
           <p:cNvCxnSpPr>
-            <a:stCxn id="276" idx="2"/>
-            <a:endCxn id="279" idx="1"/>
+            <a:stCxn id="274" idx="2"/>
+            <a:endCxn id="277" idx="1"/>
           </p:cNvCxnSpPr>
           <p:nvPr/>
         </p:nvCxnSpPr>
@@ -17249,10 +17151,10 @@
       </p:cxnSp>
       <p:cxnSp>
         <p:nvCxnSpPr>
-          <p:cNvPr id="299" name="Google Shape;299;p27"/>
+          <p:cNvPr id="297" name="Google Shape;297;p27"/>
           <p:cNvCxnSpPr>
-            <a:stCxn id="284" idx="2"/>
-            <a:endCxn id="285" idx="1"/>
+            <a:stCxn id="282" idx="2"/>
+            <a:endCxn id="283" idx="1"/>
           </p:cNvCxnSpPr>
           <p:nvPr/>
         </p:nvCxnSpPr>
@@ -17278,10 +17180,10 @@
       </p:cxnSp>
       <p:cxnSp>
         <p:nvCxnSpPr>
-          <p:cNvPr id="300" name="Google Shape;300;p27"/>
+          <p:cNvPr id="298" name="Google Shape;298;p27"/>
           <p:cNvCxnSpPr>
-            <a:stCxn id="284" idx="2"/>
-            <a:endCxn id="287" idx="1"/>
+            <a:stCxn id="282" idx="2"/>
+            <a:endCxn id="285" idx="1"/>
           </p:cNvCxnSpPr>
           <p:nvPr/>
         </p:nvCxnSpPr>
@@ -17307,10 +17209,10 @@
       </p:cxnSp>
       <p:cxnSp>
         <p:nvCxnSpPr>
-          <p:cNvPr id="301" name="Google Shape;301;p27"/>
+          <p:cNvPr id="299" name="Google Shape;299;p27"/>
           <p:cNvCxnSpPr>
-            <a:stCxn id="284" idx="2"/>
-            <a:endCxn id="289" idx="1"/>
+            <a:stCxn id="282" idx="2"/>
+            <a:endCxn id="287" idx="1"/>
           </p:cNvCxnSpPr>
           <p:nvPr/>
         </p:nvCxnSpPr>
@@ -17336,10 +17238,10 @@
       </p:cxnSp>
       <p:cxnSp>
         <p:nvCxnSpPr>
-          <p:cNvPr id="302" name="Google Shape;302;p27"/>
+          <p:cNvPr id="300" name="Google Shape;300;p27"/>
           <p:cNvCxnSpPr>
-            <a:stCxn id="284" idx="2"/>
-            <a:endCxn id="291" idx="1"/>
+            <a:stCxn id="282" idx="2"/>
+            <a:endCxn id="289" idx="1"/>
           </p:cNvCxnSpPr>
           <p:nvPr/>
         </p:nvCxnSpPr>
@@ -17365,10 +17267,10 @@
       </p:cxnSp>
       <p:cxnSp>
         <p:nvCxnSpPr>
-          <p:cNvPr id="303" name="Google Shape;303;p27"/>
+          <p:cNvPr id="301" name="Google Shape;301;p27"/>
           <p:cNvCxnSpPr>
-            <a:stCxn id="284" idx="2"/>
-            <a:endCxn id="295" idx="1"/>
+            <a:stCxn id="282" idx="2"/>
+            <a:endCxn id="293" idx="1"/>
           </p:cNvCxnSpPr>
           <p:nvPr/>
         </p:nvCxnSpPr>
@@ -17394,10 +17296,10 @@
       </p:cxnSp>
       <p:cxnSp>
         <p:nvCxnSpPr>
-          <p:cNvPr id="304" name="Google Shape;304;p27"/>
+          <p:cNvPr id="302" name="Google Shape;302;p27"/>
           <p:cNvCxnSpPr>
-            <a:stCxn id="284" idx="2"/>
-            <a:endCxn id="293" idx="1"/>
+            <a:stCxn id="282" idx="2"/>
+            <a:endCxn id="291" idx="1"/>
           </p:cNvCxnSpPr>
           <p:nvPr/>
         </p:nvCxnSpPr>
@@ -17423,7 +17325,7 @@
       </p:cxnSp>
       <p:grpSp>
         <p:nvGrpSpPr>
-          <p:cNvPr id="305" name="Google Shape;305;p27"/>
+          <p:cNvPr id="303" name="Google Shape;303;p27"/>
           <p:cNvGrpSpPr/>
           <p:nvPr/>
         </p:nvGrpSpPr>
@@ -17437,7 +17339,7 @@
         </p:grpSpPr>
         <p:pic>
           <p:nvPicPr>
-            <p:cNvPr id="306" name="Google Shape;306;p27"/>
+            <p:cNvPr id="304" name="Google Shape;304;p27"/>
             <p:cNvPicPr preferRelativeResize="0"/>
             <p:nvPr/>
           </p:nvPicPr>
@@ -17465,7 +17367,7 @@
         </p:pic>
         <p:sp>
           <p:nvSpPr>
-            <p:cNvPr id="307" name="Google Shape;307;p27"/>
+            <p:cNvPr id="305" name="Google Shape;305;p27"/>
             <p:cNvSpPr txBox="1"/>
             <p:nvPr/>
           </p:nvSpPr>
@@ -17516,10 +17418,10 @@
       </p:grpSp>
       <p:cxnSp>
         <p:nvCxnSpPr>
-          <p:cNvPr id="308" name="Google Shape;308;p27"/>
+          <p:cNvPr id="306" name="Google Shape;306;p27"/>
           <p:cNvCxnSpPr>
-            <a:stCxn id="306" idx="2"/>
-            <a:endCxn id="273" idx="1"/>
+            <a:stCxn id="304" idx="2"/>
+            <a:endCxn id="271" idx="1"/>
           </p:cNvCxnSpPr>
           <p:nvPr/>
         </p:nvCxnSpPr>
@@ -17545,10 +17447,10 @@
       </p:cxnSp>
       <p:cxnSp>
         <p:nvCxnSpPr>
-          <p:cNvPr id="309" name="Google Shape;309;p27"/>
+          <p:cNvPr id="307" name="Google Shape;307;p27"/>
           <p:cNvCxnSpPr>
-            <a:stCxn id="306" idx="2"/>
-            <a:endCxn id="281" idx="1"/>
+            <a:stCxn id="304" idx="2"/>
+            <a:endCxn id="279" idx="1"/>
           </p:cNvCxnSpPr>
           <p:nvPr/>
         </p:nvCxnSpPr>
@@ -17585,7 +17487,7 @@
   <p:cSld>
     <p:spTree>
       <p:nvGrpSpPr>
-        <p:cNvPr id="313" name="Shape 313"/>
+        <p:cNvPr id="311" name="Shape 311"/>
         <p:cNvGrpSpPr/>
         <p:nvPr/>
       </p:nvGrpSpPr>
@@ -17599,3102 +17501,7 @@
       </p:grpSpPr>
       <p:sp>
         <p:nvSpPr>
-          <p:cNvPr id="314" name="Google Shape;314;p28"/>
-          <p:cNvSpPr txBox="1"/>
-          <p:nvPr/>
-        </p:nvSpPr>
-        <p:spPr>
-          <a:xfrm>
-            <a:off x="3220650" y="556925"/>
-            <a:ext cx="2702700" cy="400200"/>
-          </a:xfrm>
-          <a:prstGeom prst="rect">
-            <a:avLst/>
-          </a:prstGeom>
-          <a:solidFill>
-            <a:schemeClr val="lt1"/>
-          </a:solidFill>
-          <a:ln cap="flat" cmpd="sng" w="28575">
-            <a:solidFill>
-              <a:srgbClr val="FF9E32"/>
-            </a:solidFill>
-            <a:prstDash val="solid"/>
-            <a:round/>
-            <a:headEnd len="sm" w="sm" type="none"/>
-            <a:tailEnd len="sm" w="sm" type="none"/>
-          </a:ln>
-        </p:spPr>
-        <p:txBody>
-          <a:bodyPr anchorCtr="0" anchor="t" bIns="91425" lIns="91425" spcFirstLastPara="1" rIns="91425" wrap="square" tIns="91425">
-            <a:spAutoFit/>
-          </a:bodyPr>
-          <a:lstStyle/>
-          <a:p>
-            <a:pPr indent="-317500" lvl="0" marL="457200" rtl="0" algn="l">
-              <a:spcBef>
-                <a:spcPts val="0"/>
-              </a:spcBef>
-              <a:spcAft>
-                <a:spcPts val="0"/>
-              </a:spcAft>
-              <a:buClr>
-                <a:schemeClr val="dk2"/>
-              </a:buClr>
-              <a:buSzPts val="1400"/>
-              <a:buFont typeface="Lexend"/>
-              <a:buAutoNum type="arabicPeriod"/>
-            </a:pPr>
-            <a:r>
-              <a:rPr lang="fr">
-                <a:solidFill>
-                  <a:srgbClr val="434343"/>
-                </a:solidFill>
-                <a:latin typeface="Lexend"/>
-                <a:ea typeface="Lexend"/>
-                <a:cs typeface="Lexend"/>
-                <a:sym typeface="Lexend"/>
-              </a:rPr>
-              <a:t>Extraction des données</a:t>
-            </a:r>
-            <a:r>
-              <a:rPr lang="fr">
-                <a:solidFill>
-                  <a:schemeClr val="dk2"/>
-                </a:solidFill>
-                <a:latin typeface="Lexend"/>
-                <a:ea typeface="Lexend"/>
-                <a:cs typeface="Lexend"/>
-                <a:sym typeface="Lexend"/>
-              </a:rPr>
-              <a:t> </a:t>
-            </a:r>
-            <a:endParaRPr sz="2100">
-              <a:solidFill>
-                <a:schemeClr val="lt1"/>
-              </a:solidFill>
-              <a:latin typeface="Lexend"/>
-              <a:ea typeface="Lexend"/>
-              <a:cs typeface="Lexend"/>
-              <a:sym typeface="Lexend"/>
-            </a:endParaRPr>
-          </a:p>
-        </p:txBody>
-      </p:sp>
-      <p:sp>
-        <p:nvSpPr>
-          <p:cNvPr id="315" name="Google Shape;315;p28"/>
-          <p:cNvSpPr txBox="1"/>
-          <p:nvPr/>
-        </p:nvSpPr>
-        <p:spPr>
-          <a:xfrm>
-            <a:off x="342900" y="1124400"/>
-            <a:ext cx="8571300" cy="3866700"/>
-          </a:xfrm>
-          <a:prstGeom prst="rect">
-            <a:avLst/>
-          </a:prstGeom>
-          <a:solidFill>
-            <a:srgbClr val="1F1F1F"/>
-          </a:solidFill>
-          <a:ln>
-            <a:noFill/>
-          </a:ln>
-        </p:spPr>
-        <p:txBody>
-          <a:bodyPr anchorCtr="0" anchor="t" bIns="91425" lIns="91425" spcFirstLastPara="1" rIns="91425" wrap="square" tIns="91425">
-            <a:spAutoFit/>
-          </a:bodyPr>
-          <a:lstStyle/>
-          <a:p>
-            <a:pPr indent="0" lvl="0" marL="0" rtl="0" algn="l">
-              <a:lnSpc>
-                <a:spcPct val="135714"/>
-              </a:lnSpc>
-              <a:spcBef>
-                <a:spcPts val="0"/>
-              </a:spcBef>
-              <a:spcAft>
-                <a:spcPts val="0"/>
-              </a:spcAft>
-              <a:buNone/>
-            </a:pPr>
-            <a:r>
-              <a:rPr lang="fr" sz="850">
-                <a:solidFill>
-                  <a:srgbClr val="569CD6"/>
-                </a:solidFill>
-                <a:highlight>
-                  <a:srgbClr val="1F1F1F"/>
-                </a:highlight>
-                <a:latin typeface="Consolas"/>
-                <a:ea typeface="Consolas"/>
-                <a:cs typeface="Consolas"/>
-                <a:sym typeface="Consolas"/>
-              </a:rPr>
-              <a:t>CREATE</a:t>
-            </a:r>
-            <a:r>
-              <a:rPr lang="fr" sz="850">
-                <a:solidFill>
-                  <a:srgbClr val="CCCCCC"/>
-                </a:solidFill>
-                <a:highlight>
-                  <a:srgbClr val="1F1F1F"/>
-                </a:highlight>
-                <a:latin typeface="Consolas"/>
-                <a:ea typeface="Consolas"/>
-                <a:cs typeface="Consolas"/>
-                <a:sym typeface="Consolas"/>
-              </a:rPr>
-              <a:t> </a:t>
-            </a:r>
-            <a:r>
-              <a:rPr lang="fr" sz="850">
-                <a:solidFill>
-                  <a:srgbClr val="569CD6"/>
-                </a:solidFill>
-                <a:highlight>
-                  <a:srgbClr val="1F1F1F"/>
-                </a:highlight>
-                <a:latin typeface="Consolas"/>
-                <a:ea typeface="Consolas"/>
-                <a:cs typeface="Consolas"/>
-                <a:sym typeface="Consolas"/>
-              </a:rPr>
-              <a:t>TABLE</a:t>
-            </a:r>
-            <a:r>
-              <a:rPr lang="fr" sz="850">
-                <a:solidFill>
-                  <a:srgbClr val="CCCCCC"/>
-                </a:solidFill>
-                <a:highlight>
-                  <a:srgbClr val="1F1F1F"/>
-                </a:highlight>
-                <a:latin typeface="Consolas"/>
-                <a:ea typeface="Consolas"/>
-                <a:cs typeface="Consolas"/>
-                <a:sym typeface="Consolas"/>
-              </a:rPr>
-              <a:t> </a:t>
-            </a:r>
-            <a:r>
-              <a:rPr lang="fr" sz="850">
-                <a:solidFill>
-                  <a:srgbClr val="DCDCAA"/>
-                </a:solidFill>
-                <a:highlight>
-                  <a:srgbClr val="1F1F1F"/>
-                </a:highlight>
-                <a:latin typeface="Consolas"/>
-                <a:ea typeface="Consolas"/>
-                <a:cs typeface="Consolas"/>
-                <a:sym typeface="Consolas"/>
-              </a:rPr>
-              <a:t>ANALYSE_IMMO_PARIS_2022</a:t>
-            </a:r>
-            <a:r>
-              <a:rPr lang="fr" sz="850">
-                <a:solidFill>
-                  <a:srgbClr val="CCCCCC"/>
-                </a:solidFill>
-                <a:highlight>
-                  <a:srgbClr val="1F1F1F"/>
-                </a:highlight>
-                <a:latin typeface="Consolas"/>
-                <a:ea typeface="Consolas"/>
-                <a:cs typeface="Consolas"/>
-                <a:sym typeface="Consolas"/>
-              </a:rPr>
-              <a:t>".</a:t>
-            </a:r>
-            <a:r>
-              <a:rPr lang="fr" sz="850">
-                <a:solidFill>
-                  <a:srgbClr val="CE9178"/>
-                </a:solidFill>
-                <a:highlight>
-                  <a:srgbClr val="1F1F1F"/>
-                </a:highlight>
-                <a:latin typeface="Consolas"/>
-                <a:ea typeface="Consolas"/>
-                <a:cs typeface="Consolas"/>
-                <a:sym typeface="Consolas"/>
-              </a:rPr>
-              <a:t>"PUBLIC"</a:t>
-            </a:r>
-            <a:r>
-              <a:rPr lang="fr" sz="850">
-                <a:solidFill>
-                  <a:srgbClr val="CCCCCC"/>
-                </a:solidFill>
-                <a:highlight>
-                  <a:srgbClr val="1F1F1F"/>
-                </a:highlight>
-                <a:latin typeface="Consolas"/>
-                <a:ea typeface="Consolas"/>
-                <a:cs typeface="Consolas"/>
-                <a:sym typeface="Consolas"/>
-              </a:rPr>
-              <a:t>.</a:t>
-            </a:r>
-            <a:r>
-              <a:rPr lang="fr" sz="850">
-                <a:solidFill>
-                  <a:srgbClr val="CE9178"/>
-                </a:solidFill>
-                <a:highlight>
-                  <a:srgbClr val="1F1F1F"/>
-                </a:highlight>
-                <a:latin typeface="Consolas"/>
-                <a:ea typeface="Consolas"/>
-                <a:cs typeface="Consolas"/>
-                <a:sym typeface="Consolas"/>
-              </a:rPr>
-              <a:t>"ARRONDISSEMENTS"</a:t>
-            </a:r>
-            <a:r>
-              <a:rPr lang="fr" sz="850">
-                <a:solidFill>
-                  <a:srgbClr val="CCCCCC"/>
-                </a:solidFill>
-                <a:highlight>
-                  <a:srgbClr val="1F1F1F"/>
-                </a:highlight>
-                <a:latin typeface="Consolas"/>
-                <a:ea typeface="Consolas"/>
-                <a:cs typeface="Consolas"/>
-                <a:sym typeface="Consolas"/>
-              </a:rPr>
-              <a:t> ( IDENTIFIANT_SEQUENTIEL_ARRONDISSEMENT </a:t>
-            </a:r>
-            <a:r>
-              <a:rPr lang="fr" sz="850">
-                <a:solidFill>
-                  <a:srgbClr val="569CD6"/>
-                </a:solidFill>
-                <a:highlight>
-                  <a:srgbClr val="1F1F1F"/>
-                </a:highlight>
-                <a:latin typeface="Consolas"/>
-                <a:ea typeface="Consolas"/>
-                <a:cs typeface="Consolas"/>
-                <a:sym typeface="Consolas"/>
-              </a:rPr>
-              <a:t>NUMBER</a:t>
-            </a:r>
-            <a:r>
-              <a:rPr lang="fr" sz="850">
-                <a:solidFill>
-                  <a:srgbClr val="CCCCCC"/>
-                </a:solidFill>
-                <a:highlight>
-                  <a:srgbClr val="1F1F1F"/>
-                </a:highlight>
-                <a:latin typeface="Consolas"/>
-                <a:ea typeface="Consolas"/>
-                <a:cs typeface="Consolas"/>
-                <a:sym typeface="Consolas"/>
-              </a:rPr>
-              <a:t>(</a:t>
-            </a:r>
-            <a:r>
-              <a:rPr lang="fr" sz="850">
-                <a:solidFill>
-                  <a:srgbClr val="B5CEA8"/>
-                </a:solidFill>
-                <a:highlight>
-                  <a:srgbClr val="1F1F1F"/>
-                </a:highlight>
-                <a:latin typeface="Consolas"/>
-                <a:ea typeface="Consolas"/>
-                <a:cs typeface="Consolas"/>
-                <a:sym typeface="Consolas"/>
-              </a:rPr>
-              <a:t>38</a:t>
-            </a:r>
-            <a:r>
-              <a:rPr lang="fr" sz="850">
-                <a:solidFill>
-                  <a:srgbClr val="CCCCCC"/>
-                </a:solidFill>
-                <a:highlight>
-                  <a:srgbClr val="1F1F1F"/>
-                </a:highlight>
-                <a:latin typeface="Consolas"/>
-                <a:ea typeface="Consolas"/>
-                <a:cs typeface="Consolas"/>
-                <a:sym typeface="Consolas"/>
-              </a:rPr>
-              <a:t>, </a:t>
-            </a:r>
-            <a:r>
-              <a:rPr lang="fr" sz="850">
-                <a:solidFill>
-                  <a:srgbClr val="B5CEA8"/>
-                </a:solidFill>
-                <a:highlight>
-                  <a:srgbClr val="1F1F1F"/>
-                </a:highlight>
-                <a:latin typeface="Consolas"/>
-                <a:ea typeface="Consolas"/>
-                <a:cs typeface="Consolas"/>
-                <a:sym typeface="Consolas"/>
-              </a:rPr>
-              <a:t>0</a:t>
-            </a:r>
-            <a:r>
-              <a:rPr lang="fr" sz="850">
-                <a:solidFill>
-                  <a:srgbClr val="CCCCCC"/>
-                </a:solidFill>
-                <a:highlight>
-                  <a:srgbClr val="1F1F1F"/>
-                </a:highlight>
-                <a:latin typeface="Consolas"/>
-                <a:ea typeface="Consolas"/>
-                <a:cs typeface="Consolas"/>
-                <a:sym typeface="Consolas"/>
-              </a:rPr>
-              <a:t>) , NUMERO_ARRONDISSEMENT </a:t>
-            </a:r>
-            <a:r>
-              <a:rPr lang="fr" sz="850">
-                <a:solidFill>
-                  <a:srgbClr val="569CD6"/>
-                </a:solidFill>
-                <a:highlight>
-                  <a:srgbClr val="1F1F1F"/>
-                </a:highlight>
-                <a:latin typeface="Consolas"/>
-                <a:ea typeface="Consolas"/>
-                <a:cs typeface="Consolas"/>
-                <a:sym typeface="Consolas"/>
-              </a:rPr>
-              <a:t>NUMBER</a:t>
-            </a:r>
-            <a:r>
-              <a:rPr lang="fr" sz="850">
-                <a:solidFill>
-                  <a:srgbClr val="CCCCCC"/>
-                </a:solidFill>
-                <a:highlight>
-                  <a:srgbClr val="1F1F1F"/>
-                </a:highlight>
-                <a:latin typeface="Consolas"/>
-                <a:ea typeface="Consolas"/>
-                <a:cs typeface="Consolas"/>
-                <a:sym typeface="Consolas"/>
-              </a:rPr>
-              <a:t>(</a:t>
-            </a:r>
-            <a:r>
-              <a:rPr lang="fr" sz="850">
-                <a:solidFill>
-                  <a:srgbClr val="B5CEA8"/>
-                </a:solidFill>
-                <a:highlight>
-                  <a:srgbClr val="1F1F1F"/>
-                </a:highlight>
-                <a:latin typeface="Consolas"/>
-                <a:ea typeface="Consolas"/>
-                <a:cs typeface="Consolas"/>
-                <a:sym typeface="Consolas"/>
-              </a:rPr>
-              <a:t>38</a:t>
-            </a:r>
-            <a:r>
-              <a:rPr lang="fr" sz="850">
-                <a:solidFill>
-                  <a:srgbClr val="CCCCCC"/>
-                </a:solidFill>
-                <a:highlight>
-                  <a:srgbClr val="1F1F1F"/>
-                </a:highlight>
-                <a:latin typeface="Consolas"/>
-                <a:ea typeface="Consolas"/>
-                <a:cs typeface="Consolas"/>
-                <a:sym typeface="Consolas"/>
-              </a:rPr>
-              <a:t>, </a:t>
-            </a:r>
-            <a:r>
-              <a:rPr lang="fr" sz="850">
-                <a:solidFill>
-                  <a:srgbClr val="B5CEA8"/>
-                </a:solidFill>
-                <a:highlight>
-                  <a:srgbClr val="1F1F1F"/>
-                </a:highlight>
-                <a:latin typeface="Consolas"/>
-                <a:ea typeface="Consolas"/>
-                <a:cs typeface="Consolas"/>
-                <a:sym typeface="Consolas"/>
-              </a:rPr>
-              <a:t>0</a:t>
-            </a:r>
-            <a:r>
-              <a:rPr lang="fr" sz="850">
-                <a:solidFill>
-                  <a:srgbClr val="CCCCCC"/>
-                </a:solidFill>
-                <a:highlight>
-                  <a:srgbClr val="1F1F1F"/>
-                </a:highlight>
-                <a:latin typeface="Consolas"/>
-                <a:ea typeface="Consolas"/>
-                <a:cs typeface="Consolas"/>
-                <a:sym typeface="Consolas"/>
-              </a:rPr>
-              <a:t>) , NUMERO_ARRONDISSEMENT_INSEE </a:t>
-            </a:r>
-            <a:r>
-              <a:rPr lang="fr" sz="850">
-                <a:solidFill>
-                  <a:srgbClr val="569CD6"/>
-                </a:solidFill>
-                <a:highlight>
-                  <a:srgbClr val="1F1F1F"/>
-                </a:highlight>
-                <a:latin typeface="Consolas"/>
-                <a:ea typeface="Consolas"/>
-                <a:cs typeface="Consolas"/>
-                <a:sym typeface="Consolas"/>
-              </a:rPr>
-              <a:t>NUMBER</a:t>
-            </a:r>
-            <a:r>
-              <a:rPr lang="fr" sz="850">
-                <a:solidFill>
-                  <a:srgbClr val="CCCCCC"/>
-                </a:solidFill>
-                <a:highlight>
-                  <a:srgbClr val="1F1F1F"/>
-                </a:highlight>
-                <a:latin typeface="Consolas"/>
-                <a:ea typeface="Consolas"/>
-                <a:cs typeface="Consolas"/>
-                <a:sym typeface="Consolas"/>
-              </a:rPr>
-              <a:t>(</a:t>
-            </a:r>
-            <a:r>
-              <a:rPr lang="fr" sz="850">
-                <a:solidFill>
-                  <a:srgbClr val="B5CEA8"/>
-                </a:solidFill>
-                <a:highlight>
-                  <a:srgbClr val="1F1F1F"/>
-                </a:highlight>
-                <a:latin typeface="Consolas"/>
-                <a:ea typeface="Consolas"/>
-                <a:cs typeface="Consolas"/>
-                <a:sym typeface="Consolas"/>
-              </a:rPr>
-              <a:t>38</a:t>
-            </a:r>
-            <a:r>
-              <a:rPr lang="fr" sz="850">
-                <a:solidFill>
-                  <a:srgbClr val="CCCCCC"/>
-                </a:solidFill>
-                <a:highlight>
-                  <a:srgbClr val="1F1F1F"/>
-                </a:highlight>
-                <a:latin typeface="Consolas"/>
-                <a:ea typeface="Consolas"/>
-                <a:cs typeface="Consolas"/>
-                <a:sym typeface="Consolas"/>
-              </a:rPr>
-              <a:t>, </a:t>
-            </a:r>
-            <a:r>
-              <a:rPr lang="fr" sz="850">
-                <a:solidFill>
-                  <a:srgbClr val="B5CEA8"/>
-                </a:solidFill>
-                <a:highlight>
-                  <a:srgbClr val="1F1F1F"/>
-                </a:highlight>
-                <a:latin typeface="Consolas"/>
-                <a:ea typeface="Consolas"/>
-                <a:cs typeface="Consolas"/>
-                <a:sym typeface="Consolas"/>
-              </a:rPr>
-              <a:t>0</a:t>
-            </a:r>
-            <a:r>
-              <a:rPr lang="fr" sz="850">
-                <a:solidFill>
-                  <a:srgbClr val="CCCCCC"/>
-                </a:solidFill>
-                <a:highlight>
-                  <a:srgbClr val="1F1F1F"/>
-                </a:highlight>
-                <a:latin typeface="Consolas"/>
-                <a:ea typeface="Consolas"/>
-                <a:cs typeface="Consolas"/>
-                <a:sym typeface="Consolas"/>
-              </a:rPr>
-              <a:t>) , NOM_ARRONDISSEMENT </a:t>
-            </a:r>
-            <a:r>
-              <a:rPr lang="fr" sz="850">
-                <a:solidFill>
-                  <a:srgbClr val="569CD6"/>
-                </a:solidFill>
-                <a:highlight>
-                  <a:srgbClr val="1F1F1F"/>
-                </a:highlight>
-                <a:latin typeface="Consolas"/>
-                <a:ea typeface="Consolas"/>
-                <a:cs typeface="Consolas"/>
-                <a:sym typeface="Consolas"/>
-              </a:rPr>
-              <a:t>VARCHAR</a:t>
-            </a:r>
-            <a:r>
-              <a:rPr lang="fr" sz="850">
-                <a:solidFill>
-                  <a:srgbClr val="CCCCCC"/>
-                </a:solidFill>
-                <a:highlight>
-                  <a:srgbClr val="1F1F1F"/>
-                </a:highlight>
-                <a:latin typeface="Consolas"/>
-                <a:ea typeface="Consolas"/>
-                <a:cs typeface="Consolas"/>
-                <a:sym typeface="Consolas"/>
-              </a:rPr>
-              <a:t> , NOM_OFFICIEL_ARRONDISSEMENT </a:t>
-            </a:r>
-            <a:r>
-              <a:rPr lang="fr" sz="850">
-                <a:solidFill>
-                  <a:srgbClr val="569CD6"/>
-                </a:solidFill>
-                <a:highlight>
-                  <a:srgbClr val="1F1F1F"/>
-                </a:highlight>
-                <a:latin typeface="Consolas"/>
-                <a:ea typeface="Consolas"/>
-                <a:cs typeface="Consolas"/>
-                <a:sym typeface="Consolas"/>
-              </a:rPr>
-              <a:t>VARCHAR</a:t>
-            </a:r>
-            <a:r>
-              <a:rPr lang="fr" sz="850">
-                <a:solidFill>
-                  <a:srgbClr val="CCCCCC"/>
-                </a:solidFill>
-                <a:highlight>
-                  <a:srgbClr val="1F1F1F"/>
-                </a:highlight>
-                <a:latin typeface="Consolas"/>
-                <a:ea typeface="Consolas"/>
-                <a:cs typeface="Consolas"/>
-                <a:sym typeface="Consolas"/>
-              </a:rPr>
-              <a:t> , N_SQ_CO </a:t>
-            </a:r>
-            <a:r>
-              <a:rPr lang="fr" sz="850">
-                <a:solidFill>
-                  <a:srgbClr val="569CD6"/>
-                </a:solidFill>
-                <a:highlight>
-                  <a:srgbClr val="1F1F1F"/>
-                </a:highlight>
-                <a:latin typeface="Consolas"/>
-                <a:ea typeface="Consolas"/>
-                <a:cs typeface="Consolas"/>
-                <a:sym typeface="Consolas"/>
-              </a:rPr>
-              <a:t>NUMBER</a:t>
-            </a:r>
-            <a:r>
-              <a:rPr lang="fr" sz="850">
-                <a:solidFill>
-                  <a:srgbClr val="CCCCCC"/>
-                </a:solidFill>
-                <a:highlight>
-                  <a:srgbClr val="1F1F1F"/>
-                </a:highlight>
-                <a:latin typeface="Consolas"/>
-                <a:ea typeface="Consolas"/>
-                <a:cs typeface="Consolas"/>
-                <a:sym typeface="Consolas"/>
-              </a:rPr>
-              <a:t>(</a:t>
-            </a:r>
-            <a:r>
-              <a:rPr lang="fr" sz="850">
-                <a:solidFill>
-                  <a:srgbClr val="B5CEA8"/>
-                </a:solidFill>
-                <a:highlight>
-                  <a:srgbClr val="1F1F1F"/>
-                </a:highlight>
-                <a:latin typeface="Consolas"/>
-                <a:ea typeface="Consolas"/>
-                <a:cs typeface="Consolas"/>
-                <a:sym typeface="Consolas"/>
-              </a:rPr>
-              <a:t>38</a:t>
-            </a:r>
-            <a:r>
-              <a:rPr lang="fr" sz="850">
-                <a:solidFill>
-                  <a:srgbClr val="CCCCCC"/>
-                </a:solidFill>
-                <a:highlight>
-                  <a:srgbClr val="1F1F1F"/>
-                </a:highlight>
-                <a:latin typeface="Consolas"/>
-                <a:ea typeface="Consolas"/>
-                <a:cs typeface="Consolas"/>
-                <a:sym typeface="Consolas"/>
-              </a:rPr>
-              <a:t>, </a:t>
-            </a:r>
-            <a:r>
-              <a:rPr lang="fr" sz="850">
-                <a:solidFill>
-                  <a:srgbClr val="B5CEA8"/>
-                </a:solidFill>
-                <a:highlight>
-                  <a:srgbClr val="1F1F1F"/>
-                </a:highlight>
-                <a:latin typeface="Consolas"/>
-                <a:ea typeface="Consolas"/>
-                <a:cs typeface="Consolas"/>
-                <a:sym typeface="Consolas"/>
-              </a:rPr>
-              <a:t>0</a:t>
-            </a:r>
-            <a:r>
-              <a:rPr lang="fr" sz="850">
-                <a:solidFill>
-                  <a:srgbClr val="CCCCCC"/>
-                </a:solidFill>
-                <a:highlight>
-                  <a:srgbClr val="1F1F1F"/>
-                </a:highlight>
-                <a:latin typeface="Consolas"/>
-                <a:ea typeface="Consolas"/>
-                <a:cs typeface="Consolas"/>
-                <a:sym typeface="Consolas"/>
-              </a:rPr>
-              <a:t>) , VILLE </a:t>
-            </a:r>
-            <a:r>
-              <a:rPr lang="fr" sz="850">
-                <a:solidFill>
-                  <a:srgbClr val="569CD6"/>
-                </a:solidFill>
-                <a:highlight>
-                  <a:srgbClr val="1F1F1F"/>
-                </a:highlight>
-                <a:latin typeface="Consolas"/>
-                <a:ea typeface="Consolas"/>
-                <a:cs typeface="Consolas"/>
-                <a:sym typeface="Consolas"/>
-              </a:rPr>
-              <a:t>VARCHAR</a:t>
-            </a:r>
-            <a:r>
-              <a:rPr lang="fr" sz="850">
-                <a:solidFill>
-                  <a:srgbClr val="CCCCCC"/>
-                </a:solidFill>
-                <a:highlight>
-                  <a:srgbClr val="1F1F1F"/>
-                </a:highlight>
-                <a:latin typeface="Consolas"/>
-                <a:ea typeface="Consolas"/>
-                <a:cs typeface="Consolas"/>
-                <a:sym typeface="Consolas"/>
-              </a:rPr>
-              <a:t> , SURFACE </a:t>
-            </a:r>
-            <a:r>
-              <a:rPr lang="fr" sz="850">
-                <a:solidFill>
-                  <a:srgbClr val="569CD6"/>
-                </a:solidFill>
-                <a:highlight>
-                  <a:srgbClr val="1F1F1F"/>
-                </a:highlight>
-                <a:latin typeface="Consolas"/>
-                <a:ea typeface="Consolas"/>
-                <a:cs typeface="Consolas"/>
-                <a:sym typeface="Consolas"/>
-              </a:rPr>
-              <a:t>NUMBER</a:t>
-            </a:r>
-            <a:r>
-              <a:rPr lang="fr" sz="850">
-                <a:solidFill>
-                  <a:srgbClr val="CCCCCC"/>
-                </a:solidFill>
-                <a:highlight>
-                  <a:srgbClr val="1F1F1F"/>
-                </a:highlight>
-                <a:latin typeface="Consolas"/>
-                <a:ea typeface="Consolas"/>
-                <a:cs typeface="Consolas"/>
-                <a:sym typeface="Consolas"/>
-              </a:rPr>
-              <a:t>(</a:t>
-            </a:r>
-            <a:r>
-              <a:rPr lang="fr" sz="850">
-                <a:solidFill>
-                  <a:srgbClr val="B5CEA8"/>
-                </a:solidFill>
-                <a:highlight>
-                  <a:srgbClr val="1F1F1F"/>
-                </a:highlight>
-                <a:latin typeface="Consolas"/>
-                <a:ea typeface="Consolas"/>
-                <a:cs typeface="Consolas"/>
-                <a:sym typeface="Consolas"/>
-              </a:rPr>
-              <a:t>38</a:t>
-            </a:r>
-            <a:r>
-              <a:rPr lang="fr" sz="850">
-                <a:solidFill>
-                  <a:srgbClr val="CCCCCC"/>
-                </a:solidFill>
-                <a:highlight>
-                  <a:srgbClr val="1F1F1F"/>
-                </a:highlight>
-                <a:latin typeface="Consolas"/>
-                <a:ea typeface="Consolas"/>
-                <a:cs typeface="Consolas"/>
-                <a:sym typeface="Consolas"/>
-              </a:rPr>
-              <a:t>, </a:t>
-            </a:r>
-            <a:r>
-              <a:rPr lang="fr" sz="850">
-                <a:solidFill>
-                  <a:srgbClr val="B5CEA8"/>
-                </a:solidFill>
-                <a:highlight>
-                  <a:srgbClr val="1F1F1F"/>
-                </a:highlight>
-                <a:latin typeface="Consolas"/>
-                <a:ea typeface="Consolas"/>
-                <a:cs typeface="Consolas"/>
-                <a:sym typeface="Consolas"/>
-              </a:rPr>
-              <a:t>10</a:t>
-            </a:r>
-            <a:r>
-              <a:rPr lang="fr" sz="850">
-                <a:solidFill>
-                  <a:srgbClr val="CCCCCC"/>
-                </a:solidFill>
-                <a:highlight>
-                  <a:srgbClr val="1F1F1F"/>
-                </a:highlight>
-                <a:latin typeface="Consolas"/>
-                <a:ea typeface="Consolas"/>
-                <a:cs typeface="Consolas"/>
-                <a:sym typeface="Consolas"/>
-              </a:rPr>
-              <a:t>) , PERIMETRE </a:t>
-            </a:r>
-            <a:r>
-              <a:rPr lang="fr" sz="850">
-                <a:solidFill>
-                  <a:srgbClr val="569CD6"/>
-                </a:solidFill>
-                <a:highlight>
-                  <a:srgbClr val="1F1F1F"/>
-                </a:highlight>
-                <a:latin typeface="Consolas"/>
-                <a:ea typeface="Consolas"/>
-                <a:cs typeface="Consolas"/>
-                <a:sym typeface="Consolas"/>
-              </a:rPr>
-              <a:t>NUMBER</a:t>
-            </a:r>
-            <a:r>
-              <a:rPr lang="fr" sz="850">
-                <a:solidFill>
-                  <a:srgbClr val="CCCCCC"/>
-                </a:solidFill>
-                <a:highlight>
-                  <a:srgbClr val="1F1F1F"/>
-                </a:highlight>
-                <a:latin typeface="Consolas"/>
-                <a:ea typeface="Consolas"/>
-                <a:cs typeface="Consolas"/>
-                <a:sym typeface="Consolas"/>
-              </a:rPr>
-              <a:t>(</a:t>
-            </a:r>
-            <a:r>
-              <a:rPr lang="fr" sz="850">
-                <a:solidFill>
-                  <a:srgbClr val="B5CEA8"/>
-                </a:solidFill>
-                <a:highlight>
-                  <a:srgbClr val="1F1F1F"/>
-                </a:highlight>
-                <a:latin typeface="Consolas"/>
-                <a:ea typeface="Consolas"/>
-                <a:cs typeface="Consolas"/>
-                <a:sym typeface="Consolas"/>
-              </a:rPr>
-              <a:t>38</a:t>
-            </a:r>
-            <a:r>
-              <a:rPr lang="fr" sz="850">
-                <a:solidFill>
-                  <a:srgbClr val="CCCCCC"/>
-                </a:solidFill>
-                <a:highlight>
-                  <a:srgbClr val="1F1F1F"/>
-                </a:highlight>
-                <a:latin typeface="Consolas"/>
-                <a:ea typeface="Consolas"/>
-                <a:cs typeface="Consolas"/>
-                <a:sym typeface="Consolas"/>
-              </a:rPr>
-              <a:t>, </a:t>
-            </a:r>
-            <a:r>
-              <a:rPr lang="fr" sz="850">
-                <a:solidFill>
-                  <a:srgbClr val="B5CEA8"/>
-                </a:solidFill>
-                <a:highlight>
-                  <a:srgbClr val="1F1F1F"/>
-                </a:highlight>
-                <a:latin typeface="Consolas"/>
-                <a:ea typeface="Consolas"/>
-                <a:cs typeface="Consolas"/>
-                <a:sym typeface="Consolas"/>
-              </a:rPr>
-              <a:t>10</a:t>
-            </a:r>
-            <a:r>
-              <a:rPr lang="fr" sz="850">
-                <a:solidFill>
-                  <a:srgbClr val="CCCCCC"/>
-                </a:solidFill>
-                <a:highlight>
-                  <a:srgbClr val="1F1F1F"/>
-                </a:highlight>
-                <a:latin typeface="Consolas"/>
-                <a:ea typeface="Consolas"/>
-                <a:cs typeface="Consolas"/>
-                <a:sym typeface="Consolas"/>
-              </a:rPr>
-              <a:t>) , GEOMETRY_X_Y </a:t>
-            </a:r>
-            <a:r>
-              <a:rPr lang="fr" sz="850">
-                <a:solidFill>
-                  <a:srgbClr val="569CD6"/>
-                </a:solidFill>
-                <a:highlight>
-                  <a:srgbClr val="1F1F1F"/>
-                </a:highlight>
-                <a:latin typeface="Consolas"/>
-                <a:ea typeface="Consolas"/>
-                <a:cs typeface="Consolas"/>
-                <a:sym typeface="Consolas"/>
-              </a:rPr>
-              <a:t>VARCHAR</a:t>
-            </a:r>
-            <a:r>
-              <a:rPr lang="fr" sz="850">
-                <a:solidFill>
-                  <a:srgbClr val="CCCCCC"/>
-                </a:solidFill>
-                <a:highlight>
-                  <a:srgbClr val="1F1F1F"/>
-                </a:highlight>
-                <a:latin typeface="Consolas"/>
-                <a:ea typeface="Consolas"/>
-                <a:cs typeface="Consolas"/>
-                <a:sym typeface="Consolas"/>
-              </a:rPr>
-              <a:t> );</a:t>
-            </a:r>
-            <a:endParaRPr sz="850">
-              <a:solidFill>
-                <a:srgbClr val="CCCCCC"/>
-              </a:solidFill>
-              <a:highlight>
-                <a:srgbClr val="1F1F1F"/>
-              </a:highlight>
-              <a:latin typeface="Consolas"/>
-              <a:ea typeface="Consolas"/>
-              <a:cs typeface="Consolas"/>
-              <a:sym typeface="Consolas"/>
-            </a:endParaRPr>
-          </a:p>
-          <a:p>
-            <a:pPr indent="0" lvl="0" marL="0" rtl="0" algn="l">
-              <a:lnSpc>
-                <a:spcPct val="135714"/>
-              </a:lnSpc>
-              <a:spcBef>
-                <a:spcPts val="0"/>
-              </a:spcBef>
-              <a:spcAft>
-                <a:spcPts val="0"/>
-              </a:spcAft>
-              <a:buNone/>
-            </a:pPr>
-            <a:r>
-              <a:t/>
-            </a:r>
-            <a:endParaRPr sz="850">
-              <a:solidFill>
-                <a:srgbClr val="CCCCCC"/>
-              </a:solidFill>
-              <a:highlight>
-                <a:srgbClr val="1F1F1F"/>
-              </a:highlight>
-              <a:latin typeface="Consolas"/>
-              <a:ea typeface="Consolas"/>
-              <a:cs typeface="Consolas"/>
-              <a:sym typeface="Consolas"/>
-            </a:endParaRPr>
-          </a:p>
-          <a:p>
-            <a:pPr indent="0" lvl="0" marL="0" rtl="0" algn="l">
-              <a:lnSpc>
-                <a:spcPct val="135714"/>
-              </a:lnSpc>
-              <a:spcBef>
-                <a:spcPts val="0"/>
-              </a:spcBef>
-              <a:spcAft>
-                <a:spcPts val="0"/>
-              </a:spcAft>
-              <a:buNone/>
-            </a:pPr>
-            <a:r>
-              <a:rPr lang="fr" sz="850">
-                <a:solidFill>
-                  <a:srgbClr val="569CD6"/>
-                </a:solidFill>
-                <a:highlight>
-                  <a:srgbClr val="1F1F1F"/>
-                </a:highlight>
-                <a:latin typeface="Consolas"/>
-                <a:ea typeface="Consolas"/>
-                <a:cs typeface="Consolas"/>
-                <a:sym typeface="Consolas"/>
-              </a:rPr>
-              <a:t>CREATE</a:t>
-            </a:r>
-            <a:r>
-              <a:rPr lang="fr" sz="850">
-                <a:solidFill>
-                  <a:srgbClr val="CCCCCC"/>
-                </a:solidFill>
-                <a:highlight>
-                  <a:srgbClr val="1F1F1F"/>
-                </a:highlight>
-                <a:latin typeface="Consolas"/>
-                <a:ea typeface="Consolas"/>
-                <a:cs typeface="Consolas"/>
-                <a:sym typeface="Consolas"/>
-              </a:rPr>
-              <a:t> TEMP </a:t>
-            </a:r>
-            <a:r>
-              <a:rPr lang="fr" sz="850">
-                <a:solidFill>
-                  <a:srgbClr val="569CD6"/>
-                </a:solidFill>
-                <a:highlight>
-                  <a:srgbClr val="1F1F1F"/>
-                </a:highlight>
-                <a:latin typeface="Consolas"/>
-                <a:ea typeface="Consolas"/>
-                <a:cs typeface="Consolas"/>
-                <a:sym typeface="Consolas"/>
-              </a:rPr>
-              <a:t>FILE</a:t>
-            </a:r>
-            <a:r>
-              <a:rPr lang="fr" sz="850">
-                <a:solidFill>
-                  <a:srgbClr val="CCCCCC"/>
-                </a:solidFill>
-                <a:highlight>
-                  <a:srgbClr val="1F1F1F"/>
-                </a:highlight>
-                <a:latin typeface="Consolas"/>
-                <a:ea typeface="Consolas"/>
-                <a:cs typeface="Consolas"/>
-                <a:sym typeface="Consolas"/>
-              </a:rPr>
-              <a:t> FORMAT </a:t>
-            </a:r>
-            <a:r>
-              <a:rPr lang="fr" sz="850">
-                <a:solidFill>
-                  <a:srgbClr val="CE9178"/>
-                </a:solidFill>
-                <a:highlight>
-                  <a:srgbClr val="1F1F1F"/>
-                </a:highlight>
-                <a:latin typeface="Consolas"/>
-                <a:ea typeface="Consolas"/>
-                <a:cs typeface="Consolas"/>
-                <a:sym typeface="Consolas"/>
-              </a:rPr>
-              <a:t>"IMMO_PARIS_2022"</a:t>
-            </a:r>
-            <a:r>
-              <a:rPr lang="fr" sz="850">
-                <a:solidFill>
-                  <a:srgbClr val="CCCCCC"/>
-                </a:solidFill>
-                <a:highlight>
-                  <a:srgbClr val="1F1F1F"/>
-                </a:highlight>
-                <a:latin typeface="Consolas"/>
-                <a:ea typeface="Consolas"/>
-                <a:cs typeface="Consolas"/>
-                <a:sym typeface="Consolas"/>
-              </a:rPr>
-              <a:t>.</a:t>
-            </a:r>
-            <a:r>
-              <a:rPr lang="fr" sz="850">
-                <a:solidFill>
-                  <a:srgbClr val="CE9178"/>
-                </a:solidFill>
-                <a:highlight>
-                  <a:srgbClr val="1F1F1F"/>
-                </a:highlight>
-                <a:latin typeface="Consolas"/>
-                <a:ea typeface="Consolas"/>
-                <a:cs typeface="Consolas"/>
-                <a:sym typeface="Consolas"/>
-              </a:rPr>
-              <a:t>"PUBLIC"</a:t>
-            </a:r>
-            <a:r>
-              <a:rPr lang="fr" sz="850">
-                <a:solidFill>
-                  <a:srgbClr val="CCCCCC"/>
-                </a:solidFill>
-                <a:highlight>
-                  <a:srgbClr val="1F1F1F"/>
-                </a:highlight>
-                <a:latin typeface="Consolas"/>
-                <a:ea typeface="Consolas"/>
-                <a:cs typeface="Consolas"/>
-                <a:sym typeface="Consolas"/>
-              </a:rPr>
-              <a:t>.</a:t>
-            </a:r>
-            <a:r>
-              <a:rPr lang="fr" sz="850">
-                <a:solidFill>
-                  <a:srgbClr val="CE9178"/>
-                </a:solidFill>
-                <a:highlight>
-                  <a:srgbClr val="1F1F1F"/>
-                </a:highlight>
-                <a:latin typeface="Consolas"/>
-                <a:ea typeface="Consolas"/>
-                <a:cs typeface="Consolas"/>
-                <a:sym typeface="Consolas"/>
-              </a:rPr>
-              <a:t>"temp_file_format_2024-04-08T12:47:13.732Z"</a:t>
-            </a:r>
-            <a:endParaRPr sz="850">
-              <a:solidFill>
-                <a:srgbClr val="CE9178"/>
-              </a:solidFill>
-              <a:highlight>
-                <a:srgbClr val="1F1F1F"/>
-              </a:highlight>
-              <a:latin typeface="Consolas"/>
-              <a:ea typeface="Consolas"/>
-              <a:cs typeface="Consolas"/>
-              <a:sym typeface="Consolas"/>
-            </a:endParaRPr>
-          </a:p>
-          <a:p>
-            <a:pPr indent="0" lvl="0" marL="0" rtl="0" algn="l">
-              <a:lnSpc>
-                <a:spcPct val="135714"/>
-              </a:lnSpc>
-              <a:spcBef>
-                <a:spcPts val="0"/>
-              </a:spcBef>
-              <a:spcAft>
-                <a:spcPts val="0"/>
-              </a:spcAft>
-              <a:buNone/>
-            </a:pPr>
-            <a:r>
-              <a:rPr lang="fr" sz="850">
-                <a:solidFill>
-                  <a:srgbClr val="CCCCCC"/>
-                </a:solidFill>
-                <a:highlight>
-                  <a:srgbClr val="1F1F1F"/>
-                </a:highlight>
-                <a:latin typeface="Consolas"/>
-                <a:ea typeface="Consolas"/>
-                <a:cs typeface="Consolas"/>
-                <a:sym typeface="Consolas"/>
-              </a:rPr>
-              <a:t>    </a:t>
-            </a:r>
-            <a:r>
-              <a:rPr lang="fr" sz="850">
-                <a:solidFill>
-                  <a:srgbClr val="569CD6"/>
-                </a:solidFill>
-                <a:highlight>
-                  <a:srgbClr val="1F1F1F"/>
-                </a:highlight>
-                <a:latin typeface="Consolas"/>
-                <a:ea typeface="Consolas"/>
-                <a:cs typeface="Consolas"/>
-                <a:sym typeface="Consolas"/>
-              </a:rPr>
-              <a:t>TYPE</a:t>
-            </a:r>
-            <a:r>
-              <a:rPr lang="fr" sz="850">
-                <a:solidFill>
-                  <a:srgbClr val="D4D4D4"/>
-                </a:solidFill>
-                <a:highlight>
-                  <a:srgbClr val="1F1F1F"/>
-                </a:highlight>
-                <a:latin typeface="Consolas"/>
-                <a:ea typeface="Consolas"/>
-                <a:cs typeface="Consolas"/>
-                <a:sym typeface="Consolas"/>
-              </a:rPr>
-              <a:t>=</a:t>
-            </a:r>
-            <a:r>
-              <a:rPr lang="fr" sz="850">
-                <a:solidFill>
-                  <a:srgbClr val="CCCCCC"/>
-                </a:solidFill>
-                <a:highlight>
-                  <a:srgbClr val="1F1F1F"/>
-                </a:highlight>
-                <a:latin typeface="Consolas"/>
-                <a:ea typeface="Consolas"/>
-                <a:cs typeface="Consolas"/>
-                <a:sym typeface="Consolas"/>
-              </a:rPr>
-              <a:t>CSV</a:t>
-            </a:r>
-            <a:endParaRPr sz="850">
-              <a:solidFill>
-                <a:srgbClr val="CCCCCC"/>
-              </a:solidFill>
-              <a:highlight>
-                <a:srgbClr val="1F1F1F"/>
-              </a:highlight>
-              <a:latin typeface="Consolas"/>
-              <a:ea typeface="Consolas"/>
-              <a:cs typeface="Consolas"/>
-              <a:sym typeface="Consolas"/>
-            </a:endParaRPr>
-          </a:p>
-          <a:p>
-            <a:pPr indent="0" lvl="0" marL="0" rtl="0" algn="l">
-              <a:lnSpc>
-                <a:spcPct val="135714"/>
-              </a:lnSpc>
-              <a:spcBef>
-                <a:spcPts val="0"/>
-              </a:spcBef>
-              <a:spcAft>
-                <a:spcPts val="0"/>
-              </a:spcAft>
-              <a:buNone/>
-            </a:pPr>
-            <a:r>
-              <a:rPr lang="fr" sz="850">
-                <a:solidFill>
-                  <a:srgbClr val="CCCCCC"/>
-                </a:solidFill>
-                <a:highlight>
-                  <a:srgbClr val="1F1F1F"/>
-                </a:highlight>
-                <a:latin typeface="Consolas"/>
-                <a:ea typeface="Consolas"/>
-                <a:cs typeface="Consolas"/>
-                <a:sym typeface="Consolas"/>
-              </a:rPr>
-              <a:t>    SKIP_HEADER</a:t>
-            </a:r>
-            <a:r>
-              <a:rPr lang="fr" sz="850">
-                <a:solidFill>
-                  <a:srgbClr val="D4D4D4"/>
-                </a:solidFill>
-                <a:highlight>
-                  <a:srgbClr val="1F1F1F"/>
-                </a:highlight>
-                <a:latin typeface="Consolas"/>
-                <a:ea typeface="Consolas"/>
-                <a:cs typeface="Consolas"/>
-                <a:sym typeface="Consolas"/>
-              </a:rPr>
-              <a:t>=</a:t>
-            </a:r>
-            <a:r>
-              <a:rPr lang="fr" sz="850">
-                <a:solidFill>
-                  <a:srgbClr val="B5CEA8"/>
-                </a:solidFill>
-                <a:highlight>
-                  <a:srgbClr val="1F1F1F"/>
-                </a:highlight>
-                <a:latin typeface="Consolas"/>
-                <a:ea typeface="Consolas"/>
-                <a:cs typeface="Consolas"/>
-                <a:sym typeface="Consolas"/>
-              </a:rPr>
-              <a:t>1</a:t>
-            </a:r>
-            <a:endParaRPr sz="850">
-              <a:solidFill>
-                <a:srgbClr val="B5CEA8"/>
-              </a:solidFill>
-              <a:highlight>
-                <a:srgbClr val="1F1F1F"/>
-              </a:highlight>
-              <a:latin typeface="Consolas"/>
-              <a:ea typeface="Consolas"/>
-              <a:cs typeface="Consolas"/>
-              <a:sym typeface="Consolas"/>
-            </a:endParaRPr>
-          </a:p>
-          <a:p>
-            <a:pPr indent="0" lvl="0" marL="0" rtl="0" algn="l">
-              <a:lnSpc>
-                <a:spcPct val="135714"/>
-              </a:lnSpc>
-              <a:spcBef>
-                <a:spcPts val="0"/>
-              </a:spcBef>
-              <a:spcAft>
-                <a:spcPts val="0"/>
-              </a:spcAft>
-              <a:buNone/>
-            </a:pPr>
-            <a:r>
-              <a:rPr lang="fr" sz="850">
-                <a:solidFill>
-                  <a:srgbClr val="CCCCCC"/>
-                </a:solidFill>
-                <a:highlight>
-                  <a:srgbClr val="1F1F1F"/>
-                </a:highlight>
-                <a:latin typeface="Consolas"/>
-                <a:ea typeface="Consolas"/>
-                <a:cs typeface="Consolas"/>
-                <a:sym typeface="Consolas"/>
-              </a:rPr>
-              <a:t>    FIELD_DELIMITER</a:t>
-            </a:r>
-            <a:r>
-              <a:rPr lang="fr" sz="850">
-                <a:solidFill>
-                  <a:srgbClr val="D4D4D4"/>
-                </a:solidFill>
-                <a:highlight>
-                  <a:srgbClr val="1F1F1F"/>
-                </a:highlight>
-                <a:latin typeface="Consolas"/>
-                <a:ea typeface="Consolas"/>
-                <a:cs typeface="Consolas"/>
-                <a:sym typeface="Consolas"/>
-              </a:rPr>
-              <a:t>=</a:t>
-            </a:r>
-            <a:r>
-              <a:rPr lang="fr" sz="850">
-                <a:solidFill>
-                  <a:srgbClr val="CE9178"/>
-                </a:solidFill>
-                <a:highlight>
-                  <a:srgbClr val="1F1F1F"/>
-                </a:highlight>
-                <a:latin typeface="Consolas"/>
-                <a:ea typeface="Consolas"/>
-                <a:cs typeface="Consolas"/>
-                <a:sym typeface="Consolas"/>
-              </a:rPr>
-              <a:t>','</a:t>
-            </a:r>
-            <a:endParaRPr sz="850">
-              <a:solidFill>
-                <a:srgbClr val="CE9178"/>
-              </a:solidFill>
-              <a:highlight>
-                <a:srgbClr val="1F1F1F"/>
-              </a:highlight>
-              <a:latin typeface="Consolas"/>
-              <a:ea typeface="Consolas"/>
-              <a:cs typeface="Consolas"/>
-              <a:sym typeface="Consolas"/>
-            </a:endParaRPr>
-          </a:p>
-          <a:p>
-            <a:pPr indent="0" lvl="0" marL="0" rtl="0" algn="l">
-              <a:lnSpc>
-                <a:spcPct val="135714"/>
-              </a:lnSpc>
-              <a:spcBef>
-                <a:spcPts val="0"/>
-              </a:spcBef>
-              <a:spcAft>
-                <a:spcPts val="0"/>
-              </a:spcAft>
-              <a:buNone/>
-            </a:pPr>
-            <a:r>
-              <a:rPr lang="fr" sz="850">
-                <a:solidFill>
-                  <a:srgbClr val="CCCCCC"/>
-                </a:solidFill>
-                <a:highlight>
-                  <a:srgbClr val="1F1F1F"/>
-                </a:highlight>
-                <a:latin typeface="Consolas"/>
-                <a:ea typeface="Consolas"/>
-                <a:cs typeface="Consolas"/>
-                <a:sym typeface="Consolas"/>
-              </a:rPr>
-              <a:t>    TRIM_SPACE</a:t>
-            </a:r>
-            <a:r>
-              <a:rPr lang="fr" sz="850">
-                <a:solidFill>
-                  <a:srgbClr val="D4D4D4"/>
-                </a:solidFill>
-                <a:highlight>
-                  <a:srgbClr val="1F1F1F"/>
-                </a:highlight>
-                <a:latin typeface="Consolas"/>
-                <a:ea typeface="Consolas"/>
-                <a:cs typeface="Consolas"/>
-                <a:sym typeface="Consolas"/>
-              </a:rPr>
-              <a:t>=</a:t>
-            </a:r>
-            <a:r>
-              <a:rPr lang="fr" sz="850">
-                <a:solidFill>
-                  <a:srgbClr val="CCCCCC"/>
-                </a:solidFill>
-                <a:highlight>
-                  <a:srgbClr val="1F1F1F"/>
-                </a:highlight>
-                <a:latin typeface="Consolas"/>
-                <a:ea typeface="Consolas"/>
-                <a:cs typeface="Consolas"/>
-                <a:sym typeface="Consolas"/>
-              </a:rPr>
-              <a:t>TRUE</a:t>
-            </a:r>
-            <a:endParaRPr sz="850">
-              <a:solidFill>
-                <a:srgbClr val="CCCCCC"/>
-              </a:solidFill>
-              <a:highlight>
-                <a:srgbClr val="1F1F1F"/>
-              </a:highlight>
-              <a:latin typeface="Consolas"/>
-              <a:ea typeface="Consolas"/>
-              <a:cs typeface="Consolas"/>
-              <a:sym typeface="Consolas"/>
-            </a:endParaRPr>
-          </a:p>
-          <a:p>
-            <a:pPr indent="0" lvl="0" marL="0" rtl="0" algn="l">
-              <a:lnSpc>
-                <a:spcPct val="135714"/>
-              </a:lnSpc>
-              <a:spcBef>
-                <a:spcPts val="0"/>
-              </a:spcBef>
-              <a:spcAft>
-                <a:spcPts val="0"/>
-              </a:spcAft>
-              <a:buNone/>
-            </a:pPr>
-            <a:r>
-              <a:rPr lang="fr" sz="850">
-                <a:solidFill>
-                  <a:srgbClr val="CCCCCC"/>
-                </a:solidFill>
-                <a:highlight>
-                  <a:srgbClr val="1F1F1F"/>
-                </a:highlight>
-                <a:latin typeface="Consolas"/>
-                <a:ea typeface="Consolas"/>
-                <a:cs typeface="Consolas"/>
-                <a:sym typeface="Consolas"/>
-              </a:rPr>
-              <a:t>    FIELD_OPTIONALLY_ENCLOSED_BY</a:t>
-            </a:r>
-            <a:r>
-              <a:rPr lang="fr" sz="850">
-                <a:solidFill>
-                  <a:srgbClr val="D4D4D4"/>
-                </a:solidFill>
-                <a:highlight>
-                  <a:srgbClr val="1F1F1F"/>
-                </a:highlight>
-                <a:latin typeface="Consolas"/>
-                <a:ea typeface="Consolas"/>
-                <a:cs typeface="Consolas"/>
-                <a:sym typeface="Consolas"/>
-              </a:rPr>
-              <a:t>=</a:t>
-            </a:r>
-            <a:r>
-              <a:rPr lang="fr" sz="850">
-                <a:solidFill>
-                  <a:srgbClr val="CE9178"/>
-                </a:solidFill>
-                <a:highlight>
-                  <a:srgbClr val="1F1F1F"/>
-                </a:highlight>
-                <a:latin typeface="Consolas"/>
-                <a:ea typeface="Consolas"/>
-                <a:cs typeface="Consolas"/>
-                <a:sym typeface="Consolas"/>
-              </a:rPr>
-              <a:t>'"'</a:t>
-            </a:r>
-            <a:endParaRPr sz="850">
-              <a:solidFill>
-                <a:srgbClr val="CE9178"/>
-              </a:solidFill>
-              <a:highlight>
-                <a:srgbClr val="1F1F1F"/>
-              </a:highlight>
-              <a:latin typeface="Consolas"/>
-              <a:ea typeface="Consolas"/>
-              <a:cs typeface="Consolas"/>
-              <a:sym typeface="Consolas"/>
-            </a:endParaRPr>
-          </a:p>
-          <a:p>
-            <a:pPr indent="0" lvl="0" marL="0" rtl="0" algn="l">
-              <a:lnSpc>
-                <a:spcPct val="135714"/>
-              </a:lnSpc>
-              <a:spcBef>
-                <a:spcPts val="0"/>
-              </a:spcBef>
-              <a:spcAft>
-                <a:spcPts val="0"/>
-              </a:spcAft>
-              <a:buNone/>
-            </a:pPr>
-            <a:r>
-              <a:rPr lang="fr" sz="850">
-                <a:solidFill>
-                  <a:srgbClr val="CCCCCC"/>
-                </a:solidFill>
-                <a:highlight>
-                  <a:srgbClr val="1F1F1F"/>
-                </a:highlight>
-                <a:latin typeface="Consolas"/>
-                <a:ea typeface="Consolas"/>
-                <a:cs typeface="Consolas"/>
-                <a:sym typeface="Consolas"/>
-              </a:rPr>
-              <a:t>    REPLACE_INVALID_CHARACTERS</a:t>
-            </a:r>
-            <a:r>
-              <a:rPr lang="fr" sz="850">
-                <a:solidFill>
-                  <a:srgbClr val="D4D4D4"/>
-                </a:solidFill>
-                <a:highlight>
-                  <a:srgbClr val="1F1F1F"/>
-                </a:highlight>
-                <a:latin typeface="Consolas"/>
-                <a:ea typeface="Consolas"/>
-                <a:cs typeface="Consolas"/>
-                <a:sym typeface="Consolas"/>
-              </a:rPr>
-              <a:t>=</a:t>
-            </a:r>
-            <a:r>
-              <a:rPr lang="fr" sz="850">
-                <a:solidFill>
-                  <a:srgbClr val="CCCCCC"/>
-                </a:solidFill>
-                <a:highlight>
-                  <a:srgbClr val="1F1F1F"/>
-                </a:highlight>
-                <a:latin typeface="Consolas"/>
-                <a:ea typeface="Consolas"/>
-                <a:cs typeface="Consolas"/>
-                <a:sym typeface="Consolas"/>
-              </a:rPr>
-              <a:t>TRUE</a:t>
-            </a:r>
-            <a:endParaRPr sz="850">
-              <a:solidFill>
-                <a:srgbClr val="CCCCCC"/>
-              </a:solidFill>
-              <a:highlight>
-                <a:srgbClr val="1F1F1F"/>
-              </a:highlight>
-              <a:latin typeface="Consolas"/>
-              <a:ea typeface="Consolas"/>
-              <a:cs typeface="Consolas"/>
-              <a:sym typeface="Consolas"/>
-            </a:endParaRPr>
-          </a:p>
-          <a:p>
-            <a:pPr indent="0" lvl="0" marL="0" rtl="0" algn="l">
-              <a:lnSpc>
-                <a:spcPct val="135714"/>
-              </a:lnSpc>
-              <a:spcBef>
-                <a:spcPts val="0"/>
-              </a:spcBef>
-              <a:spcAft>
-                <a:spcPts val="0"/>
-              </a:spcAft>
-              <a:buNone/>
-            </a:pPr>
-            <a:r>
-              <a:rPr lang="fr" sz="850">
-                <a:solidFill>
-                  <a:srgbClr val="CCCCCC"/>
-                </a:solidFill>
-                <a:highlight>
-                  <a:srgbClr val="1F1F1F"/>
-                </a:highlight>
-                <a:latin typeface="Consolas"/>
-                <a:ea typeface="Consolas"/>
-                <a:cs typeface="Consolas"/>
-                <a:sym typeface="Consolas"/>
-              </a:rPr>
-              <a:t>    </a:t>
-            </a:r>
-            <a:r>
-              <a:rPr lang="fr" sz="850">
-                <a:solidFill>
-                  <a:srgbClr val="569CD6"/>
-                </a:solidFill>
-                <a:highlight>
-                  <a:srgbClr val="1F1F1F"/>
-                </a:highlight>
-                <a:latin typeface="Consolas"/>
-                <a:ea typeface="Consolas"/>
-                <a:cs typeface="Consolas"/>
-                <a:sym typeface="Consolas"/>
-              </a:rPr>
-              <a:t>DATE_FORMAT</a:t>
-            </a:r>
-            <a:r>
-              <a:rPr lang="fr" sz="850">
-                <a:solidFill>
-                  <a:srgbClr val="D4D4D4"/>
-                </a:solidFill>
-                <a:highlight>
-                  <a:srgbClr val="1F1F1F"/>
-                </a:highlight>
-                <a:latin typeface="Consolas"/>
-                <a:ea typeface="Consolas"/>
-                <a:cs typeface="Consolas"/>
-                <a:sym typeface="Consolas"/>
-              </a:rPr>
-              <a:t>=</a:t>
-            </a:r>
-            <a:r>
-              <a:rPr lang="fr" sz="850">
-                <a:solidFill>
-                  <a:srgbClr val="569CD6"/>
-                </a:solidFill>
-                <a:highlight>
-                  <a:srgbClr val="1F1F1F"/>
-                </a:highlight>
-                <a:latin typeface="Consolas"/>
-                <a:ea typeface="Consolas"/>
-                <a:cs typeface="Consolas"/>
-                <a:sym typeface="Consolas"/>
-              </a:rPr>
-              <a:t>AUTO</a:t>
-            </a:r>
-            <a:endParaRPr sz="850">
-              <a:solidFill>
-                <a:srgbClr val="569CD6"/>
-              </a:solidFill>
-              <a:highlight>
-                <a:srgbClr val="1F1F1F"/>
-              </a:highlight>
-              <a:latin typeface="Consolas"/>
-              <a:ea typeface="Consolas"/>
-              <a:cs typeface="Consolas"/>
-              <a:sym typeface="Consolas"/>
-            </a:endParaRPr>
-          </a:p>
-          <a:p>
-            <a:pPr indent="0" lvl="0" marL="0" rtl="0" algn="l">
-              <a:lnSpc>
-                <a:spcPct val="135714"/>
-              </a:lnSpc>
-              <a:spcBef>
-                <a:spcPts val="0"/>
-              </a:spcBef>
-              <a:spcAft>
-                <a:spcPts val="0"/>
-              </a:spcAft>
-              <a:buNone/>
-            </a:pPr>
-            <a:r>
-              <a:rPr lang="fr" sz="850">
-                <a:solidFill>
-                  <a:srgbClr val="CCCCCC"/>
-                </a:solidFill>
-                <a:highlight>
-                  <a:srgbClr val="1F1F1F"/>
-                </a:highlight>
-                <a:latin typeface="Consolas"/>
-                <a:ea typeface="Consolas"/>
-                <a:cs typeface="Consolas"/>
-                <a:sym typeface="Consolas"/>
-              </a:rPr>
-              <a:t>    TIME_FORMAT</a:t>
-            </a:r>
-            <a:r>
-              <a:rPr lang="fr" sz="850">
-                <a:solidFill>
-                  <a:srgbClr val="D4D4D4"/>
-                </a:solidFill>
-                <a:highlight>
-                  <a:srgbClr val="1F1F1F"/>
-                </a:highlight>
-                <a:latin typeface="Consolas"/>
-                <a:ea typeface="Consolas"/>
-                <a:cs typeface="Consolas"/>
-                <a:sym typeface="Consolas"/>
-              </a:rPr>
-              <a:t>=</a:t>
-            </a:r>
-            <a:r>
-              <a:rPr lang="fr" sz="850">
-                <a:solidFill>
-                  <a:srgbClr val="569CD6"/>
-                </a:solidFill>
-                <a:highlight>
-                  <a:srgbClr val="1F1F1F"/>
-                </a:highlight>
-                <a:latin typeface="Consolas"/>
-                <a:ea typeface="Consolas"/>
-                <a:cs typeface="Consolas"/>
-                <a:sym typeface="Consolas"/>
-              </a:rPr>
-              <a:t>AUTO</a:t>
-            </a:r>
-            <a:endParaRPr sz="850">
-              <a:solidFill>
-                <a:srgbClr val="569CD6"/>
-              </a:solidFill>
-              <a:highlight>
-                <a:srgbClr val="1F1F1F"/>
-              </a:highlight>
-              <a:latin typeface="Consolas"/>
-              <a:ea typeface="Consolas"/>
-              <a:cs typeface="Consolas"/>
-              <a:sym typeface="Consolas"/>
-            </a:endParaRPr>
-          </a:p>
-          <a:p>
-            <a:pPr indent="0" lvl="0" marL="0" rtl="0" algn="l">
-              <a:lnSpc>
-                <a:spcPct val="135714"/>
-              </a:lnSpc>
-              <a:spcBef>
-                <a:spcPts val="0"/>
-              </a:spcBef>
-              <a:spcAft>
-                <a:spcPts val="0"/>
-              </a:spcAft>
-              <a:buNone/>
-            </a:pPr>
-            <a:r>
-              <a:rPr lang="fr" sz="850">
-                <a:solidFill>
-                  <a:srgbClr val="CCCCCC"/>
-                </a:solidFill>
-                <a:highlight>
-                  <a:srgbClr val="1F1F1F"/>
-                </a:highlight>
-                <a:latin typeface="Consolas"/>
-                <a:ea typeface="Consolas"/>
-                <a:cs typeface="Consolas"/>
-                <a:sym typeface="Consolas"/>
-              </a:rPr>
-              <a:t>    TIMESTAMP_FORMAT</a:t>
-            </a:r>
-            <a:r>
-              <a:rPr lang="fr" sz="850">
-                <a:solidFill>
-                  <a:srgbClr val="D4D4D4"/>
-                </a:solidFill>
-                <a:highlight>
-                  <a:srgbClr val="1F1F1F"/>
-                </a:highlight>
-                <a:latin typeface="Consolas"/>
-                <a:ea typeface="Consolas"/>
-                <a:cs typeface="Consolas"/>
-                <a:sym typeface="Consolas"/>
-              </a:rPr>
-              <a:t>=</a:t>
-            </a:r>
-            <a:r>
-              <a:rPr lang="fr" sz="850">
-                <a:solidFill>
-                  <a:srgbClr val="569CD6"/>
-                </a:solidFill>
-                <a:highlight>
-                  <a:srgbClr val="1F1F1F"/>
-                </a:highlight>
-                <a:latin typeface="Consolas"/>
-                <a:ea typeface="Consolas"/>
-                <a:cs typeface="Consolas"/>
-                <a:sym typeface="Consolas"/>
-              </a:rPr>
-              <a:t>AUTO</a:t>
-            </a:r>
-            <a:r>
-              <a:rPr lang="fr" sz="850">
-                <a:solidFill>
-                  <a:srgbClr val="CCCCCC"/>
-                </a:solidFill>
-                <a:highlight>
-                  <a:srgbClr val="1F1F1F"/>
-                </a:highlight>
-                <a:latin typeface="Consolas"/>
-                <a:ea typeface="Consolas"/>
-                <a:cs typeface="Consolas"/>
-                <a:sym typeface="Consolas"/>
-              </a:rPr>
-              <a:t>;</a:t>
-            </a:r>
-            <a:endParaRPr sz="850">
-              <a:solidFill>
-                <a:srgbClr val="CCCCCC"/>
-              </a:solidFill>
-              <a:highlight>
-                <a:srgbClr val="1F1F1F"/>
-              </a:highlight>
-              <a:latin typeface="Consolas"/>
-              <a:ea typeface="Consolas"/>
-              <a:cs typeface="Consolas"/>
-              <a:sym typeface="Consolas"/>
-            </a:endParaRPr>
-          </a:p>
-          <a:p>
-            <a:pPr indent="0" lvl="0" marL="0" rtl="0" algn="l">
-              <a:lnSpc>
-                <a:spcPct val="135714"/>
-              </a:lnSpc>
-              <a:spcBef>
-                <a:spcPts val="0"/>
-              </a:spcBef>
-              <a:spcAft>
-                <a:spcPts val="0"/>
-              </a:spcAft>
-              <a:buNone/>
-            </a:pPr>
-            <a:r>
-              <a:t/>
-            </a:r>
-            <a:endParaRPr sz="850">
-              <a:solidFill>
-                <a:srgbClr val="CCCCCC"/>
-              </a:solidFill>
-              <a:highlight>
-                <a:srgbClr val="1F1F1F"/>
-              </a:highlight>
-              <a:latin typeface="Consolas"/>
-              <a:ea typeface="Consolas"/>
-              <a:cs typeface="Consolas"/>
-              <a:sym typeface="Consolas"/>
-            </a:endParaRPr>
-          </a:p>
-          <a:p>
-            <a:pPr indent="0" lvl="0" marL="0" rtl="0" algn="l">
-              <a:lnSpc>
-                <a:spcPct val="135714"/>
-              </a:lnSpc>
-              <a:spcBef>
-                <a:spcPts val="0"/>
-              </a:spcBef>
-              <a:spcAft>
-                <a:spcPts val="0"/>
-              </a:spcAft>
-              <a:buNone/>
-            </a:pPr>
-            <a:r>
-              <a:rPr lang="fr" sz="850">
-                <a:solidFill>
-                  <a:srgbClr val="569CD6"/>
-                </a:solidFill>
-                <a:highlight>
-                  <a:srgbClr val="1F1F1F"/>
-                </a:highlight>
-                <a:latin typeface="Consolas"/>
-                <a:ea typeface="Consolas"/>
-                <a:cs typeface="Consolas"/>
-                <a:sym typeface="Consolas"/>
-              </a:rPr>
-              <a:t>COPY</a:t>
-            </a:r>
-            <a:r>
-              <a:rPr lang="fr" sz="850">
-                <a:solidFill>
-                  <a:srgbClr val="CCCCCC"/>
-                </a:solidFill>
-                <a:highlight>
-                  <a:srgbClr val="1F1F1F"/>
-                </a:highlight>
-                <a:latin typeface="Consolas"/>
-                <a:ea typeface="Consolas"/>
-                <a:cs typeface="Consolas"/>
-                <a:sym typeface="Consolas"/>
-              </a:rPr>
-              <a:t> </a:t>
-            </a:r>
-            <a:r>
-              <a:rPr lang="fr" sz="850">
-                <a:solidFill>
-                  <a:srgbClr val="569CD6"/>
-                </a:solidFill>
-                <a:highlight>
-                  <a:srgbClr val="1F1F1F"/>
-                </a:highlight>
-                <a:latin typeface="Consolas"/>
-                <a:ea typeface="Consolas"/>
-                <a:cs typeface="Consolas"/>
-                <a:sym typeface="Consolas"/>
-              </a:rPr>
-              <a:t>INTO</a:t>
-            </a:r>
-            <a:r>
-              <a:rPr lang="fr" sz="850">
-                <a:solidFill>
-                  <a:srgbClr val="CCCCCC"/>
-                </a:solidFill>
-                <a:highlight>
-                  <a:srgbClr val="1F1F1F"/>
-                </a:highlight>
-                <a:latin typeface="Consolas"/>
-                <a:ea typeface="Consolas"/>
-                <a:cs typeface="Consolas"/>
-                <a:sym typeface="Consolas"/>
-              </a:rPr>
-              <a:t> </a:t>
-            </a:r>
-            <a:r>
-              <a:rPr lang="fr" sz="850">
-                <a:solidFill>
-                  <a:srgbClr val="CE9178"/>
-                </a:solidFill>
-                <a:highlight>
-                  <a:srgbClr val="1F1F1F"/>
-                </a:highlight>
-                <a:latin typeface="Consolas"/>
-                <a:ea typeface="Consolas"/>
-                <a:cs typeface="Consolas"/>
-                <a:sym typeface="Consolas"/>
-              </a:rPr>
-              <a:t>"IMMO_PARIS_2022"</a:t>
-            </a:r>
-            <a:r>
-              <a:rPr lang="fr" sz="850">
-                <a:solidFill>
-                  <a:srgbClr val="CCCCCC"/>
-                </a:solidFill>
-                <a:highlight>
-                  <a:srgbClr val="1F1F1F"/>
-                </a:highlight>
-                <a:latin typeface="Consolas"/>
-                <a:ea typeface="Consolas"/>
-                <a:cs typeface="Consolas"/>
-                <a:sym typeface="Consolas"/>
-              </a:rPr>
-              <a:t>.</a:t>
-            </a:r>
-            <a:r>
-              <a:rPr lang="fr" sz="850">
-                <a:solidFill>
-                  <a:srgbClr val="CE9178"/>
-                </a:solidFill>
-                <a:highlight>
-                  <a:srgbClr val="1F1F1F"/>
-                </a:highlight>
-                <a:latin typeface="Consolas"/>
-                <a:ea typeface="Consolas"/>
-                <a:cs typeface="Consolas"/>
-                <a:sym typeface="Consolas"/>
-              </a:rPr>
-              <a:t>"PUBLIC"</a:t>
-            </a:r>
-            <a:r>
-              <a:rPr lang="fr" sz="850">
-                <a:solidFill>
-                  <a:srgbClr val="CCCCCC"/>
-                </a:solidFill>
-                <a:highlight>
-                  <a:srgbClr val="1F1F1F"/>
-                </a:highlight>
-                <a:latin typeface="Consolas"/>
-                <a:ea typeface="Consolas"/>
-                <a:cs typeface="Consolas"/>
-                <a:sym typeface="Consolas"/>
-              </a:rPr>
-              <a:t>.</a:t>
-            </a:r>
-            <a:r>
-              <a:rPr lang="fr" sz="850">
-                <a:solidFill>
-                  <a:srgbClr val="CE9178"/>
-                </a:solidFill>
-                <a:highlight>
-                  <a:srgbClr val="1F1F1F"/>
-                </a:highlight>
-                <a:latin typeface="Consolas"/>
-                <a:ea typeface="Consolas"/>
-                <a:cs typeface="Consolas"/>
-                <a:sym typeface="Consolas"/>
-              </a:rPr>
-              <a:t>"ARRONDISSEMENTS"</a:t>
-            </a:r>
-            <a:endParaRPr sz="850">
-              <a:solidFill>
-                <a:srgbClr val="CE9178"/>
-              </a:solidFill>
-              <a:highlight>
-                <a:srgbClr val="1F1F1F"/>
-              </a:highlight>
-              <a:latin typeface="Consolas"/>
-              <a:ea typeface="Consolas"/>
-              <a:cs typeface="Consolas"/>
-              <a:sym typeface="Consolas"/>
-            </a:endParaRPr>
-          </a:p>
-          <a:p>
-            <a:pPr indent="0" lvl="0" marL="0" rtl="0" algn="l">
-              <a:lnSpc>
-                <a:spcPct val="135714"/>
-              </a:lnSpc>
-              <a:spcBef>
-                <a:spcPts val="0"/>
-              </a:spcBef>
-              <a:spcAft>
-                <a:spcPts val="0"/>
-              </a:spcAft>
-              <a:buNone/>
-            </a:pPr>
-            <a:r>
-              <a:rPr lang="fr" sz="850">
-                <a:solidFill>
-                  <a:srgbClr val="569CD6"/>
-                </a:solidFill>
-                <a:highlight>
-                  <a:srgbClr val="1F1F1F"/>
-                </a:highlight>
-                <a:latin typeface="Consolas"/>
-                <a:ea typeface="Consolas"/>
-                <a:cs typeface="Consolas"/>
-                <a:sym typeface="Consolas"/>
-              </a:rPr>
-              <a:t>FROM</a:t>
-            </a:r>
-            <a:r>
-              <a:rPr lang="fr" sz="850">
-                <a:solidFill>
-                  <a:srgbClr val="CCCCCC"/>
-                </a:solidFill>
-                <a:highlight>
-                  <a:srgbClr val="1F1F1F"/>
-                </a:highlight>
-                <a:latin typeface="Consolas"/>
-                <a:ea typeface="Consolas"/>
-                <a:cs typeface="Consolas"/>
-                <a:sym typeface="Consolas"/>
-              </a:rPr>
-              <a:t> (</a:t>
-            </a:r>
-            <a:r>
-              <a:rPr lang="fr" sz="850">
-                <a:solidFill>
-                  <a:srgbClr val="569CD6"/>
-                </a:solidFill>
-                <a:highlight>
-                  <a:srgbClr val="1F1F1F"/>
-                </a:highlight>
-                <a:latin typeface="Consolas"/>
-                <a:ea typeface="Consolas"/>
-                <a:cs typeface="Consolas"/>
-                <a:sym typeface="Consolas"/>
-              </a:rPr>
-              <a:t>SELECT</a:t>
-            </a:r>
-            <a:r>
-              <a:rPr lang="fr" sz="850">
-                <a:solidFill>
-                  <a:srgbClr val="CCCCCC"/>
-                </a:solidFill>
-                <a:highlight>
-                  <a:srgbClr val="1F1F1F"/>
-                </a:highlight>
-                <a:latin typeface="Consolas"/>
-                <a:ea typeface="Consolas"/>
-                <a:cs typeface="Consolas"/>
-                <a:sym typeface="Consolas"/>
-              </a:rPr>
-              <a:t> $</a:t>
-            </a:r>
-            <a:r>
-              <a:rPr lang="fr" sz="850">
-                <a:solidFill>
-                  <a:srgbClr val="B5CEA8"/>
-                </a:solidFill>
-                <a:highlight>
-                  <a:srgbClr val="1F1F1F"/>
-                </a:highlight>
-                <a:latin typeface="Consolas"/>
-                <a:ea typeface="Consolas"/>
-                <a:cs typeface="Consolas"/>
-                <a:sym typeface="Consolas"/>
-              </a:rPr>
-              <a:t>1</a:t>
-            </a:r>
-            <a:r>
-              <a:rPr lang="fr" sz="850">
-                <a:solidFill>
-                  <a:srgbClr val="CCCCCC"/>
-                </a:solidFill>
-                <a:highlight>
-                  <a:srgbClr val="1F1F1F"/>
-                </a:highlight>
-                <a:latin typeface="Consolas"/>
-                <a:ea typeface="Consolas"/>
-                <a:cs typeface="Consolas"/>
-                <a:sym typeface="Consolas"/>
-              </a:rPr>
-              <a:t>, $</a:t>
-            </a:r>
-            <a:r>
-              <a:rPr lang="fr" sz="850">
-                <a:solidFill>
-                  <a:srgbClr val="B5CEA8"/>
-                </a:solidFill>
-                <a:highlight>
-                  <a:srgbClr val="1F1F1F"/>
-                </a:highlight>
-                <a:latin typeface="Consolas"/>
-                <a:ea typeface="Consolas"/>
-                <a:cs typeface="Consolas"/>
-                <a:sym typeface="Consolas"/>
-              </a:rPr>
-              <a:t>2</a:t>
-            </a:r>
-            <a:r>
-              <a:rPr lang="fr" sz="850">
-                <a:solidFill>
-                  <a:srgbClr val="CCCCCC"/>
-                </a:solidFill>
-                <a:highlight>
-                  <a:srgbClr val="1F1F1F"/>
-                </a:highlight>
-                <a:latin typeface="Consolas"/>
-                <a:ea typeface="Consolas"/>
-                <a:cs typeface="Consolas"/>
-                <a:sym typeface="Consolas"/>
-              </a:rPr>
-              <a:t>, $</a:t>
-            </a:r>
-            <a:r>
-              <a:rPr lang="fr" sz="850">
-                <a:solidFill>
-                  <a:srgbClr val="B5CEA8"/>
-                </a:solidFill>
-                <a:highlight>
-                  <a:srgbClr val="1F1F1F"/>
-                </a:highlight>
-                <a:latin typeface="Consolas"/>
-                <a:ea typeface="Consolas"/>
-                <a:cs typeface="Consolas"/>
-                <a:sym typeface="Consolas"/>
-              </a:rPr>
-              <a:t>3</a:t>
-            </a:r>
-            <a:r>
-              <a:rPr lang="fr" sz="850">
-                <a:solidFill>
-                  <a:srgbClr val="CCCCCC"/>
-                </a:solidFill>
-                <a:highlight>
-                  <a:srgbClr val="1F1F1F"/>
-                </a:highlight>
-                <a:latin typeface="Consolas"/>
-                <a:ea typeface="Consolas"/>
-                <a:cs typeface="Consolas"/>
-                <a:sym typeface="Consolas"/>
-              </a:rPr>
-              <a:t>, $</a:t>
-            </a:r>
-            <a:r>
-              <a:rPr lang="fr" sz="850">
-                <a:solidFill>
-                  <a:srgbClr val="B5CEA8"/>
-                </a:solidFill>
-                <a:highlight>
-                  <a:srgbClr val="1F1F1F"/>
-                </a:highlight>
-                <a:latin typeface="Consolas"/>
-                <a:ea typeface="Consolas"/>
-                <a:cs typeface="Consolas"/>
-                <a:sym typeface="Consolas"/>
-              </a:rPr>
-              <a:t>4</a:t>
-            </a:r>
-            <a:r>
-              <a:rPr lang="fr" sz="850">
-                <a:solidFill>
-                  <a:srgbClr val="CCCCCC"/>
-                </a:solidFill>
-                <a:highlight>
-                  <a:srgbClr val="1F1F1F"/>
-                </a:highlight>
-                <a:latin typeface="Consolas"/>
-                <a:ea typeface="Consolas"/>
-                <a:cs typeface="Consolas"/>
-                <a:sym typeface="Consolas"/>
-              </a:rPr>
-              <a:t>, $</a:t>
-            </a:r>
-            <a:r>
-              <a:rPr lang="fr" sz="850">
-                <a:solidFill>
-                  <a:srgbClr val="B5CEA8"/>
-                </a:solidFill>
-                <a:highlight>
-                  <a:srgbClr val="1F1F1F"/>
-                </a:highlight>
-                <a:latin typeface="Consolas"/>
-                <a:ea typeface="Consolas"/>
-                <a:cs typeface="Consolas"/>
-                <a:sym typeface="Consolas"/>
-              </a:rPr>
-              <a:t>5</a:t>
-            </a:r>
-            <a:r>
-              <a:rPr lang="fr" sz="850">
-                <a:solidFill>
-                  <a:srgbClr val="CCCCCC"/>
-                </a:solidFill>
-                <a:highlight>
-                  <a:srgbClr val="1F1F1F"/>
-                </a:highlight>
-                <a:latin typeface="Consolas"/>
-                <a:ea typeface="Consolas"/>
-                <a:cs typeface="Consolas"/>
-                <a:sym typeface="Consolas"/>
-              </a:rPr>
-              <a:t>, $</a:t>
-            </a:r>
-            <a:r>
-              <a:rPr lang="fr" sz="850">
-                <a:solidFill>
-                  <a:srgbClr val="B5CEA8"/>
-                </a:solidFill>
-                <a:highlight>
-                  <a:srgbClr val="1F1F1F"/>
-                </a:highlight>
-                <a:latin typeface="Consolas"/>
-                <a:ea typeface="Consolas"/>
-                <a:cs typeface="Consolas"/>
-                <a:sym typeface="Consolas"/>
-              </a:rPr>
-              <a:t>6</a:t>
-            </a:r>
-            <a:r>
-              <a:rPr lang="fr" sz="850">
-                <a:solidFill>
-                  <a:srgbClr val="CCCCCC"/>
-                </a:solidFill>
-                <a:highlight>
-                  <a:srgbClr val="1F1F1F"/>
-                </a:highlight>
-                <a:latin typeface="Consolas"/>
-                <a:ea typeface="Consolas"/>
-                <a:cs typeface="Consolas"/>
-                <a:sym typeface="Consolas"/>
-              </a:rPr>
-              <a:t>, $</a:t>
-            </a:r>
-            <a:r>
-              <a:rPr lang="fr" sz="850">
-                <a:solidFill>
-                  <a:srgbClr val="B5CEA8"/>
-                </a:solidFill>
-                <a:highlight>
-                  <a:srgbClr val="1F1F1F"/>
-                </a:highlight>
-                <a:latin typeface="Consolas"/>
-                <a:ea typeface="Consolas"/>
-                <a:cs typeface="Consolas"/>
-                <a:sym typeface="Consolas"/>
-              </a:rPr>
-              <a:t>7</a:t>
-            </a:r>
-            <a:r>
-              <a:rPr lang="fr" sz="850">
-                <a:solidFill>
-                  <a:srgbClr val="CCCCCC"/>
-                </a:solidFill>
-                <a:highlight>
-                  <a:srgbClr val="1F1F1F"/>
-                </a:highlight>
-                <a:latin typeface="Consolas"/>
-                <a:ea typeface="Consolas"/>
-                <a:cs typeface="Consolas"/>
-                <a:sym typeface="Consolas"/>
-              </a:rPr>
-              <a:t>, $</a:t>
-            </a:r>
-            <a:r>
-              <a:rPr lang="fr" sz="850">
-                <a:solidFill>
-                  <a:srgbClr val="B5CEA8"/>
-                </a:solidFill>
-                <a:highlight>
-                  <a:srgbClr val="1F1F1F"/>
-                </a:highlight>
-                <a:latin typeface="Consolas"/>
-                <a:ea typeface="Consolas"/>
-                <a:cs typeface="Consolas"/>
-                <a:sym typeface="Consolas"/>
-              </a:rPr>
-              <a:t>8</a:t>
-            </a:r>
-            <a:r>
-              <a:rPr lang="fr" sz="850">
-                <a:solidFill>
-                  <a:srgbClr val="CCCCCC"/>
-                </a:solidFill>
-                <a:highlight>
-                  <a:srgbClr val="1F1F1F"/>
-                </a:highlight>
-                <a:latin typeface="Consolas"/>
-                <a:ea typeface="Consolas"/>
-                <a:cs typeface="Consolas"/>
-                <a:sym typeface="Consolas"/>
-              </a:rPr>
-              <a:t>, $</a:t>
-            </a:r>
-            <a:r>
-              <a:rPr lang="fr" sz="850">
-                <a:solidFill>
-                  <a:srgbClr val="B5CEA8"/>
-                </a:solidFill>
-                <a:highlight>
-                  <a:srgbClr val="1F1F1F"/>
-                </a:highlight>
-                <a:latin typeface="Consolas"/>
-                <a:ea typeface="Consolas"/>
-                <a:cs typeface="Consolas"/>
-                <a:sym typeface="Consolas"/>
-              </a:rPr>
-              <a:t>9</a:t>
-            </a:r>
-            <a:r>
-              <a:rPr lang="fr" sz="850">
-                <a:solidFill>
-                  <a:srgbClr val="CCCCCC"/>
-                </a:solidFill>
-                <a:highlight>
-                  <a:srgbClr val="1F1F1F"/>
-                </a:highlight>
-                <a:latin typeface="Consolas"/>
-                <a:ea typeface="Consolas"/>
-                <a:cs typeface="Consolas"/>
-                <a:sym typeface="Consolas"/>
-              </a:rPr>
-              <a:t>, $</a:t>
-            </a:r>
-            <a:r>
-              <a:rPr lang="fr" sz="850">
-                <a:solidFill>
-                  <a:srgbClr val="B5CEA8"/>
-                </a:solidFill>
-                <a:highlight>
-                  <a:srgbClr val="1F1F1F"/>
-                </a:highlight>
-                <a:latin typeface="Consolas"/>
-                <a:ea typeface="Consolas"/>
-                <a:cs typeface="Consolas"/>
-                <a:sym typeface="Consolas"/>
-              </a:rPr>
-              <a:t>10</a:t>
-            </a:r>
-            <a:endParaRPr sz="850">
-              <a:solidFill>
-                <a:srgbClr val="B5CEA8"/>
-              </a:solidFill>
-              <a:highlight>
-                <a:srgbClr val="1F1F1F"/>
-              </a:highlight>
-              <a:latin typeface="Consolas"/>
-              <a:ea typeface="Consolas"/>
-              <a:cs typeface="Consolas"/>
-              <a:sym typeface="Consolas"/>
-            </a:endParaRPr>
-          </a:p>
-          <a:p>
-            <a:pPr indent="0" lvl="0" marL="0" rtl="0" algn="l">
-              <a:lnSpc>
-                <a:spcPct val="135714"/>
-              </a:lnSpc>
-              <a:spcBef>
-                <a:spcPts val="0"/>
-              </a:spcBef>
-              <a:spcAft>
-                <a:spcPts val="0"/>
-              </a:spcAft>
-              <a:buNone/>
-            </a:pPr>
-            <a:r>
-              <a:rPr lang="fr" sz="850">
-                <a:solidFill>
-                  <a:srgbClr val="CCCCCC"/>
-                </a:solidFill>
-                <a:highlight>
-                  <a:srgbClr val="1F1F1F"/>
-                </a:highlight>
-                <a:latin typeface="Consolas"/>
-                <a:ea typeface="Consolas"/>
-                <a:cs typeface="Consolas"/>
-                <a:sym typeface="Consolas"/>
-              </a:rPr>
-              <a:t>    </a:t>
-            </a:r>
-            <a:r>
-              <a:rPr lang="fr" sz="850">
-                <a:solidFill>
-                  <a:srgbClr val="569CD6"/>
-                </a:solidFill>
-                <a:highlight>
-                  <a:srgbClr val="1F1F1F"/>
-                </a:highlight>
-                <a:latin typeface="Consolas"/>
-                <a:ea typeface="Consolas"/>
-                <a:cs typeface="Consolas"/>
-                <a:sym typeface="Consolas"/>
-              </a:rPr>
-              <a:t>FROM</a:t>
-            </a:r>
-            <a:r>
-              <a:rPr lang="fr" sz="850">
-                <a:solidFill>
-                  <a:srgbClr val="CCCCCC"/>
-                </a:solidFill>
-                <a:highlight>
-                  <a:srgbClr val="1F1F1F"/>
-                </a:highlight>
-                <a:latin typeface="Consolas"/>
-                <a:ea typeface="Consolas"/>
-                <a:cs typeface="Consolas"/>
-                <a:sym typeface="Consolas"/>
-              </a:rPr>
-              <a:t> </a:t>
-            </a:r>
-            <a:r>
-              <a:rPr lang="fr" sz="850">
-                <a:solidFill>
-                  <a:srgbClr val="CE9178"/>
-                </a:solidFill>
-                <a:highlight>
-                  <a:srgbClr val="1F1F1F"/>
-                </a:highlight>
-                <a:latin typeface="Consolas"/>
-                <a:ea typeface="Consolas"/>
-                <a:cs typeface="Consolas"/>
-                <a:sym typeface="Consolas"/>
-              </a:rPr>
-              <a:t>'@"IMMO_PARIS_2022"."PUBLIC"."__snowflake_temp_import_files__"'</a:t>
-            </a:r>
-            <a:r>
-              <a:rPr lang="fr" sz="850">
-                <a:solidFill>
-                  <a:srgbClr val="CCCCCC"/>
-                </a:solidFill>
-                <a:highlight>
-                  <a:srgbClr val="1F1F1F"/>
-                </a:highlight>
-                <a:latin typeface="Consolas"/>
-                <a:ea typeface="Consolas"/>
-                <a:cs typeface="Consolas"/>
-                <a:sym typeface="Consolas"/>
-              </a:rPr>
-              <a:t>)</a:t>
-            </a:r>
-            <a:endParaRPr sz="850">
-              <a:solidFill>
-                <a:srgbClr val="CCCCCC"/>
-              </a:solidFill>
-              <a:highlight>
-                <a:srgbClr val="1F1F1F"/>
-              </a:highlight>
-              <a:latin typeface="Consolas"/>
-              <a:ea typeface="Consolas"/>
-              <a:cs typeface="Consolas"/>
-              <a:sym typeface="Consolas"/>
-            </a:endParaRPr>
-          </a:p>
-          <a:p>
-            <a:pPr indent="0" lvl="0" marL="0" rtl="0" algn="l">
-              <a:lnSpc>
-                <a:spcPct val="135714"/>
-              </a:lnSpc>
-              <a:spcBef>
-                <a:spcPts val="0"/>
-              </a:spcBef>
-              <a:spcAft>
-                <a:spcPts val="0"/>
-              </a:spcAft>
-              <a:buNone/>
-            </a:pPr>
-            <a:r>
-              <a:rPr lang="fr" sz="850">
-                <a:solidFill>
-                  <a:srgbClr val="CCCCCC"/>
-                </a:solidFill>
-                <a:highlight>
-                  <a:srgbClr val="1F1F1F"/>
-                </a:highlight>
-                <a:latin typeface="Consolas"/>
-                <a:ea typeface="Consolas"/>
-                <a:cs typeface="Consolas"/>
-                <a:sym typeface="Consolas"/>
-              </a:rPr>
-              <a:t>FILES </a:t>
-            </a:r>
-            <a:r>
-              <a:rPr lang="fr" sz="850">
-                <a:solidFill>
-                  <a:srgbClr val="D4D4D4"/>
-                </a:solidFill>
-                <a:highlight>
-                  <a:srgbClr val="1F1F1F"/>
-                </a:highlight>
-                <a:latin typeface="Consolas"/>
-                <a:ea typeface="Consolas"/>
-                <a:cs typeface="Consolas"/>
-                <a:sym typeface="Consolas"/>
-              </a:rPr>
-              <a:t>=</a:t>
-            </a:r>
-            <a:r>
-              <a:rPr lang="fr" sz="850">
-                <a:solidFill>
-                  <a:srgbClr val="CCCCCC"/>
-                </a:solidFill>
-                <a:highlight>
-                  <a:srgbClr val="1F1F1F"/>
-                </a:highlight>
-                <a:latin typeface="Consolas"/>
-                <a:ea typeface="Consolas"/>
-                <a:cs typeface="Consolas"/>
-                <a:sym typeface="Consolas"/>
-              </a:rPr>
-              <a:t> (</a:t>
-            </a:r>
-            <a:r>
-              <a:rPr lang="fr" sz="850">
-                <a:solidFill>
-                  <a:srgbClr val="CE9178"/>
-                </a:solidFill>
-                <a:highlight>
-                  <a:srgbClr val="1F1F1F"/>
-                </a:highlight>
-                <a:latin typeface="Consolas"/>
-                <a:ea typeface="Consolas"/>
-                <a:cs typeface="Consolas"/>
-                <a:sym typeface="Consolas"/>
-              </a:rPr>
-              <a:t>'2024-04-08T12:47:04.360Z/arrondissements.csv'</a:t>
-            </a:r>
-            <a:r>
-              <a:rPr lang="fr" sz="850">
-                <a:solidFill>
-                  <a:srgbClr val="CCCCCC"/>
-                </a:solidFill>
-                <a:highlight>
-                  <a:srgbClr val="1F1F1F"/>
-                </a:highlight>
-                <a:latin typeface="Consolas"/>
-                <a:ea typeface="Consolas"/>
-                <a:cs typeface="Consolas"/>
-                <a:sym typeface="Consolas"/>
-              </a:rPr>
-              <a:t>)</a:t>
-            </a:r>
-            <a:endParaRPr sz="850">
-              <a:solidFill>
-                <a:srgbClr val="CCCCCC"/>
-              </a:solidFill>
-              <a:highlight>
-                <a:srgbClr val="1F1F1F"/>
-              </a:highlight>
-              <a:latin typeface="Consolas"/>
-              <a:ea typeface="Consolas"/>
-              <a:cs typeface="Consolas"/>
-              <a:sym typeface="Consolas"/>
-            </a:endParaRPr>
-          </a:p>
-          <a:p>
-            <a:pPr indent="0" lvl="0" marL="0" rtl="0" algn="l">
-              <a:lnSpc>
-                <a:spcPct val="135714"/>
-              </a:lnSpc>
-              <a:spcBef>
-                <a:spcPts val="0"/>
-              </a:spcBef>
-              <a:spcAft>
-                <a:spcPts val="0"/>
-              </a:spcAft>
-              <a:buNone/>
-            </a:pPr>
-            <a:r>
-              <a:rPr lang="fr" sz="850">
-                <a:solidFill>
-                  <a:srgbClr val="569CD6"/>
-                </a:solidFill>
-                <a:highlight>
-                  <a:srgbClr val="1F1F1F"/>
-                </a:highlight>
-                <a:latin typeface="Consolas"/>
-                <a:ea typeface="Consolas"/>
-                <a:cs typeface="Consolas"/>
-                <a:sym typeface="Consolas"/>
-              </a:rPr>
-              <a:t>FILE_FORMAT</a:t>
-            </a:r>
-            <a:r>
-              <a:rPr lang="fr" sz="850">
-                <a:solidFill>
-                  <a:srgbClr val="CCCCCC"/>
-                </a:solidFill>
-                <a:highlight>
-                  <a:srgbClr val="1F1F1F"/>
-                </a:highlight>
-                <a:latin typeface="Consolas"/>
-                <a:ea typeface="Consolas"/>
-                <a:cs typeface="Consolas"/>
-                <a:sym typeface="Consolas"/>
-              </a:rPr>
-              <a:t> </a:t>
-            </a:r>
-            <a:r>
-              <a:rPr lang="fr" sz="850">
-                <a:solidFill>
-                  <a:srgbClr val="D4D4D4"/>
-                </a:solidFill>
-                <a:highlight>
-                  <a:srgbClr val="1F1F1F"/>
-                </a:highlight>
-                <a:latin typeface="Consolas"/>
-                <a:ea typeface="Consolas"/>
-                <a:cs typeface="Consolas"/>
-                <a:sym typeface="Consolas"/>
-              </a:rPr>
-              <a:t>=</a:t>
-            </a:r>
-            <a:r>
-              <a:rPr lang="fr" sz="850">
-                <a:solidFill>
-                  <a:srgbClr val="CCCCCC"/>
-                </a:solidFill>
-                <a:highlight>
-                  <a:srgbClr val="1F1F1F"/>
-                </a:highlight>
-                <a:latin typeface="Consolas"/>
-                <a:ea typeface="Consolas"/>
-                <a:cs typeface="Consolas"/>
-                <a:sym typeface="Consolas"/>
-              </a:rPr>
-              <a:t> </a:t>
-            </a:r>
-            <a:r>
-              <a:rPr lang="fr" sz="850">
-                <a:solidFill>
-                  <a:srgbClr val="CE9178"/>
-                </a:solidFill>
-                <a:highlight>
-                  <a:srgbClr val="1F1F1F"/>
-                </a:highlight>
-                <a:latin typeface="Consolas"/>
-                <a:ea typeface="Consolas"/>
-                <a:cs typeface="Consolas"/>
-                <a:sym typeface="Consolas"/>
-              </a:rPr>
-              <a:t>'"IMMO_PARIS_2022"."PUBLIC"."temp_file_format_2024-04-08T12:47:13.732Z"'</a:t>
-            </a:r>
-            <a:endParaRPr sz="850">
-              <a:solidFill>
-                <a:srgbClr val="CE9178"/>
-              </a:solidFill>
-              <a:highlight>
-                <a:srgbClr val="1F1F1F"/>
-              </a:highlight>
-              <a:latin typeface="Consolas"/>
-              <a:ea typeface="Consolas"/>
-              <a:cs typeface="Consolas"/>
-              <a:sym typeface="Consolas"/>
-            </a:endParaRPr>
-          </a:p>
-          <a:p>
-            <a:pPr indent="0" lvl="0" marL="0" rtl="0" algn="l">
-              <a:lnSpc>
-                <a:spcPct val="135714"/>
-              </a:lnSpc>
-              <a:spcBef>
-                <a:spcPts val="0"/>
-              </a:spcBef>
-              <a:spcAft>
-                <a:spcPts val="0"/>
-              </a:spcAft>
-              <a:buNone/>
-            </a:pPr>
-            <a:r>
-              <a:rPr lang="fr" sz="850">
-                <a:solidFill>
-                  <a:srgbClr val="CCCCCC"/>
-                </a:solidFill>
-                <a:highlight>
-                  <a:srgbClr val="1F1F1F"/>
-                </a:highlight>
-                <a:latin typeface="Consolas"/>
-                <a:ea typeface="Consolas"/>
-                <a:cs typeface="Consolas"/>
-                <a:sym typeface="Consolas"/>
-              </a:rPr>
-              <a:t>ON_ERROR</a:t>
-            </a:r>
-            <a:r>
-              <a:rPr lang="fr" sz="850">
-                <a:solidFill>
-                  <a:srgbClr val="D4D4D4"/>
-                </a:solidFill>
-                <a:highlight>
-                  <a:srgbClr val="1F1F1F"/>
-                </a:highlight>
-                <a:latin typeface="Consolas"/>
-                <a:ea typeface="Consolas"/>
-                <a:cs typeface="Consolas"/>
-                <a:sym typeface="Consolas"/>
-              </a:rPr>
-              <a:t>=</a:t>
-            </a:r>
-            <a:r>
-              <a:rPr lang="fr" sz="850">
-                <a:solidFill>
-                  <a:srgbClr val="CCCCCC"/>
-                </a:solidFill>
-                <a:highlight>
-                  <a:srgbClr val="1F1F1F"/>
-                </a:highlight>
-                <a:latin typeface="Consolas"/>
-                <a:ea typeface="Consolas"/>
-                <a:cs typeface="Consolas"/>
-                <a:sym typeface="Consolas"/>
-              </a:rPr>
-              <a:t>ABORT_STATEMENT</a:t>
-            </a:r>
-            <a:endParaRPr sz="850">
-              <a:solidFill>
-                <a:srgbClr val="CCCCCC"/>
-              </a:solidFill>
-              <a:highlight>
-                <a:srgbClr val="1F1F1F"/>
-              </a:highlight>
-              <a:latin typeface="Consolas"/>
-              <a:ea typeface="Consolas"/>
-              <a:cs typeface="Consolas"/>
-              <a:sym typeface="Consolas"/>
-            </a:endParaRPr>
-          </a:p>
-        </p:txBody>
-      </p:sp>
-      <p:sp>
-        <p:nvSpPr>
-          <p:cNvPr id="316" name="Google Shape;316;p28"/>
-          <p:cNvSpPr txBox="1"/>
-          <p:nvPr/>
-        </p:nvSpPr>
-        <p:spPr>
-          <a:xfrm>
-            <a:off x="906800" y="318475"/>
-            <a:ext cx="1593900" cy="554100"/>
-          </a:xfrm>
-          <a:prstGeom prst="rect">
-            <a:avLst/>
-          </a:prstGeom>
-          <a:solidFill>
-            <a:schemeClr val="lt1"/>
-          </a:solidFill>
-          <a:ln>
-            <a:noFill/>
-          </a:ln>
-        </p:spPr>
-        <p:txBody>
-          <a:bodyPr anchorCtr="0" anchor="t" bIns="91425" lIns="91425" spcFirstLastPara="1" rIns="91425" wrap="square" tIns="91425">
-            <a:spAutoFit/>
-          </a:bodyPr>
-          <a:lstStyle/>
-          <a:p>
-            <a:pPr indent="0" lvl="0" marL="0" rtl="0" algn="l">
-              <a:spcBef>
-                <a:spcPts val="0"/>
-              </a:spcBef>
-              <a:spcAft>
-                <a:spcPts val="0"/>
-              </a:spcAft>
-              <a:buNone/>
-            </a:pPr>
-            <a:r>
-              <a:rPr b="1" lang="fr">
-                <a:solidFill>
-                  <a:srgbClr val="FF9E32"/>
-                </a:solidFill>
-              </a:rPr>
-              <a:t>1.</a:t>
-            </a:r>
-            <a:r>
-              <a:rPr lang="fr">
-                <a:solidFill>
-                  <a:schemeClr val="dk2"/>
-                </a:solidFill>
-              </a:rPr>
-              <a:t> </a:t>
-            </a:r>
-            <a:r>
-              <a:rPr lang="fr" sz="1000">
-                <a:solidFill>
-                  <a:schemeClr val="dk2"/>
-                </a:solidFill>
-              </a:rPr>
-              <a:t>Création de la table </a:t>
-            </a:r>
-            <a:r>
-              <a:rPr lang="fr" sz="1000">
-                <a:solidFill>
-                  <a:schemeClr val="dk2"/>
-                </a:solidFill>
-              </a:rPr>
-              <a:t>"ARRONDISSEMENTS"</a:t>
-            </a:r>
-            <a:endParaRPr sz="1000">
-              <a:solidFill>
-                <a:schemeClr val="dk2"/>
-              </a:solidFill>
-            </a:endParaRPr>
-          </a:p>
-        </p:txBody>
-      </p:sp>
-      <p:sp>
-        <p:nvSpPr>
-          <p:cNvPr id="317" name="Google Shape;317;p28"/>
-          <p:cNvSpPr txBox="1"/>
-          <p:nvPr/>
-        </p:nvSpPr>
-        <p:spPr>
-          <a:xfrm>
-            <a:off x="5923350" y="3590400"/>
-            <a:ext cx="3000000" cy="1471500"/>
-          </a:xfrm>
-          <a:prstGeom prst="rect">
-            <a:avLst/>
-          </a:prstGeom>
-          <a:solidFill>
-            <a:schemeClr val="lt1"/>
-          </a:solidFill>
-          <a:ln>
-            <a:noFill/>
-          </a:ln>
-        </p:spPr>
-        <p:txBody>
-          <a:bodyPr anchorCtr="0" anchor="t" bIns="91425" lIns="91425" spcFirstLastPara="1" rIns="91425" wrap="square" tIns="91425">
-            <a:spAutoFit/>
-          </a:bodyPr>
-          <a:lstStyle/>
-          <a:p>
-            <a:pPr indent="0" lvl="0" marL="0" rtl="0" algn="l">
-              <a:lnSpc>
-                <a:spcPct val="115000"/>
-              </a:lnSpc>
-              <a:spcBef>
-                <a:spcPts val="1200"/>
-              </a:spcBef>
-              <a:spcAft>
-                <a:spcPts val="1200"/>
-              </a:spcAft>
-              <a:buNone/>
-            </a:pPr>
-            <a:r>
-              <a:rPr b="1" lang="fr">
-                <a:solidFill>
-                  <a:srgbClr val="FF4C89"/>
-                </a:solidFill>
-              </a:rPr>
-              <a:t>3.</a:t>
-            </a:r>
-            <a:r>
-              <a:rPr lang="fr" sz="1000">
-                <a:solidFill>
-                  <a:schemeClr val="dk2"/>
-                </a:solidFill>
-              </a:rPr>
-              <a:t> </a:t>
-            </a:r>
-            <a:r>
-              <a:rPr lang="fr" sz="1000">
-                <a:solidFill>
-                  <a:schemeClr val="dk2"/>
-                </a:solidFill>
-              </a:rPr>
-              <a:t>Chargement des données à partir d'un fichier CSV dans la table "ARRONDISSEMENTS". Les données sont extraites du fichier CSV et chargées dans la table en utilisant le format de fichier temporaire spécifié. En cas d'erreur lors du chargement, l'opération est arrêtée pour éviter les problèmes de données.</a:t>
-            </a:r>
-            <a:endParaRPr sz="1000"/>
-          </a:p>
-        </p:txBody>
-      </p:sp>
-      <p:sp>
-        <p:nvSpPr>
-          <p:cNvPr id="318" name="Google Shape;318;p28"/>
-          <p:cNvSpPr txBox="1"/>
-          <p:nvPr/>
-        </p:nvSpPr>
-        <p:spPr>
-          <a:xfrm>
-            <a:off x="2864225" y="2270300"/>
-            <a:ext cx="1924800" cy="763500"/>
-          </a:xfrm>
-          <a:prstGeom prst="rect">
-            <a:avLst/>
-          </a:prstGeom>
-          <a:solidFill>
-            <a:schemeClr val="lt1"/>
-          </a:solidFill>
-          <a:ln>
-            <a:noFill/>
-          </a:ln>
-        </p:spPr>
-        <p:txBody>
-          <a:bodyPr anchorCtr="0" anchor="t" bIns="91425" lIns="91425" spcFirstLastPara="1" rIns="91425" wrap="square" tIns="91425">
-            <a:spAutoFit/>
-          </a:bodyPr>
-          <a:lstStyle/>
-          <a:p>
-            <a:pPr indent="0" lvl="0" marL="0" rtl="0" algn="l">
-              <a:lnSpc>
-                <a:spcPct val="115000"/>
-              </a:lnSpc>
-              <a:spcBef>
-                <a:spcPts val="1200"/>
-              </a:spcBef>
-              <a:spcAft>
-                <a:spcPts val="1200"/>
-              </a:spcAft>
-              <a:buNone/>
-            </a:pPr>
-            <a:r>
-              <a:rPr b="1" lang="fr">
-                <a:solidFill>
-                  <a:srgbClr val="FF7A58"/>
-                </a:solidFill>
-              </a:rPr>
-              <a:t>2.</a:t>
-            </a:r>
-            <a:r>
-              <a:rPr lang="fr" sz="1000">
-                <a:solidFill>
-                  <a:schemeClr val="dk2"/>
-                </a:solidFill>
-              </a:rPr>
-              <a:t> </a:t>
-            </a:r>
-            <a:r>
-              <a:rPr lang="fr" sz="1000">
-                <a:solidFill>
-                  <a:schemeClr val="dk2"/>
-                </a:solidFill>
-              </a:rPr>
-              <a:t>Création d’un format de fichier temporaire spécifique pour le</a:t>
-            </a:r>
-            <a:r>
-              <a:rPr lang="fr" sz="1000">
-                <a:solidFill>
-                  <a:schemeClr val="dk2"/>
-                </a:solidFill>
-              </a:rPr>
-              <a:t>s</a:t>
-            </a:r>
-            <a:r>
-              <a:rPr lang="fr" sz="1000">
-                <a:solidFill>
-                  <a:schemeClr val="dk2"/>
-                </a:solidFill>
-              </a:rPr>
-              <a:t> fichiers CSV</a:t>
-            </a:r>
-            <a:endParaRPr sz="1000"/>
-          </a:p>
-        </p:txBody>
-      </p:sp>
-      <p:cxnSp>
-        <p:nvCxnSpPr>
-          <p:cNvPr id="319" name="Google Shape;319;p28"/>
-          <p:cNvCxnSpPr>
-            <a:stCxn id="316" idx="1"/>
-          </p:cNvCxnSpPr>
-          <p:nvPr/>
-        </p:nvCxnSpPr>
-        <p:spPr>
-          <a:xfrm flipH="1">
-            <a:off x="576800" y="595525"/>
-            <a:ext cx="330000" cy="513000"/>
-          </a:xfrm>
-          <a:prstGeom prst="curvedConnector2">
-            <a:avLst/>
-          </a:prstGeom>
-          <a:noFill/>
-          <a:ln cap="flat" cmpd="sng" w="28575">
-            <a:solidFill>
-              <a:srgbClr val="FF9E32"/>
-            </a:solidFill>
-            <a:prstDash val="solid"/>
-            <a:round/>
-            <a:headEnd len="med" w="med" type="none"/>
-            <a:tailEnd len="med" w="med" type="triangle"/>
-          </a:ln>
-        </p:spPr>
-      </p:cxnSp>
-      <p:cxnSp>
-        <p:nvCxnSpPr>
-          <p:cNvPr id="320" name="Google Shape;320;p28"/>
-          <p:cNvCxnSpPr>
-            <a:stCxn id="318" idx="1"/>
-          </p:cNvCxnSpPr>
-          <p:nvPr/>
-        </p:nvCxnSpPr>
-        <p:spPr>
-          <a:xfrm rot="10800000">
-            <a:off x="1783325" y="2185850"/>
-            <a:ext cx="1080900" cy="466200"/>
-          </a:xfrm>
-          <a:prstGeom prst="curvedConnector3">
-            <a:avLst>
-              <a:gd fmla="val 50000" name="adj1"/>
-            </a:avLst>
-          </a:prstGeom>
-          <a:noFill/>
-          <a:ln cap="flat" cmpd="sng" w="28575">
-            <a:solidFill>
-              <a:srgbClr val="FF7A58"/>
-            </a:solidFill>
-            <a:prstDash val="solid"/>
-            <a:round/>
-            <a:headEnd len="med" w="med" type="none"/>
-            <a:tailEnd len="med" w="med" type="triangle"/>
-          </a:ln>
-        </p:spPr>
-      </p:cxnSp>
-      <p:cxnSp>
-        <p:nvCxnSpPr>
-          <p:cNvPr id="321" name="Google Shape;321;p28"/>
-          <p:cNvCxnSpPr>
-            <a:stCxn id="317" idx="1"/>
-          </p:cNvCxnSpPr>
-          <p:nvPr/>
-        </p:nvCxnSpPr>
-        <p:spPr>
-          <a:xfrm rot="10800000">
-            <a:off x="3847050" y="3857850"/>
-            <a:ext cx="2076300" cy="468300"/>
-          </a:xfrm>
-          <a:prstGeom prst="curvedConnector3">
-            <a:avLst>
-              <a:gd fmla="val 50000" name="adj1"/>
-            </a:avLst>
-          </a:prstGeom>
-          <a:noFill/>
-          <a:ln cap="flat" cmpd="sng" w="28575">
-            <a:solidFill>
-              <a:srgbClr val="FF6173"/>
-            </a:solidFill>
-            <a:prstDash val="solid"/>
-            <a:round/>
-            <a:headEnd len="med" w="med" type="none"/>
-            <a:tailEnd len="med" w="med" type="triangle"/>
-          </a:ln>
-        </p:spPr>
-      </p:cxnSp>
-    </p:spTree>
-  </p:cSld>
-  <p:clrMapOvr>
-    <a:masterClrMapping/>
-  </p:clrMapOvr>
-</p:sld>
-</file>
-
-<file path=ppt/slides/slide17.xml><?xml version="1.0" encoding="utf-8"?>
-<p:sld xmlns:a="http://schemas.openxmlformats.org/drawingml/2006/main" xmlns:r="http://schemas.openxmlformats.org/officeDocument/2006/relationships" xmlns:mc="http://schemas.openxmlformats.org/markup-compatibility/2006" xmlns:mv="urn:schemas-microsoft-com:mac:vml" xmlns:p="http://schemas.openxmlformats.org/presentationml/2006/main" xmlns:c="http://schemas.openxmlformats.org/drawingml/2006/chart" xmlns:dgm="http://schemas.openxmlformats.org/drawingml/2006/diagram" xmlns:o="urn:schemas-microsoft-com:office:office" xmlns:v="urn:schemas-microsoft-com:vml" xmlns:pvml="urn:schemas-microsoft-com:office:powerpoint" xmlns:com="http://schemas.openxmlformats.org/drawingml/2006/compatibility" xmlns:p14="http://schemas.microsoft.com/office/powerpoint/2010/main" xmlns:p15="http://schemas.microsoft.com/office/powerpoint/2012/main" xmlns:ahyp="http://schemas.microsoft.com/office/drawing/2018/hyperlinkcolor">
-  <p:cSld>
-    <p:spTree>
-      <p:nvGrpSpPr>
-        <p:cNvPr id="325" name="Shape 325"/>
-        <p:cNvGrpSpPr/>
-        <p:nvPr/>
-      </p:nvGrpSpPr>
-      <p:grpSpPr>
-        <a:xfrm>
-          <a:off x="0" y="0"/>
-          <a:ext cx="0" cy="0"/>
-          <a:chOff x="0" y="0"/>
-          <a:chExt cx="0" cy="0"/>
-        </a:xfrm>
-      </p:grpSpPr>
-      <p:sp>
-        <p:nvSpPr>
-          <p:cNvPr id="326" name="Google Shape;326;p29"/>
+          <p:cNvPr id="312" name="Google Shape;312;p28"/>
           <p:cNvSpPr txBox="1"/>
           <p:nvPr/>
         </p:nvSpPr>
@@ -20737,7 +17544,7 @@
               </a:buClr>
               <a:buSzPts val="1400"/>
               <a:buFont typeface="Lexend"/>
-              <a:buAutoNum type="arabicPeriod" startAt="2"/>
+              <a:buAutoNum type="arabicPeriod"/>
             </a:pPr>
             <a:r>
               <a:rPr lang="fr">
@@ -20765,14 +17572,14 @@
       </p:sp>
       <p:sp>
         <p:nvSpPr>
-          <p:cNvPr id="327" name="Google Shape;327;p29"/>
+          <p:cNvPr id="313" name="Google Shape;313;p28"/>
           <p:cNvSpPr txBox="1"/>
           <p:nvPr/>
         </p:nvSpPr>
         <p:spPr>
           <a:xfrm>
             <a:off x="310700" y="3369750"/>
-            <a:ext cx="6058800" cy="1380900"/>
+            <a:ext cx="6058800" cy="1203300"/>
           </a:xfrm>
           <a:prstGeom prst="rect">
             <a:avLst/>
@@ -21148,7 +17955,37 @@
                 <a:cs typeface="Consolas"/>
                 <a:sym typeface="Consolas"/>
               </a:rPr>
-              <a:t> Dim_Arrondissements(IDENTIFIANT_SEQUENTIEL_ARRONDISSEMENT),</a:t>
+              <a:t> </a:t>
+            </a:r>
+            <a:r>
+              <a:rPr lang="fr" sz="850">
+                <a:solidFill>
+                  <a:srgbClr val="CCCCCC"/>
+                </a:solidFill>
+                <a:highlight>
+                  <a:srgbClr val="1F1F1F"/>
+                </a:highlight>
+                <a:latin typeface="Consolas"/>
+                <a:ea typeface="Consolas"/>
+                <a:cs typeface="Consolas"/>
+                <a:sym typeface="Consolas"/>
+              </a:rPr>
+              <a:t>DIM_ARRONDISSEMENTS</a:t>
+            </a:r>
+            <a:r>
+              <a:rPr lang="fr" sz="850">
+                <a:solidFill>
+                  <a:srgbClr val="CCCCCC"/>
+                </a:solidFill>
+                <a:highlight>
+                  <a:srgbClr val="1F1F1F"/>
+                </a:highlight>
+                <a:latin typeface="Consolas"/>
+                <a:ea typeface="Consolas"/>
+                <a:cs typeface="Consolas"/>
+                <a:sym typeface="Consolas"/>
+              </a:rPr>
+              <a:t>(IDENTIFIANT_SEQUENTIEL_ARRONDISSEMENT)</a:t>
             </a:r>
             <a:endParaRPr sz="850">
               <a:solidFill>
@@ -21189,107 +18026,6 @@
                 <a:cs typeface="Consolas"/>
                 <a:sym typeface="Consolas"/>
               </a:rPr>
-              <a:t>    </a:t>
-            </a:r>
-            <a:r>
-              <a:rPr lang="fr" sz="850">
-                <a:solidFill>
-                  <a:srgbClr val="569CD6"/>
-                </a:solidFill>
-                <a:highlight>
-                  <a:srgbClr val="1F1F1F"/>
-                </a:highlight>
-                <a:latin typeface="Consolas"/>
-                <a:ea typeface="Consolas"/>
-                <a:cs typeface="Consolas"/>
-                <a:sym typeface="Consolas"/>
-              </a:rPr>
-              <a:t>FOREIGN KEY</a:t>
-            </a:r>
-            <a:r>
-              <a:rPr lang="fr" sz="850">
-                <a:solidFill>
-                  <a:srgbClr val="CCCCCC"/>
-                </a:solidFill>
-                <a:highlight>
-                  <a:srgbClr val="1F1F1F"/>
-                </a:highlight>
-                <a:latin typeface="Consolas"/>
-                <a:ea typeface="Consolas"/>
-                <a:cs typeface="Consolas"/>
-                <a:sym typeface="Consolas"/>
-              </a:rPr>
-              <a:t> (...) </a:t>
-            </a:r>
-            <a:r>
-              <a:rPr lang="fr" sz="850">
-                <a:solidFill>
-                  <a:srgbClr val="569CD6"/>
-                </a:solidFill>
-                <a:highlight>
-                  <a:srgbClr val="1F1F1F"/>
-                </a:highlight>
-                <a:latin typeface="Consolas"/>
-                <a:ea typeface="Consolas"/>
-                <a:cs typeface="Consolas"/>
-                <a:sym typeface="Consolas"/>
-              </a:rPr>
-              <a:t>REFERENCES</a:t>
-            </a:r>
-            <a:r>
-              <a:rPr lang="fr" sz="850">
-                <a:solidFill>
-                  <a:srgbClr val="CCCCCC"/>
-                </a:solidFill>
-                <a:highlight>
-                  <a:srgbClr val="1F1F1F"/>
-                </a:highlight>
-                <a:latin typeface="Consolas"/>
-                <a:ea typeface="Consolas"/>
-                <a:cs typeface="Consolas"/>
-                <a:sym typeface="Consolas"/>
-              </a:rPr>
-              <a:t> Dim_Quartiers_Administratifs(IDENTIFIANT_SEQUENTIEL_DE_QUARTIER),</a:t>
-            </a:r>
-            <a:endParaRPr sz="850">
-              <a:solidFill>
-                <a:srgbClr val="CCCCCC"/>
-              </a:solidFill>
-              <a:highlight>
-                <a:srgbClr val="1F1F1F"/>
-              </a:highlight>
-              <a:latin typeface="Consolas"/>
-              <a:ea typeface="Consolas"/>
-              <a:cs typeface="Consolas"/>
-              <a:sym typeface="Consolas"/>
-            </a:endParaRPr>
-          </a:p>
-          <a:p>
-            <a:pPr indent="0" lvl="0" marL="0" rtl="0" algn="l">
-              <a:lnSpc>
-                <a:spcPct val="135714"/>
-              </a:lnSpc>
-              <a:spcBef>
-                <a:spcPts val="0"/>
-              </a:spcBef>
-              <a:spcAft>
-                <a:spcPts val="0"/>
-              </a:spcAft>
-              <a:buNone/>
-            </a:pPr>
-            <a:r>
-              <a:rPr lang="fr" sz="850">
-                <a:solidFill>
-                  <a:srgbClr val="CCCCCC"/>
-                </a:solidFill>
-                <a:highlight>
-                  <a:srgbClr val="1F1F1F"/>
-                </a:highlight>
-                <a:latin typeface="Consolas"/>
-                <a:ea typeface="Consolas"/>
-                <a:cs typeface="Consolas"/>
-                <a:sym typeface="Consolas"/>
-              </a:rPr>
               <a:t>    ... </a:t>
             </a:r>
             <a:r>
@@ -21362,7 +18098,7 @@
       </p:sp>
       <p:sp>
         <p:nvSpPr>
-          <p:cNvPr id="328" name="Google Shape;328;p29"/>
+          <p:cNvPr id="314" name="Google Shape;314;p28"/>
           <p:cNvSpPr txBox="1"/>
           <p:nvPr/>
         </p:nvSpPr>
@@ -21642,13 +18378,13 @@
       </p:sp>
       <p:sp>
         <p:nvSpPr>
-          <p:cNvPr id="329" name="Google Shape;329;p29"/>
+          <p:cNvPr id="315" name="Google Shape;315;p28"/>
           <p:cNvSpPr txBox="1"/>
           <p:nvPr/>
         </p:nvSpPr>
         <p:spPr>
           <a:xfrm>
-            <a:off x="4687100" y="2156100"/>
+            <a:off x="4687100" y="2003700"/>
             <a:ext cx="4224000" cy="831300"/>
           </a:xfrm>
           <a:prstGeom prst="rect">
@@ -21692,7 +18428,7 @@
       </p:sp>
       <p:sp>
         <p:nvSpPr>
-          <p:cNvPr id="330" name="Google Shape;330;p29"/>
+          <p:cNvPr id="316" name="Google Shape;316;p28"/>
           <p:cNvSpPr txBox="1"/>
           <p:nvPr/>
         </p:nvSpPr>
@@ -21738,10 +18474,10 @@
       </p:sp>
       <p:cxnSp>
         <p:nvCxnSpPr>
-          <p:cNvPr id="331" name="Google Shape;331;p29"/>
+          <p:cNvPr id="317" name="Google Shape;317;p28"/>
           <p:cNvCxnSpPr>
-            <a:stCxn id="330" idx="1"/>
-            <a:endCxn id="328" idx="0"/>
+            <a:stCxn id="316" idx="1"/>
+            <a:endCxn id="314" idx="0"/>
           </p:cNvCxnSpPr>
           <p:nvPr/>
         </p:nvCxnSpPr>
@@ -21770,7 +18506,7 @@
       </p:cxnSp>
       <p:sp>
         <p:nvSpPr>
-          <p:cNvPr id="332" name="Google Shape;332;p29"/>
+          <p:cNvPr id="318" name="Google Shape;318;p28"/>
           <p:cNvSpPr txBox="1"/>
           <p:nvPr/>
         </p:nvSpPr>
@@ -21808,7 +18544,7 @@
                   <a:schemeClr val="dk2"/>
                 </a:solidFill>
               </a:rPr>
-              <a:t>Création de la table de faits "FAIT_Valeurs_Foncieres_Paris"</a:t>
+              <a:t>Création de la table de faits "FAIT_VALEURS_FONCIERES"</a:t>
             </a:r>
             <a:endParaRPr sz="1200">
               <a:solidFill>
@@ -21820,19 +18556,149 @@
       </p:sp>
       <p:cxnSp>
         <p:nvCxnSpPr>
-          <p:cNvPr id="333" name="Google Shape;333;p29"/>
+          <p:cNvPr id="319" name="Google Shape;319;p28"/>
           <p:cNvCxnSpPr>
-            <a:stCxn id="332" idx="2"/>
-            <a:endCxn id="327" idx="3"/>
+            <a:stCxn id="318" idx="2"/>
+            <a:endCxn id="313" idx="3"/>
           </p:cNvCxnSpPr>
           <p:nvPr/>
         </p:nvCxnSpPr>
         <p:spPr>
           <a:xfrm rot="5400000">
-            <a:off x="6894975" y="3169800"/>
-            <a:ext cx="365100" cy="1416000"/>
+            <a:off x="6939375" y="3125400"/>
+            <a:ext cx="276300" cy="1416000"/>
           </a:xfrm>
           <a:prstGeom prst="curvedConnector2">
+            <a:avLst/>
+          </a:prstGeom>
+          <a:noFill/>
+          <a:ln cap="flat" cmpd="sng" w="28575">
+            <a:solidFill>
+              <a:srgbClr val="FF7A58"/>
+            </a:solidFill>
+            <a:prstDash val="solid"/>
+            <a:round/>
+            <a:headEnd len="med" w="med" type="none"/>
+            <a:tailEnd len="med" w="med" type="triangle"/>
+          </a:ln>
+        </p:spPr>
+      </p:cxnSp>
+      <p:grpSp>
+        <p:nvGrpSpPr>
+          <p:cNvPr id="320" name="Google Shape;320;p28"/>
+          <p:cNvGrpSpPr/>
+          <p:nvPr/>
+        </p:nvGrpSpPr>
+        <p:grpSpPr>
+          <a:xfrm>
+            <a:off x="6369551" y="180000"/>
+            <a:ext cx="2654044" cy="354000"/>
+            <a:chOff x="6274188" y="4238216"/>
+            <a:chExt cx="2346635" cy="354000"/>
+          </a:xfrm>
+        </p:grpSpPr>
+        <p:sp>
+          <p:nvSpPr>
+            <p:cNvPr id="321" name="Google Shape;321;p28"/>
+            <p:cNvSpPr txBox="1"/>
+            <p:nvPr/>
+          </p:nvSpPr>
+          <p:spPr>
+            <a:xfrm>
+              <a:off x="6563423" y="4238216"/>
+              <a:ext cx="2057400" cy="354000"/>
+            </a:xfrm>
+            <a:prstGeom prst="rect">
+              <a:avLst/>
+            </a:prstGeom>
+            <a:noFill/>
+            <a:ln>
+              <a:noFill/>
+            </a:ln>
+          </p:spPr>
+          <p:txBody>
+            <a:bodyPr anchorCtr="0" anchor="t" bIns="91425" lIns="91425" spcFirstLastPara="1" rIns="91425" wrap="square" tIns="91425">
+              <a:spAutoFit/>
+            </a:bodyPr>
+            <a:lstStyle/>
+            <a:p>
+              <a:pPr indent="0" lvl="0" marL="0" rtl="0" algn="l">
+                <a:spcBef>
+                  <a:spcPts val="0"/>
+                </a:spcBef>
+                <a:spcAft>
+                  <a:spcPts val="0"/>
+                </a:spcAft>
+                <a:buNone/>
+              </a:pPr>
+              <a:r>
+                <a:rPr lang="fr" sz="1100">
+                  <a:solidFill>
+                    <a:schemeClr val="dk2"/>
+                  </a:solidFill>
+                </a:rPr>
+                <a:t>creation_constellation_schema</a:t>
+              </a:r>
+              <a:r>
+                <a:rPr lang="fr" sz="1100">
+                  <a:solidFill>
+                    <a:schemeClr val="dk2"/>
+                  </a:solidFill>
+                </a:rPr>
+                <a:t>.sql</a:t>
+              </a:r>
+              <a:endParaRPr sz="1100">
+                <a:solidFill>
+                  <a:schemeClr val="dk2"/>
+                </a:solidFill>
+              </a:endParaRPr>
+            </a:p>
+          </p:txBody>
+        </p:sp>
+        <p:pic>
+          <p:nvPicPr>
+            <p:cNvPr id="322" name="Google Shape;322;p28"/>
+            <p:cNvPicPr preferRelativeResize="0"/>
+            <p:nvPr/>
+          </p:nvPicPr>
+          <p:blipFill>
+            <a:blip r:embed="rId3">
+              <a:alphaModFix/>
+            </a:blip>
+            <a:stretch>
+              <a:fillRect/>
+            </a:stretch>
+          </p:blipFill>
+          <p:spPr>
+            <a:xfrm>
+              <a:off x="6274188" y="4299888"/>
+              <a:ext cx="331200" cy="252000"/>
+            </a:xfrm>
+            <a:prstGeom prst="rect">
+              <a:avLst/>
+            </a:prstGeom>
+            <a:noFill/>
+            <a:ln>
+              <a:noFill/>
+            </a:ln>
+          </p:spPr>
+        </p:pic>
+      </p:grpSp>
+      <p:cxnSp>
+        <p:nvCxnSpPr>
+          <p:cNvPr id="323" name="Google Shape;323;p28"/>
+          <p:cNvCxnSpPr>
+            <a:stCxn id="312" idx="3"/>
+            <a:endCxn id="321" idx="2"/>
+          </p:cNvCxnSpPr>
+          <p:nvPr/>
+        </p:nvCxnSpPr>
+        <p:spPr>
+          <a:xfrm flipH="1" rot="10800000">
+            <a:off x="5661000" y="534125"/>
+            <a:ext cx="2199000" cy="222900"/>
+          </a:xfrm>
+          <a:prstGeom prst="bentConnector2">
             <a:avLst/>
           </a:prstGeom>
           <a:noFill/>
@@ -21855,12 +18721,12 @@
 </p:sld>
 </file>
 
-<file path=ppt/slides/slide18.xml><?xml version="1.0" encoding="utf-8"?>
+<file path=ppt/slides/slide17.xml><?xml version="1.0" encoding="utf-8"?>
 <p:sld xmlns:a="http://schemas.openxmlformats.org/drawingml/2006/main" xmlns:r="http://schemas.openxmlformats.org/officeDocument/2006/relationships" xmlns:mc="http://schemas.openxmlformats.org/markup-compatibility/2006" xmlns:mv="urn:schemas-microsoft-com:mac:vml" xmlns:p="http://schemas.openxmlformats.org/presentationml/2006/main" xmlns:c="http://schemas.openxmlformats.org/drawingml/2006/chart" xmlns:dgm="http://schemas.openxmlformats.org/drawingml/2006/diagram" xmlns:o="urn:schemas-microsoft-com:office:office" xmlns:v="urn:schemas-microsoft-com:vml" xmlns:pvml="urn:schemas-microsoft-com:office:powerpoint" xmlns:com="http://schemas.openxmlformats.org/drawingml/2006/compatibility" xmlns:p14="http://schemas.microsoft.com/office/powerpoint/2010/main" xmlns:p15="http://schemas.microsoft.com/office/powerpoint/2012/main" xmlns:ahyp="http://schemas.microsoft.com/office/drawing/2018/hyperlinkcolor">
   <p:cSld>
     <p:spTree>
       <p:nvGrpSpPr>
-        <p:cNvPr id="337" name="Shape 337"/>
+        <p:cNvPr id="327" name="Shape 327"/>
         <p:cNvGrpSpPr/>
         <p:nvPr/>
       </p:nvGrpSpPr>
@@ -21874,7 +18740,7 @@
       </p:grpSpPr>
       <p:sp>
         <p:nvSpPr>
-          <p:cNvPr id="338" name="Google Shape;338;p30"/>
+          <p:cNvPr id="328" name="Google Shape;328;p29"/>
           <p:cNvSpPr txBox="1"/>
           <p:nvPr/>
         </p:nvSpPr>
@@ -21920,7 +18786,7 @@
               </a:buClr>
               <a:buSzPts val="1400"/>
               <a:buFont typeface="Lexend"/>
-              <a:buAutoNum type="arabicPeriod" startAt="3"/>
+              <a:buAutoNum type="arabicPeriod" startAt="2"/>
             </a:pPr>
             <a:r>
               <a:rPr lang="fr">
@@ -21934,9 +18800,9 @@
               </a:rPr>
               <a:t>Chargement dans le système cycle</a:t>
             </a:r>
-            <a:endParaRPr sz="2100">
+            <a:endParaRPr>
               <a:solidFill>
-                <a:schemeClr val="lt1"/>
+                <a:schemeClr val="dk2"/>
               </a:solidFill>
               <a:latin typeface="Lexend"/>
               <a:ea typeface="Lexend"/>
@@ -21948,41 +18814,41 @@
       </p:sp>
       <p:grpSp>
         <p:nvGrpSpPr>
-          <p:cNvPr id="339" name="Google Shape;339;p30"/>
+          <p:cNvPr id="329" name="Google Shape;329;p29"/>
           <p:cNvGrpSpPr/>
           <p:nvPr/>
         </p:nvGrpSpPr>
         <p:grpSpPr>
           <a:xfrm>
             <a:off x="673478" y="1415063"/>
-            <a:ext cx="4822005" cy="1062317"/>
+            <a:ext cx="4822455" cy="1245317"/>
             <a:chOff x="613800" y="1491275"/>
-            <a:chExt cx="6424200" cy="1062317"/>
+            <a:chExt cx="6424800" cy="1245317"/>
           </a:xfrm>
         </p:grpSpPr>
         <p:grpSp>
           <p:nvGrpSpPr>
-            <p:cNvPr id="340" name="Google Shape;340;p30"/>
+            <p:cNvPr id="330" name="Google Shape;330;p29"/>
             <p:cNvGrpSpPr/>
             <p:nvPr/>
           </p:nvGrpSpPr>
           <p:grpSpPr>
             <a:xfrm>
               <a:off x="613800" y="1491275"/>
-              <a:ext cx="6424200" cy="1062317"/>
+              <a:ext cx="6424800" cy="1245317"/>
               <a:chOff x="369150" y="1491275"/>
-              <a:chExt cx="6424200" cy="1062317"/>
+              <a:chExt cx="6424800" cy="1245317"/>
             </a:xfrm>
           </p:grpSpPr>
           <p:sp>
             <p:nvSpPr>
-              <p:cNvPr id="341" name="Google Shape;341;p30"/>
+              <p:cNvPr id="331" name="Google Shape;331;p29"/>
               <p:cNvSpPr txBox="1"/>
               <p:nvPr/>
             </p:nvSpPr>
             <p:spPr>
               <a:xfrm>
-                <a:off x="369150" y="1883092"/>
+                <a:off x="369750" y="2066092"/>
                 <a:ext cx="6424200" cy="670500"/>
               </a:xfrm>
               <a:prstGeom prst="rect">
@@ -22197,7 +19063,7 @@
           </p:sp>
           <p:sp>
             <p:nvSpPr>
-              <p:cNvPr id="342" name="Google Shape;342;p30"/>
+              <p:cNvPr id="332" name="Google Shape;332;p29"/>
               <p:cNvSpPr txBox="1"/>
               <p:nvPr/>
             </p:nvSpPr>
@@ -22240,17 +19106,17 @@
         </p:grpSp>
         <p:cxnSp>
           <p:nvCxnSpPr>
-            <p:cNvPr id="343" name="Google Shape;343;p30"/>
+            <p:cNvPr id="333" name="Google Shape;333;p29"/>
             <p:cNvCxnSpPr>
-              <a:stCxn id="342" idx="1"/>
-              <a:endCxn id="341" idx="1"/>
+              <a:stCxn id="332" idx="1"/>
+              <a:endCxn id="331" idx="1"/>
             </p:cNvCxnSpPr>
             <p:nvPr/>
           </p:nvCxnSpPr>
           <p:spPr>
             <a:xfrm>
               <a:off x="613800" y="1799075"/>
-              <a:ext cx="600" cy="419400"/>
+              <a:ext cx="600" cy="602400"/>
             </a:xfrm>
             <a:prstGeom prst="curvedConnector3">
               <a:avLst>
@@ -22272,7 +19138,7 @@
       </p:grpSp>
       <p:grpSp>
         <p:nvGrpSpPr>
-          <p:cNvPr id="344" name="Google Shape;344;p30"/>
+          <p:cNvPr id="334" name="Google Shape;334;p29"/>
           <p:cNvGrpSpPr/>
           <p:nvPr/>
         </p:nvGrpSpPr>
@@ -22286,7 +19152,7 @@
         </p:grpSpPr>
         <p:grpSp>
           <p:nvGrpSpPr>
-            <p:cNvPr id="345" name="Google Shape;345;p30"/>
+            <p:cNvPr id="335" name="Google Shape;335;p29"/>
             <p:cNvGrpSpPr/>
             <p:nvPr/>
           </p:nvGrpSpPr>
@@ -22300,7 +19166,7 @@
           </p:grpSpPr>
           <p:sp>
             <p:nvSpPr>
-              <p:cNvPr id="346" name="Google Shape;346;p30"/>
+              <p:cNvPr id="336" name="Google Shape;336;p29"/>
               <p:cNvSpPr txBox="1"/>
               <p:nvPr/>
             </p:nvSpPr>
@@ -22612,7 +19478,7 @@
           </p:sp>
           <p:sp>
             <p:nvSpPr>
-              <p:cNvPr id="347" name="Google Shape;347;p30"/>
+              <p:cNvPr id="337" name="Google Shape;337;p29"/>
               <p:cNvSpPr txBox="1"/>
               <p:nvPr/>
             </p:nvSpPr>
@@ -22658,7 +19524,7 @@
                       <a:srgbClr val="1F1F1F"/>
                     </a:solidFill>
                   </a:rPr>
-                  <a:t> à jour de la table "Fact_Valeurs_Foncieres_Paris" en remplaçant la valeur de la colonne "IDENTIFIANT_SEQUENTIEL_ARRONDISSEMENT" par la valeur correspondante de la table "DIM_ARRONDISSEMENTS", lorsque les numéros d'arrondissement correspondent entre les deux tables.</a:t>
+                  <a:t> à jour de la table "Fait_Valeurs_Foncieres_Paris" en remplaçant la valeur de la colonne "IDENTIFIANT_SEQUENTIEL_ARRONDISSEMENT" par la valeur correspondante de la table "DIM_ARRONDISSEMENTS", lorsque les numéros d'arrondissement correspondent entre les deux tables.</a:t>
                 </a:r>
                 <a:endParaRPr>
                   <a:solidFill>
@@ -22671,10 +19537,10 @@
         </p:grpSp>
         <p:cxnSp>
           <p:nvCxnSpPr>
-            <p:cNvPr id="348" name="Google Shape;348;p30"/>
+            <p:cNvPr id="338" name="Google Shape;338;p29"/>
             <p:cNvCxnSpPr>
-              <a:stCxn id="347" idx="1"/>
-              <a:endCxn id="346" idx="1"/>
+              <a:stCxn id="337" idx="1"/>
+              <a:endCxn id="336" idx="1"/>
             </p:cNvCxnSpPr>
             <p:nvPr/>
           </p:nvCxnSpPr>
@@ -22701,6 +19567,128 @@
           </p:spPr>
         </p:cxnSp>
       </p:grpSp>
+      <p:grpSp>
+        <p:nvGrpSpPr>
+          <p:cNvPr id="339" name="Google Shape;339;p29"/>
+          <p:cNvGrpSpPr/>
+          <p:nvPr/>
+        </p:nvGrpSpPr>
+        <p:grpSpPr>
+          <a:xfrm>
+            <a:off x="6369551" y="180000"/>
+            <a:ext cx="2654044" cy="354000"/>
+            <a:chOff x="6274188" y="4238216"/>
+            <a:chExt cx="2346635" cy="354000"/>
+          </a:xfrm>
+        </p:grpSpPr>
+        <p:sp>
+          <p:nvSpPr>
+            <p:cNvPr id="340" name="Google Shape;340;p29"/>
+            <p:cNvSpPr txBox="1"/>
+            <p:nvPr/>
+          </p:nvSpPr>
+          <p:spPr>
+            <a:xfrm>
+              <a:off x="6563423" y="4238216"/>
+              <a:ext cx="2057400" cy="354000"/>
+            </a:xfrm>
+            <a:prstGeom prst="rect">
+              <a:avLst/>
+            </a:prstGeom>
+            <a:noFill/>
+            <a:ln>
+              <a:noFill/>
+            </a:ln>
+          </p:spPr>
+          <p:txBody>
+            <a:bodyPr anchorCtr="0" anchor="t" bIns="91425" lIns="91425" spcFirstLastPara="1" rIns="91425" wrap="square" tIns="91425">
+              <a:spAutoFit/>
+            </a:bodyPr>
+            <a:lstStyle/>
+            <a:p>
+              <a:pPr indent="0" lvl="0" marL="0" rtl="0" algn="l">
+                <a:spcBef>
+                  <a:spcPts val="0"/>
+                </a:spcBef>
+                <a:spcAft>
+                  <a:spcPts val="0"/>
+                </a:spcAft>
+                <a:buNone/>
+              </a:pPr>
+              <a:r>
+                <a:rPr lang="fr" sz="1100">
+                  <a:solidFill>
+                    <a:schemeClr val="dk2"/>
+                  </a:solidFill>
+                </a:rPr>
+                <a:t>creation_constellation_schema.sql</a:t>
+              </a:r>
+              <a:endParaRPr sz="1100">
+                <a:solidFill>
+                  <a:schemeClr val="dk2"/>
+                </a:solidFill>
+              </a:endParaRPr>
+            </a:p>
+          </p:txBody>
+        </p:sp>
+        <p:pic>
+          <p:nvPicPr>
+            <p:cNvPr id="341" name="Google Shape;341;p29"/>
+            <p:cNvPicPr preferRelativeResize="0"/>
+            <p:nvPr/>
+          </p:nvPicPr>
+          <p:blipFill>
+            <a:blip r:embed="rId3">
+              <a:alphaModFix/>
+            </a:blip>
+            <a:stretch>
+              <a:fillRect/>
+            </a:stretch>
+          </p:blipFill>
+          <p:spPr>
+            <a:xfrm>
+              <a:off x="6274188" y="4299888"/>
+              <a:ext cx="331200" cy="252000"/>
+            </a:xfrm>
+            <a:prstGeom prst="rect">
+              <a:avLst/>
+            </a:prstGeom>
+            <a:noFill/>
+            <a:ln>
+              <a:noFill/>
+            </a:ln>
+          </p:spPr>
+        </p:pic>
+      </p:grpSp>
+      <p:cxnSp>
+        <p:nvCxnSpPr>
+          <p:cNvPr id="342" name="Google Shape;342;p29"/>
+          <p:cNvCxnSpPr>
+            <a:stCxn id="328" idx="3"/>
+            <a:endCxn id="340" idx="2"/>
+          </p:cNvCxnSpPr>
+          <p:nvPr/>
+        </p:nvCxnSpPr>
+        <p:spPr>
+          <a:xfrm flipH="1" rot="10800000">
+            <a:off x="6392250" y="534125"/>
+            <a:ext cx="1467900" cy="222900"/>
+          </a:xfrm>
+          <a:prstGeom prst="bentConnector2">
+            <a:avLst/>
+          </a:prstGeom>
+          <a:noFill/>
+          <a:ln cap="flat" cmpd="sng" w="28575">
+            <a:solidFill>
+              <a:srgbClr val="FF6173"/>
+            </a:solidFill>
+            <a:prstDash val="solid"/>
+            <a:round/>
+            <a:headEnd len="med" w="med" type="none"/>
+            <a:tailEnd len="med" w="med" type="triangle"/>
+          </a:ln>
+        </p:spPr>
+      </p:cxnSp>
     </p:spTree>
   </p:cSld>
   <p:clrMapOvr>
@@ -22709,12 +19697,12 @@
 </p:sld>
 </file>
 
-<file path=ppt/slides/slide19.xml><?xml version="1.0" encoding="utf-8"?>
+<file path=ppt/slides/slide18.xml><?xml version="1.0" encoding="utf-8"?>
 <p:sld xmlns:a="http://schemas.openxmlformats.org/drawingml/2006/main" xmlns:r="http://schemas.openxmlformats.org/officeDocument/2006/relationships" xmlns:mc="http://schemas.openxmlformats.org/markup-compatibility/2006" xmlns:mv="urn:schemas-microsoft-com:mac:vml" xmlns:p="http://schemas.openxmlformats.org/presentationml/2006/main" xmlns:c="http://schemas.openxmlformats.org/drawingml/2006/chart" xmlns:dgm="http://schemas.openxmlformats.org/drawingml/2006/diagram" xmlns:o="urn:schemas-microsoft-com:office:office" xmlns:v="urn:schemas-microsoft-com:vml" xmlns:pvml="urn:schemas-microsoft-com:office:powerpoint" xmlns:com="http://schemas.openxmlformats.org/drawingml/2006/compatibility" xmlns:p14="http://schemas.microsoft.com/office/powerpoint/2010/main" xmlns:p15="http://schemas.microsoft.com/office/powerpoint/2012/main" xmlns:ahyp="http://schemas.microsoft.com/office/drawing/2018/hyperlinkcolor">
   <p:cSld>
     <p:spTree>
       <p:nvGrpSpPr>
-        <p:cNvPr id="352" name="Shape 352"/>
+        <p:cNvPr id="346" name="Shape 346"/>
         <p:cNvGrpSpPr/>
         <p:nvPr/>
       </p:nvGrpSpPr>
@@ -22728,7 +19716,7 @@
       </p:grpSpPr>
       <p:sp>
         <p:nvSpPr>
-          <p:cNvPr id="353" name="Google Shape;353;p31"/>
+          <p:cNvPr id="347" name="Google Shape;347;p30"/>
           <p:cNvSpPr txBox="1"/>
           <p:nvPr/>
         </p:nvSpPr>
@@ -22774,7 +19762,7 @@
               </a:buClr>
               <a:buSzPts val="1400"/>
               <a:buFont typeface="Lexend"/>
-              <a:buAutoNum type="arabicPeriod" startAt="4"/>
+              <a:buAutoNum type="arabicPeriod" startAt="3"/>
             </a:pPr>
             <a:r>
               <a:rPr lang="fr">
@@ -22802,7 +19790,7 @@
       </p:sp>
       <p:grpSp>
         <p:nvGrpSpPr>
-          <p:cNvPr id="354" name="Google Shape;354;p31"/>
+          <p:cNvPr id="348" name="Google Shape;348;p30"/>
           <p:cNvGrpSpPr/>
           <p:nvPr/>
         </p:nvGrpSpPr>
@@ -22816,7 +19804,7 @@
         </p:grpSpPr>
         <p:sp>
           <p:nvSpPr>
-            <p:cNvPr id="355" name="Google Shape;355;p31"/>
+            <p:cNvPr id="349" name="Google Shape;349;p30"/>
             <p:cNvSpPr txBox="1"/>
             <p:nvPr/>
           </p:nvSpPr>
@@ -23719,7 +20707,7 @@
         </p:sp>
         <p:sp>
           <p:nvSpPr>
-            <p:cNvPr id="356" name="Google Shape;356;p31"/>
+            <p:cNvPr id="350" name="Google Shape;350;p30"/>
             <p:cNvSpPr txBox="1"/>
             <p:nvPr/>
           </p:nvSpPr>
@@ -23766,7 +20754,7 @@
       </p:grpSp>
       <p:sp>
         <p:nvSpPr>
-          <p:cNvPr id="357" name="Google Shape;357;p31"/>
+          <p:cNvPr id="351" name="Google Shape;351;p30"/>
           <p:cNvSpPr txBox="1"/>
           <p:nvPr/>
         </p:nvSpPr>
@@ -24167,7 +21155,7 @@
       </p:sp>
       <p:sp>
         <p:nvSpPr>
-          <p:cNvPr id="358" name="Google Shape;358;p31"/>
+          <p:cNvPr id="352" name="Google Shape;352;p30"/>
           <p:cNvSpPr txBox="1"/>
           <p:nvPr/>
         </p:nvSpPr>
@@ -24211,6 +21199,299 @@
           </a:p>
         </p:txBody>
       </p:sp>
+      <p:grpSp>
+        <p:nvGrpSpPr>
+          <p:cNvPr id="353" name="Google Shape;353;p30"/>
+          <p:cNvGrpSpPr/>
+          <p:nvPr/>
+        </p:nvGrpSpPr>
+        <p:grpSpPr>
+          <a:xfrm>
+            <a:off x="6369551" y="180000"/>
+            <a:ext cx="2654044" cy="354000"/>
+            <a:chOff x="6274188" y="4238216"/>
+            <a:chExt cx="2346635" cy="354000"/>
+          </a:xfrm>
+        </p:grpSpPr>
+        <p:sp>
+          <p:nvSpPr>
+            <p:cNvPr id="354" name="Google Shape;354;p30"/>
+            <p:cNvSpPr txBox="1"/>
+            <p:nvPr/>
+          </p:nvSpPr>
+          <p:spPr>
+            <a:xfrm>
+              <a:off x="6563423" y="4238216"/>
+              <a:ext cx="2057400" cy="354000"/>
+            </a:xfrm>
+            <a:prstGeom prst="rect">
+              <a:avLst/>
+            </a:prstGeom>
+            <a:noFill/>
+            <a:ln>
+              <a:noFill/>
+            </a:ln>
+          </p:spPr>
+          <p:txBody>
+            <a:bodyPr anchorCtr="0" anchor="t" bIns="91425" lIns="91425" spcFirstLastPara="1" rIns="91425" wrap="square" tIns="91425">
+              <a:spAutoFit/>
+            </a:bodyPr>
+            <a:lstStyle/>
+            <a:p>
+              <a:pPr indent="0" lvl="0" marL="0" rtl="0" algn="l">
+                <a:spcBef>
+                  <a:spcPts val="0"/>
+                </a:spcBef>
+                <a:spcAft>
+                  <a:spcPts val="0"/>
+                </a:spcAft>
+                <a:buNone/>
+              </a:pPr>
+              <a:r>
+                <a:rPr lang="fr" sz="1100">
+                  <a:solidFill>
+                    <a:schemeClr val="dk2"/>
+                  </a:solidFill>
+                </a:rPr>
+                <a:t>creation_constellation_schema.sql</a:t>
+              </a:r>
+              <a:endParaRPr sz="1100">
+                <a:solidFill>
+                  <a:schemeClr val="dk2"/>
+                </a:solidFill>
+              </a:endParaRPr>
+            </a:p>
+          </p:txBody>
+        </p:sp>
+        <p:pic>
+          <p:nvPicPr>
+            <p:cNvPr id="355" name="Google Shape;355;p30"/>
+            <p:cNvPicPr preferRelativeResize="0"/>
+            <p:nvPr/>
+          </p:nvPicPr>
+          <p:blipFill>
+            <a:blip r:embed="rId3">
+              <a:alphaModFix/>
+            </a:blip>
+            <a:stretch>
+              <a:fillRect/>
+            </a:stretch>
+          </p:blipFill>
+          <p:spPr>
+            <a:xfrm>
+              <a:off x="6274188" y="4299888"/>
+              <a:ext cx="331200" cy="252000"/>
+            </a:xfrm>
+            <a:prstGeom prst="rect">
+              <a:avLst/>
+            </a:prstGeom>
+            <a:noFill/>
+            <a:ln>
+              <a:noFill/>
+            </a:ln>
+          </p:spPr>
+        </p:pic>
+      </p:grpSp>
+      <p:cxnSp>
+        <p:nvCxnSpPr>
+          <p:cNvPr id="356" name="Google Shape;356;p30"/>
+          <p:cNvCxnSpPr>
+            <a:stCxn id="347" idx="3"/>
+            <a:endCxn id="354" idx="2"/>
+          </p:cNvCxnSpPr>
+          <p:nvPr/>
+        </p:nvCxnSpPr>
+        <p:spPr>
+          <a:xfrm flipH="1" rot="10800000">
+            <a:off x="5600550" y="534125"/>
+            <a:ext cx="2259600" cy="222900"/>
+          </a:xfrm>
+          <a:prstGeom prst="bentConnector2">
+            <a:avLst/>
+          </a:prstGeom>
+          <a:noFill/>
+          <a:ln cap="flat" cmpd="sng" w="28575">
+            <a:solidFill>
+              <a:srgbClr val="FF5183"/>
+            </a:solidFill>
+            <a:prstDash val="solid"/>
+            <a:round/>
+            <a:headEnd len="med" w="med" type="none"/>
+            <a:tailEnd len="med" w="med" type="triangle"/>
+          </a:ln>
+        </p:spPr>
+      </p:cxnSp>
+    </p:spTree>
+  </p:cSld>
+  <p:clrMapOvr>
+    <a:masterClrMapping/>
+  </p:clrMapOvr>
+</p:sld>
+</file>
+
+<file path=ppt/slides/slide19.xml><?xml version="1.0" encoding="utf-8"?>
+<p:sld xmlns:a="http://schemas.openxmlformats.org/drawingml/2006/main" xmlns:r="http://schemas.openxmlformats.org/officeDocument/2006/relationships" xmlns:mc="http://schemas.openxmlformats.org/markup-compatibility/2006" xmlns:mv="urn:schemas-microsoft-com:mac:vml" xmlns:p="http://schemas.openxmlformats.org/presentationml/2006/main" xmlns:c="http://schemas.openxmlformats.org/drawingml/2006/chart" xmlns:dgm="http://schemas.openxmlformats.org/drawingml/2006/diagram" xmlns:o="urn:schemas-microsoft-com:office:office" xmlns:v="urn:schemas-microsoft-com:vml" xmlns:pvml="urn:schemas-microsoft-com:office:powerpoint" xmlns:com="http://schemas.openxmlformats.org/drawingml/2006/compatibility" xmlns:p14="http://schemas.microsoft.com/office/powerpoint/2010/main" xmlns:p15="http://schemas.microsoft.com/office/powerpoint/2012/main" xmlns:ahyp="http://schemas.microsoft.com/office/drawing/2018/hyperlinkcolor">
+  <p:cSld>
+    <p:spTree>
+      <p:nvGrpSpPr>
+        <p:cNvPr id="360" name="Shape 360"/>
+        <p:cNvGrpSpPr/>
+        <p:nvPr/>
+      </p:nvGrpSpPr>
+      <p:grpSpPr>
+        <a:xfrm>
+          <a:off x="0" y="0"/>
+          <a:ext cx="0" cy="0"/>
+          <a:chOff x="0" y="0"/>
+          <a:chExt cx="0" cy="0"/>
+        </a:xfrm>
+      </p:grpSpPr>
+      <p:sp>
+        <p:nvSpPr>
+          <p:cNvPr id="361" name="Google Shape;361;p31"/>
+          <p:cNvSpPr/>
+          <p:nvPr/>
+        </p:nvSpPr>
+        <p:spPr>
+          <a:xfrm>
+            <a:off x="0" y="0"/>
+            <a:ext cx="2446800" cy="5143500"/>
+          </a:xfrm>
+          <a:prstGeom prst="rtTriangle">
+            <a:avLst/>
+          </a:prstGeom>
+          <a:gradFill>
+            <a:gsLst>
+              <a:gs pos="0">
+                <a:srgbClr val="FF9E32"/>
+              </a:gs>
+              <a:gs pos="27000">
+                <a:srgbClr val="FF7A58"/>
+              </a:gs>
+              <a:gs pos="51000">
+                <a:srgbClr val="FF6173"/>
+              </a:gs>
+              <a:gs pos="73000">
+                <a:srgbClr val="FF5183"/>
+              </a:gs>
+              <a:gs pos="100000">
+                <a:srgbClr val="FF4C89"/>
+              </a:gs>
+            </a:gsLst>
+            <a:lin ang="2698631" scaled="0"/>
+          </a:gradFill>
+          <a:ln>
+            <a:noFill/>
+          </a:ln>
+        </p:spPr>
+        <p:txBody>
+          <a:bodyPr anchorCtr="0" anchor="ctr" bIns="91425" lIns="91425" spcFirstLastPara="1" rIns="91425" wrap="square" tIns="91425">
+            <a:noAutofit/>
+          </a:bodyPr>
+          <a:lstStyle/>
+          <a:p>
+            <a:pPr indent="0" lvl="0" marL="0" rtl="0" algn="ctr">
+              <a:spcBef>
+                <a:spcPts val="0"/>
+              </a:spcBef>
+              <a:spcAft>
+                <a:spcPts val="0"/>
+              </a:spcAft>
+              <a:buNone/>
+            </a:pPr>
+            <a:r>
+              <a:t/>
+            </a:r>
+            <a:endParaRPr/>
+          </a:p>
+        </p:txBody>
+      </p:sp>
+      <p:sp>
+        <p:nvSpPr>
+          <p:cNvPr id="362" name="Google Shape;362;p31"/>
+          <p:cNvSpPr txBox="1"/>
+          <p:nvPr/>
+        </p:nvSpPr>
+        <p:spPr>
+          <a:xfrm>
+            <a:off x="103675" y="4467425"/>
+            <a:ext cx="2105100" cy="507900"/>
+          </a:xfrm>
+          <a:prstGeom prst="rect">
+            <a:avLst/>
+          </a:prstGeom>
+          <a:noFill/>
+          <a:ln>
+            <a:noFill/>
+          </a:ln>
+        </p:spPr>
+        <p:txBody>
+          <a:bodyPr anchorCtr="0" anchor="t" bIns="91425" lIns="91425" spcFirstLastPara="1" rIns="91425" wrap="square" tIns="91425">
+            <a:spAutoFit/>
+          </a:bodyPr>
+          <a:lstStyle/>
+          <a:p>
+            <a:pPr indent="0" lvl="0" marL="0" rtl="0" algn="l">
+              <a:spcBef>
+                <a:spcPts val="0"/>
+              </a:spcBef>
+              <a:spcAft>
+                <a:spcPts val="0"/>
+              </a:spcAft>
+              <a:buNone/>
+            </a:pPr>
+            <a:r>
+              <a:rPr lang="fr" sz="2100">
+                <a:solidFill>
+                  <a:schemeClr val="lt1"/>
+                </a:solidFill>
+                <a:latin typeface="Impact"/>
+                <a:ea typeface="Impact"/>
+                <a:cs typeface="Impact"/>
+                <a:sym typeface="Impact"/>
+              </a:rPr>
+              <a:t>Schéma en étoile</a:t>
+            </a:r>
+            <a:endParaRPr sz="2100">
+              <a:solidFill>
+                <a:schemeClr val="lt1"/>
+              </a:solidFill>
+              <a:latin typeface="Impact"/>
+              <a:ea typeface="Impact"/>
+              <a:cs typeface="Impact"/>
+              <a:sym typeface="Impact"/>
+            </a:endParaRPr>
+          </a:p>
+        </p:txBody>
+      </p:sp>
+      <p:pic>
+        <p:nvPicPr>
+          <p:cNvPr id="363" name="Google Shape;363;p31"/>
+          <p:cNvPicPr preferRelativeResize="0"/>
+          <p:nvPr/>
+        </p:nvPicPr>
+        <p:blipFill>
+          <a:blip r:embed="rId3">
+            <a:alphaModFix/>
+          </a:blip>
+          <a:stretch>
+            <a:fillRect/>
+          </a:stretch>
+        </p:blipFill>
+        <p:spPr>
+          <a:xfrm>
+            <a:off x="1680601" y="781050"/>
+            <a:ext cx="6392398" cy="3264311"/>
+          </a:xfrm>
+          <a:prstGeom prst="rect">
+            <a:avLst/>
+          </a:prstGeom>
+          <a:noFill/>
+          <a:ln>
+            <a:noFill/>
+          </a:ln>
+        </p:spPr>
+      </p:pic>
     </p:spTree>
   </p:cSld>
   <p:clrMapOvr>
@@ -24637,7 +21918,7 @@
   <p:cSld>
     <p:spTree>
       <p:nvGrpSpPr>
-        <p:cNvPr id="362" name="Shape 362"/>
+        <p:cNvPr id="367" name="Shape 367"/>
         <p:cNvGrpSpPr/>
         <p:nvPr/>
       </p:nvGrpSpPr>
@@ -24649,180 +21930,163 @@
           <a:chExt cx="0" cy="0"/>
         </a:xfrm>
       </p:grpSpPr>
-      <p:sp>
-        <p:nvSpPr>
-          <p:cNvPr id="363" name="Google Shape;363;p32"/>
-          <p:cNvSpPr/>
+      <p:grpSp>
+        <p:nvGrpSpPr>
+          <p:cNvPr id="368" name="Google Shape;368;p32"/>
+          <p:cNvGrpSpPr/>
           <p:nvPr/>
-        </p:nvSpPr>
-        <p:spPr>
+        </p:nvGrpSpPr>
+        <p:grpSpPr>
           <a:xfrm>
-            <a:off x="0" y="0"/>
-            <a:ext cx="2446800" cy="5143500"/>
+            <a:off x="476125" y="2339875"/>
+            <a:ext cx="4170949" cy="1739375"/>
+            <a:chOff x="476125" y="2339875"/>
+            <a:chExt cx="4170949" cy="1739375"/>
           </a:xfrm>
-          <a:prstGeom prst="rtTriangle">
-            <a:avLst/>
-          </a:prstGeom>
-          <a:gradFill>
-            <a:gsLst>
-              <a:gs pos="0">
-                <a:srgbClr val="FF9E32"/>
-              </a:gs>
-              <a:gs pos="27000">
-                <a:srgbClr val="FF7A58"/>
-              </a:gs>
-              <a:gs pos="51000">
-                <a:srgbClr val="FF6173"/>
-              </a:gs>
-              <a:gs pos="73000">
-                <a:srgbClr val="FF5183"/>
-              </a:gs>
-              <a:gs pos="100000">
-                <a:srgbClr val="FF4C89"/>
-              </a:gs>
-            </a:gsLst>
-            <a:lin ang="2698631" scaled="0"/>
-          </a:gradFill>
-          <a:ln>
+        </p:grpSpPr>
+        <p:pic>
+          <p:nvPicPr>
+            <p:cNvPr id="369" name="Google Shape;369;p32"/>
+            <p:cNvPicPr preferRelativeResize="0"/>
+            <p:nvPr/>
+          </p:nvPicPr>
+          <p:blipFill>
+            <a:blip r:embed="rId3">
+              <a:alphaModFix/>
+            </a:blip>
+            <a:stretch>
+              <a:fillRect/>
+            </a:stretch>
+          </p:blipFill>
+          <p:spPr>
+            <a:xfrm>
+              <a:off x="476125" y="2339875"/>
+              <a:ext cx="4170949" cy="1512150"/>
+            </a:xfrm>
+            <a:prstGeom prst="rect">
+              <a:avLst/>
+            </a:prstGeom>
             <a:noFill/>
-          </a:ln>
-        </p:spPr>
-        <p:txBody>
-          <a:bodyPr anchorCtr="0" anchor="ctr" bIns="91425" lIns="91425" spcFirstLastPara="1" rIns="91425" wrap="square" tIns="91425">
-            <a:noAutofit/>
-          </a:bodyPr>
-          <a:lstStyle/>
-          <a:p>
-            <a:pPr indent="0" lvl="0" marL="0" rtl="0" algn="ctr">
-              <a:spcBef>
-                <a:spcPts val="0"/>
-              </a:spcBef>
-              <a:spcAft>
-                <a:spcPts val="0"/>
-              </a:spcAft>
-              <a:buNone/>
-            </a:pPr>
-            <a:r>
-              <a:t/>
-            </a:r>
-            <a:endParaRPr/>
-          </a:p>
-        </p:txBody>
-      </p:sp>
-      <p:sp>
-        <p:nvSpPr>
-          <p:cNvPr id="364" name="Google Shape;364;p32"/>
-          <p:cNvSpPr txBox="1"/>
-          <p:nvPr/>
-        </p:nvSpPr>
-        <p:spPr>
-          <a:xfrm>
-            <a:off x="103675" y="4467425"/>
-            <a:ext cx="2105100" cy="507900"/>
-          </a:xfrm>
-          <a:prstGeom prst="rect">
-            <a:avLst/>
-          </a:prstGeom>
-          <a:noFill/>
-          <a:ln>
-            <a:noFill/>
-          </a:ln>
-        </p:spPr>
-        <p:txBody>
-          <a:bodyPr anchorCtr="0" anchor="t" bIns="91425" lIns="91425" spcFirstLastPara="1" rIns="91425" wrap="square" tIns="91425">
-            <a:spAutoFit/>
-          </a:bodyPr>
-          <a:lstStyle/>
-          <a:p>
-            <a:pPr indent="0" lvl="0" marL="0" rtl="0" algn="l">
-              <a:spcBef>
-                <a:spcPts val="0"/>
-              </a:spcBef>
-              <a:spcAft>
-                <a:spcPts val="0"/>
-              </a:spcAft>
-              <a:buNone/>
-            </a:pPr>
-            <a:r>
-              <a:rPr lang="fr" sz="2100">
-                <a:solidFill>
-                  <a:schemeClr val="lt1"/>
-                </a:solidFill>
-                <a:latin typeface="Impact"/>
-                <a:ea typeface="Impact"/>
-                <a:cs typeface="Impact"/>
-                <a:sym typeface="Impact"/>
-              </a:rPr>
-              <a:t>Schéma en étoile</a:t>
-            </a:r>
-            <a:endParaRPr sz="2100">
+            <a:ln>
+              <a:noFill/>
+            </a:ln>
+          </p:spPr>
+        </p:pic>
+        <p:sp>
+          <p:nvSpPr>
+            <p:cNvPr id="370" name="Google Shape;370;p32"/>
+            <p:cNvSpPr/>
+            <p:nvPr/>
+          </p:nvSpPr>
+          <p:spPr>
+            <a:xfrm>
+              <a:off x="619375" y="2809725"/>
+              <a:ext cx="805500" cy="81000"/>
+            </a:xfrm>
+            <a:prstGeom prst="roundRect">
+              <a:avLst>
+                <a:gd fmla="val 16667" name="adj"/>
+              </a:avLst>
+            </a:prstGeom>
+            <a:gradFill>
+              <a:gsLst>
+                <a:gs pos="0">
+                  <a:srgbClr val="FF9E32"/>
+                </a:gs>
+                <a:gs pos="27000">
+                  <a:srgbClr val="FF7A58"/>
+                </a:gs>
+                <a:gs pos="51000">
+                  <a:srgbClr val="FF6173"/>
+                </a:gs>
+                <a:gs pos="73000">
+                  <a:srgbClr val="FF5183"/>
+                </a:gs>
+                <a:gs pos="100000">
+                  <a:srgbClr val="FF4C89"/>
+                </a:gs>
+              </a:gsLst>
+              <a:lin ang="2698631" scaled="0"/>
+            </a:gradFill>
+            <a:ln>
+              <a:noFill/>
+            </a:ln>
+          </p:spPr>
+          <p:txBody>
+            <a:bodyPr anchorCtr="0" anchor="ctr" bIns="91425" lIns="91425" spcFirstLastPara="1" rIns="91425" wrap="square" tIns="91425">
+              <a:noAutofit/>
+            </a:bodyPr>
+            <a:lstStyle/>
+            <a:p>
+              <a:pPr indent="0" lvl="0" marL="0" rtl="0" algn="ctr">
+                <a:spcBef>
+                  <a:spcPts val="0"/>
+                </a:spcBef>
+                <a:spcAft>
+                  <a:spcPts val="0"/>
+                </a:spcAft>
+                <a:buNone/>
+              </a:pPr>
+              <a:r>
+                <a:t/>
+              </a:r>
+              <a:endParaRPr/>
+            </a:p>
+          </p:txBody>
+        </p:sp>
+        <p:sp>
+          <p:nvSpPr>
+            <p:cNvPr id="371" name="Google Shape;371;p32"/>
+            <p:cNvSpPr/>
+            <p:nvPr/>
+          </p:nvSpPr>
+          <p:spPr>
+            <a:xfrm>
+              <a:off x="537400" y="3321150"/>
+              <a:ext cx="2272800" cy="758100"/>
+            </a:xfrm>
+            <a:prstGeom prst="rect">
+              <a:avLst/>
+            </a:prstGeom>
+            <a:solidFill>
+              <a:schemeClr val="lt1"/>
+            </a:solidFill>
+            <a:ln cap="flat" cmpd="sng" w="9525">
               <a:solidFill>
                 <a:schemeClr val="lt1"/>
               </a:solidFill>
-              <a:latin typeface="Impact"/>
-              <a:ea typeface="Impact"/>
-              <a:cs typeface="Impact"/>
-              <a:sym typeface="Impact"/>
-            </a:endParaRPr>
-          </a:p>
-        </p:txBody>
-      </p:sp>
-      <p:pic>
-        <p:nvPicPr>
-          <p:cNvPr id="365" name="Google Shape;365;p32"/>
-          <p:cNvPicPr preferRelativeResize="0"/>
-          <p:nvPr/>
-        </p:nvPicPr>
-        <p:blipFill>
-          <a:blip r:embed="rId3">
-            <a:alphaModFix/>
-          </a:blip>
-          <a:stretch>
-            <a:fillRect/>
-          </a:stretch>
-        </p:blipFill>
-        <p:spPr>
-          <a:xfrm>
-            <a:off x="1980175" y="586738"/>
-            <a:ext cx="6392400" cy="3690625"/>
-          </a:xfrm>
-          <a:prstGeom prst="rect">
-            <a:avLst/>
-          </a:prstGeom>
-          <a:noFill/>
-          <a:ln>
-            <a:noFill/>
-          </a:ln>
-        </p:spPr>
-      </p:pic>
-    </p:spTree>
-  </p:cSld>
-  <p:clrMapOvr>
-    <a:masterClrMapping/>
-  </p:clrMapOvr>
-</p:sld>
-</file>
-
-<file path=ppt/slides/slide21.xml><?xml version="1.0" encoding="utf-8"?>
-<p:sld xmlns:a="http://schemas.openxmlformats.org/drawingml/2006/main" xmlns:r="http://schemas.openxmlformats.org/officeDocument/2006/relationships" xmlns:mc="http://schemas.openxmlformats.org/markup-compatibility/2006" xmlns:mv="urn:schemas-microsoft-com:mac:vml" xmlns:p="http://schemas.openxmlformats.org/presentationml/2006/main" xmlns:c="http://schemas.openxmlformats.org/drawingml/2006/chart" xmlns:dgm="http://schemas.openxmlformats.org/drawingml/2006/diagram" xmlns:o="urn:schemas-microsoft-com:office:office" xmlns:v="urn:schemas-microsoft-com:vml" xmlns:pvml="urn:schemas-microsoft-com:office:powerpoint" xmlns:com="http://schemas.openxmlformats.org/drawingml/2006/compatibility" xmlns:p14="http://schemas.microsoft.com/office/powerpoint/2010/main" xmlns:p15="http://schemas.microsoft.com/office/powerpoint/2012/main" xmlns:ahyp="http://schemas.microsoft.com/office/drawing/2018/hyperlinkcolor">
-  <p:cSld>
-    <p:spTree>
-      <p:nvGrpSpPr>
-        <p:cNvPr id="369" name="Shape 369"/>
-        <p:cNvGrpSpPr/>
-        <p:nvPr/>
-      </p:nvGrpSpPr>
-      <p:grpSpPr>
-        <a:xfrm>
-          <a:off x="0" y="0"/>
-          <a:ext cx="0" cy="0"/>
-          <a:chOff x="0" y="0"/>
-          <a:chExt cx="0" cy="0"/>
-        </a:xfrm>
-      </p:grpSpPr>
+              <a:prstDash val="solid"/>
+              <a:round/>
+              <a:headEnd len="sm" w="sm" type="none"/>
+              <a:tailEnd len="sm" w="sm" type="none"/>
+            </a:ln>
+          </p:spPr>
+          <p:txBody>
+            <a:bodyPr anchorCtr="0" anchor="ctr" bIns="91425" lIns="91425" spcFirstLastPara="1" rIns="91425" wrap="square" tIns="91425">
+              <a:noAutofit/>
+            </a:bodyPr>
+            <a:lstStyle/>
+            <a:p>
+              <a:pPr indent="0" lvl="0" marL="0" rtl="0" algn="ctr">
+                <a:spcBef>
+                  <a:spcPts val="0"/>
+                </a:spcBef>
+                <a:spcAft>
+                  <a:spcPts val="0"/>
+                </a:spcAft>
+                <a:buNone/>
+              </a:pPr>
+              <a:r>
+                <a:t/>
+              </a:r>
+              <a:endParaRPr/>
+            </a:p>
+          </p:txBody>
+        </p:sp>
+      </p:grpSp>
       <p:sp>
         <p:nvSpPr>
-          <p:cNvPr id="370" name="Google Shape;370;p33"/>
+          <p:cNvPr id="372" name="Google Shape;372;p32"/>
           <p:cNvSpPr txBox="1"/>
           <p:nvPr/>
         </p:nvSpPr>
@@ -24897,312 +22161,378 @@
           </a:p>
         </p:txBody>
       </p:sp>
+      <p:sp>
+        <p:nvSpPr>
+          <p:cNvPr id="373" name="Google Shape;373;p32"/>
+          <p:cNvSpPr txBox="1"/>
+          <p:nvPr/>
+        </p:nvSpPr>
+        <p:spPr>
+          <a:xfrm>
+            <a:off x="344204" y="1548000"/>
+            <a:ext cx="2466000" cy="831300"/>
+          </a:xfrm>
+          <a:prstGeom prst="rect">
+            <a:avLst/>
+          </a:prstGeom>
+          <a:noFill/>
+          <a:ln>
+            <a:noFill/>
+          </a:ln>
+        </p:spPr>
+        <p:txBody>
+          <a:bodyPr anchorCtr="0" anchor="t" bIns="91425" lIns="91425" spcFirstLastPara="1" rIns="91425" wrap="square" tIns="91425">
+            <a:spAutoFit/>
+          </a:bodyPr>
+          <a:lstStyle/>
+          <a:p>
+            <a:pPr indent="0" lvl="0" marL="0" rtl="0" algn="just">
+              <a:spcBef>
+                <a:spcPts val="0"/>
+              </a:spcBef>
+              <a:spcAft>
+                <a:spcPts val="0"/>
+              </a:spcAft>
+              <a:buNone/>
+            </a:pPr>
+            <a:r>
+              <a:rPr lang="fr">
+                <a:solidFill>
+                  <a:schemeClr val="dk2"/>
+                </a:solidFill>
+              </a:rPr>
+              <a:t>Connexion entre Power Bi et Snowflake afin de récupérer nos données</a:t>
+            </a:r>
+            <a:endParaRPr>
+              <a:solidFill>
+                <a:schemeClr val="dk2"/>
+              </a:solidFill>
+            </a:endParaRPr>
+          </a:p>
+        </p:txBody>
+      </p:sp>
+      <p:cxnSp>
+        <p:nvCxnSpPr>
+          <p:cNvPr id="374" name="Google Shape;374;p32"/>
+          <p:cNvCxnSpPr>
+            <a:stCxn id="373" idx="1"/>
+            <a:endCxn id="369" idx="1"/>
+          </p:cNvCxnSpPr>
+          <p:nvPr/>
+        </p:nvCxnSpPr>
+        <p:spPr>
+          <a:xfrm>
+            <a:off x="344204" y="1963650"/>
+            <a:ext cx="132000" cy="1132200"/>
+          </a:xfrm>
+          <a:prstGeom prst="curvedConnector3">
+            <a:avLst>
+              <a:gd fmla="val -180398" name="adj1"/>
+            </a:avLst>
+          </a:prstGeom>
+          <a:noFill/>
+          <a:ln cap="flat" cmpd="sng" w="28575">
+            <a:solidFill>
+              <a:srgbClr val="FF9E32"/>
+            </a:solidFill>
+            <a:prstDash val="solid"/>
+            <a:round/>
+            <a:headEnd len="med" w="med" type="none"/>
+            <a:tailEnd len="med" w="med" type="triangle"/>
+          </a:ln>
+        </p:spPr>
+      </p:cxnSp>
+      <p:cxnSp>
+        <p:nvCxnSpPr>
+          <p:cNvPr id="375" name="Google Shape;375;p32"/>
+          <p:cNvCxnSpPr/>
+          <p:nvPr/>
+        </p:nvCxnSpPr>
+        <p:spPr>
+          <a:xfrm flipH="1" rot="10800000">
+            <a:off x="3484796" y="2672359"/>
+            <a:ext cx="468300" cy="316200"/>
+          </a:xfrm>
+          <a:prstGeom prst="curvedConnector3">
+            <a:avLst>
+              <a:gd fmla="val 50000" name="adj1"/>
+            </a:avLst>
+          </a:prstGeom>
+          <a:noFill/>
+          <a:ln cap="flat" cmpd="sng" w="28575">
+            <a:solidFill>
+              <a:srgbClr val="FF7A58"/>
+            </a:solidFill>
+            <a:prstDash val="solid"/>
+            <a:round/>
+            <a:headEnd len="med" w="med" type="none"/>
+            <a:tailEnd len="med" w="med" type="triangle"/>
+          </a:ln>
+        </p:spPr>
+      </p:cxnSp>
+      <p:sp>
+        <p:nvSpPr>
+          <p:cNvPr id="376" name="Google Shape;376;p32"/>
+          <p:cNvSpPr txBox="1"/>
+          <p:nvPr/>
+        </p:nvSpPr>
+        <p:spPr>
+          <a:xfrm>
+            <a:off x="5705679" y="4291325"/>
+            <a:ext cx="1543200" cy="615600"/>
+          </a:xfrm>
+          <a:prstGeom prst="rect">
+            <a:avLst/>
+          </a:prstGeom>
+          <a:noFill/>
+          <a:ln>
+            <a:noFill/>
+          </a:ln>
+        </p:spPr>
+        <p:txBody>
+          <a:bodyPr anchorCtr="0" anchor="t" bIns="91425" lIns="91425" spcFirstLastPara="1" rIns="91425" wrap="square" tIns="91425">
+            <a:spAutoFit/>
+          </a:bodyPr>
+          <a:lstStyle/>
+          <a:p>
+            <a:pPr indent="0" lvl="0" marL="0" rtl="0" algn="just">
+              <a:spcBef>
+                <a:spcPts val="0"/>
+              </a:spcBef>
+              <a:spcAft>
+                <a:spcPts val="0"/>
+              </a:spcAft>
+              <a:buNone/>
+            </a:pPr>
+            <a:r>
+              <a:rPr lang="fr">
+                <a:solidFill>
+                  <a:schemeClr val="dk2"/>
+                </a:solidFill>
+              </a:rPr>
+              <a:t>Choix des tables </a:t>
+            </a:r>
+            <a:endParaRPr>
+              <a:solidFill>
+                <a:schemeClr val="dk2"/>
+              </a:solidFill>
+            </a:endParaRPr>
+          </a:p>
+          <a:p>
+            <a:pPr indent="0" lvl="0" marL="0" rtl="0" algn="just">
+              <a:spcBef>
+                <a:spcPts val="0"/>
+              </a:spcBef>
+              <a:spcAft>
+                <a:spcPts val="0"/>
+              </a:spcAft>
+              <a:buNone/>
+            </a:pPr>
+            <a:r>
+              <a:rPr lang="fr">
+                <a:solidFill>
+                  <a:schemeClr val="dk2"/>
+                </a:solidFill>
+              </a:rPr>
+              <a:t>et importation</a:t>
+            </a:r>
+            <a:endParaRPr/>
+          </a:p>
+        </p:txBody>
+      </p:sp>
+      <p:cxnSp>
+        <p:nvCxnSpPr>
+          <p:cNvPr id="377" name="Google Shape;377;p32"/>
+          <p:cNvCxnSpPr>
+            <a:stCxn id="378" idx="2"/>
+            <a:endCxn id="376" idx="1"/>
+          </p:cNvCxnSpPr>
+          <p:nvPr/>
+        </p:nvCxnSpPr>
+        <p:spPr>
+          <a:xfrm flipH="1" rot="-5400000">
+            <a:off x="5089959" y="3983522"/>
+            <a:ext cx="449400" cy="782100"/>
+          </a:xfrm>
+          <a:prstGeom prst="curvedConnector2">
+            <a:avLst/>
+          </a:prstGeom>
+          <a:noFill/>
+          <a:ln cap="flat" cmpd="sng" w="28575">
+            <a:solidFill>
+              <a:srgbClr val="FF6173"/>
+            </a:solidFill>
+            <a:prstDash val="solid"/>
+            <a:round/>
+            <a:headEnd len="med" w="med" type="none"/>
+            <a:tailEnd len="med" w="med" type="triangle"/>
+          </a:ln>
+        </p:spPr>
+      </p:cxnSp>
+      <p:sp>
+        <p:nvSpPr>
+          <p:cNvPr id="379" name="Google Shape;379;p32"/>
+          <p:cNvSpPr txBox="1"/>
+          <p:nvPr/>
+        </p:nvSpPr>
+        <p:spPr>
+          <a:xfrm>
+            <a:off x="6733510" y="2919663"/>
+            <a:ext cx="2076600" cy="831300"/>
+          </a:xfrm>
+          <a:prstGeom prst="rect">
+            <a:avLst/>
+          </a:prstGeom>
+          <a:noFill/>
+          <a:ln>
+            <a:noFill/>
+          </a:ln>
+        </p:spPr>
+        <p:txBody>
+          <a:bodyPr anchorCtr="0" anchor="t" bIns="91425" lIns="91425" spcFirstLastPara="1" rIns="91425" wrap="square" tIns="91425">
+            <a:spAutoFit/>
+          </a:bodyPr>
+          <a:lstStyle/>
+          <a:p>
+            <a:pPr indent="0" lvl="0" marL="0" rtl="0" algn="just">
+              <a:spcBef>
+                <a:spcPts val="0"/>
+              </a:spcBef>
+              <a:spcAft>
+                <a:spcPts val="0"/>
+              </a:spcAft>
+              <a:buNone/>
+            </a:pPr>
+            <a:r>
+              <a:rPr lang="fr">
+                <a:solidFill>
+                  <a:schemeClr val="dk2"/>
+                </a:solidFill>
+              </a:rPr>
+              <a:t>Dernières modifications si nécessaire sur les tables</a:t>
+            </a:r>
+            <a:endParaRPr>
+              <a:solidFill>
+                <a:schemeClr val="dk2"/>
+              </a:solidFill>
+            </a:endParaRPr>
+          </a:p>
+        </p:txBody>
+      </p:sp>
+      <p:cxnSp>
+        <p:nvCxnSpPr>
+          <p:cNvPr id="380" name="Google Shape;380;p32"/>
+          <p:cNvCxnSpPr>
+            <a:stCxn id="376" idx="3"/>
+            <a:endCxn id="379" idx="1"/>
+          </p:cNvCxnSpPr>
+          <p:nvPr/>
+        </p:nvCxnSpPr>
+        <p:spPr>
+          <a:xfrm rot="10800000">
+            <a:off x="6733479" y="3335225"/>
+            <a:ext cx="515400" cy="1263900"/>
+          </a:xfrm>
+          <a:prstGeom prst="curvedConnector5">
+            <a:avLst>
+              <a:gd fmla="val -46202" name="adj1"/>
+              <a:gd fmla="val 45730" name="adj2"/>
+              <a:gd fmla="val 146196" name="adj3"/>
+            </a:avLst>
+          </a:prstGeom>
+          <a:noFill/>
+          <a:ln cap="flat" cmpd="sng" w="28575">
+            <a:solidFill>
+              <a:srgbClr val="FF5183"/>
+            </a:solidFill>
+            <a:prstDash val="solid"/>
+            <a:round/>
+            <a:headEnd len="med" w="med" type="none"/>
+            <a:tailEnd len="med" w="med" type="triangle"/>
+          </a:ln>
+        </p:spPr>
+      </p:cxnSp>
+      <p:sp>
+        <p:nvSpPr>
+          <p:cNvPr id="381" name="Google Shape;381;p32"/>
+          <p:cNvSpPr/>
+          <p:nvPr/>
+        </p:nvSpPr>
+        <p:spPr>
+          <a:xfrm>
+            <a:off x="3573175" y="3618200"/>
+            <a:ext cx="416400" cy="316200"/>
+          </a:xfrm>
+          <a:prstGeom prst="rect">
+            <a:avLst/>
+          </a:prstGeom>
+          <a:solidFill>
+            <a:schemeClr val="lt1"/>
+          </a:solidFill>
+          <a:ln cap="flat" cmpd="sng" w="9525">
+            <a:solidFill>
+              <a:schemeClr val="lt1"/>
+            </a:solidFill>
+            <a:prstDash val="solid"/>
+            <a:round/>
+            <a:headEnd len="sm" w="sm" type="none"/>
+            <a:tailEnd len="sm" w="sm" type="none"/>
+          </a:ln>
+        </p:spPr>
+        <p:txBody>
+          <a:bodyPr anchorCtr="0" anchor="ctr" bIns="91425" lIns="91425" spcFirstLastPara="1" rIns="91425" wrap="square" tIns="91425">
+            <a:noAutofit/>
+          </a:bodyPr>
+          <a:lstStyle/>
+          <a:p>
+            <a:pPr indent="0" lvl="0" marL="0" rtl="0" algn="ctr">
+              <a:spcBef>
+                <a:spcPts val="0"/>
+              </a:spcBef>
+              <a:spcAft>
+                <a:spcPts val="0"/>
+              </a:spcAft>
+              <a:buNone/>
+            </a:pPr>
+            <a:r>
+              <a:t/>
+            </a:r>
+            <a:endParaRPr/>
+          </a:p>
+        </p:txBody>
+      </p:sp>
       <p:grpSp>
         <p:nvGrpSpPr>
-          <p:cNvPr id="371" name="Google Shape;371;p33"/>
+          <p:cNvPr id="382" name="Google Shape;382;p32"/>
           <p:cNvGrpSpPr/>
           <p:nvPr/>
         </p:nvGrpSpPr>
         <p:grpSpPr>
           <a:xfrm>
-            <a:off x="572804" y="1548000"/>
-            <a:ext cx="8237305" cy="3358925"/>
-            <a:chOff x="515220" y="1548000"/>
-            <a:chExt cx="8237305" cy="3358925"/>
+            <a:off x="3876896" y="1145575"/>
+            <a:ext cx="2272804" cy="3004297"/>
+            <a:chOff x="3876896" y="1145575"/>
+            <a:chExt cx="2272804" cy="3004297"/>
           </a:xfrm>
         </p:grpSpPr>
-        <p:grpSp>
-          <p:nvGrpSpPr>
-            <p:cNvPr id="372" name="Google Shape;372;p33"/>
-            <p:cNvGrpSpPr/>
+        <p:pic>
+          <p:nvPicPr>
+            <p:cNvPr id="378" name="Google Shape;378;p32"/>
+            <p:cNvPicPr preferRelativeResize="0"/>
             <p:nvPr/>
-          </p:nvGrpSpPr>
-          <p:grpSpPr>
-            <a:xfrm>
-              <a:off x="515220" y="1548000"/>
-              <a:ext cx="6676075" cy="3358925"/>
-              <a:chOff x="704850" y="1548000"/>
-              <a:chExt cx="6676075" cy="3358925"/>
-            </a:xfrm>
-          </p:grpSpPr>
-          <p:pic>
-            <p:nvPicPr>
-              <p:cNvPr id="373" name="Google Shape;373;p33"/>
-              <p:cNvPicPr preferRelativeResize="0"/>
-              <p:nvPr/>
-            </p:nvPicPr>
-            <p:blipFill>
-              <a:blip r:embed="rId3">
-                <a:alphaModFix/>
-              </a:blip>
-              <a:stretch>
-                <a:fillRect/>
-              </a:stretch>
-            </p:blipFill>
-            <p:spPr>
-              <a:xfrm>
-                <a:off x="4143375" y="1548000"/>
-                <a:ext cx="2117700" cy="2615975"/>
-              </a:xfrm>
-              <a:prstGeom prst="rect">
-                <a:avLst/>
-              </a:prstGeom>
-              <a:noFill/>
-              <a:ln>
-                <a:noFill/>
-              </a:ln>
-            </p:spPr>
-          </p:pic>
-          <p:sp>
-            <p:nvSpPr>
-              <p:cNvPr id="374" name="Google Shape;374;p33"/>
-              <p:cNvSpPr txBox="1"/>
-              <p:nvPr/>
-            </p:nvSpPr>
-            <p:spPr>
-              <a:xfrm>
-                <a:off x="704850" y="1548000"/>
-                <a:ext cx="2466000" cy="831300"/>
-              </a:xfrm>
-              <a:prstGeom prst="rect">
-                <a:avLst/>
-              </a:prstGeom>
-              <a:noFill/>
-              <a:ln>
-                <a:noFill/>
-              </a:ln>
-            </p:spPr>
-            <p:txBody>
-              <a:bodyPr anchorCtr="0" anchor="t" bIns="91425" lIns="91425" spcFirstLastPara="1" rIns="91425" wrap="square" tIns="91425">
-                <a:spAutoFit/>
-              </a:bodyPr>
-              <a:lstStyle/>
-              <a:p>
-                <a:pPr indent="0" lvl="0" marL="0" rtl="0" algn="just">
-                  <a:spcBef>
-                    <a:spcPts val="0"/>
-                  </a:spcBef>
-                  <a:spcAft>
-                    <a:spcPts val="0"/>
-                  </a:spcAft>
-                  <a:buNone/>
-                </a:pPr>
-                <a:r>
-                  <a:rPr lang="fr">
-                    <a:solidFill>
-                      <a:schemeClr val="dk2"/>
-                    </a:solidFill>
-                  </a:rPr>
-                  <a:t>Connexion entre Power Bi et Snowflake afin de récupérer nos données</a:t>
-                </a:r>
-                <a:endParaRPr>
-                  <a:solidFill>
-                    <a:schemeClr val="dk2"/>
-                  </a:solidFill>
-                </a:endParaRPr>
-              </a:p>
-            </p:txBody>
-          </p:sp>
-          <p:cxnSp>
-            <p:nvCxnSpPr>
-              <p:cNvPr id="375" name="Google Shape;375;p33"/>
-              <p:cNvCxnSpPr>
-                <a:stCxn id="374" idx="1"/>
-                <a:endCxn id="376" idx="1"/>
-              </p:cNvCxnSpPr>
-              <p:nvPr/>
-            </p:nvCxnSpPr>
-            <p:spPr>
-              <a:xfrm>
-                <a:off x="704850" y="1963650"/>
-                <a:ext cx="97500" cy="975900"/>
-              </a:xfrm>
-              <a:prstGeom prst="curvedConnector3">
-                <a:avLst>
-                  <a:gd fmla="val -244231" name="adj1"/>
-                </a:avLst>
-              </a:prstGeom>
-              <a:noFill/>
-              <a:ln cap="flat" cmpd="sng" w="28575">
-                <a:solidFill>
-                  <a:srgbClr val="FF9E32"/>
-                </a:solidFill>
-                <a:prstDash val="solid"/>
-                <a:round/>
-                <a:headEnd len="med" w="med" type="none"/>
-                <a:tailEnd len="med" w="med" type="triangle"/>
-              </a:ln>
-            </p:spPr>
-          </p:cxnSp>
-          <p:pic>
-            <p:nvPicPr>
-              <p:cNvPr id="376" name="Google Shape;376;p33"/>
-              <p:cNvPicPr preferRelativeResize="0"/>
-              <p:nvPr/>
-            </p:nvPicPr>
-            <p:blipFill>
-              <a:blip r:embed="rId4">
-                <a:alphaModFix/>
-              </a:blip>
-              <a:stretch>
-                <a:fillRect/>
-              </a:stretch>
-            </p:blipFill>
-            <p:spPr>
-              <a:xfrm>
-                <a:off x="802350" y="2567822"/>
-                <a:ext cx="2466000" cy="743553"/>
-              </a:xfrm>
-              <a:prstGeom prst="rect">
-                <a:avLst/>
-              </a:prstGeom>
-              <a:noFill/>
-              <a:ln>
-                <a:noFill/>
-              </a:ln>
-            </p:spPr>
-          </p:pic>
-          <p:cxnSp>
-            <p:nvCxnSpPr>
-              <p:cNvPr id="377" name="Google Shape;377;p33"/>
-              <p:cNvCxnSpPr>
-                <a:stCxn id="376" idx="3"/>
-                <a:endCxn id="373" idx="1"/>
-              </p:cNvCxnSpPr>
-              <p:nvPr/>
-            </p:nvCxnSpPr>
-            <p:spPr>
-              <a:xfrm flipH="1" rot="10800000">
-                <a:off x="3268350" y="2855899"/>
-                <a:ext cx="875100" cy="83700"/>
-              </a:xfrm>
-              <a:prstGeom prst="curvedConnector3">
-                <a:avLst>
-                  <a:gd fmla="val 49996" name="adj1"/>
-                </a:avLst>
-              </a:prstGeom>
-              <a:noFill/>
-              <a:ln cap="flat" cmpd="sng" w="28575">
-                <a:solidFill>
-                  <a:srgbClr val="FF7A58"/>
-                </a:solidFill>
-                <a:prstDash val="solid"/>
-                <a:round/>
-                <a:headEnd len="med" w="med" type="none"/>
-                <a:tailEnd len="med" w="med" type="triangle"/>
-              </a:ln>
-            </p:spPr>
-          </p:cxnSp>
-          <p:sp>
-            <p:nvSpPr>
-              <p:cNvPr id="378" name="Google Shape;378;p33"/>
-              <p:cNvSpPr txBox="1"/>
-              <p:nvPr/>
-            </p:nvSpPr>
-            <p:spPr>
-              <a:xfrm>
-                <a:off x="5837725" y="4291325"/>
-                <a:ext cx="1543200" cy="615600"/>
-              </a:xfrm>
-              <a:prstGeom prst="rect">
-                <a:avLst/>
-              </a:prstGeom>
-              <a:noFill/>
-              <a:ln>
-                <a:noFill/>
-              </a:ln>
-            </p:spPr>
-            <p:txBody>
-              <a:bodyPr anchorCtr="0" anchor="t" bIns="91425" lIns="91425" spcFirstLastPara="1" rIns="91425" wrap="square" tIns="91425">
-                <a:spAutoFit/>
-              </a:bodyPr>
-              <a:lstStyle/>
-              <a:p>
-                <a:pPr indent="0" lvl="0" marL="0" rtl="0" algn="just">
-                  <a:spcBef>
-                    <a:spcPts val="0"/>
-                  </a:spcBef>
-                  <a:spcAft>
-                    <a:spcPts val="0"/>
-                  </a:spcAft>
-                  <a:buNone/>
-                </a:pPr>
-                <a:r>
-                  <a:rPr lang="fr">
-                    <a:solidFill>
-                      <a:schemeClr val="dk2"/>
-                    </a:solidFill>
-                  </a:rPr>
-                  <a:t>Choix des tables </a:t>
-                </a:r>
-                <a:endParaRPr>
-                  <a:solidFill>
-                    <a:schemeClr val="dk2"/>
-                  </a:solidFill>
-                </a:endParaRPr>
-              </a:p>
-              <a:p>
-                <a:pPr indent="0" lvl="0" marL="0" rtl="0" algn="just">
-                  <a:spcBef>
-                    <a:spcPts val="0"/>
-                  </a:spcBef>
-                  <a:spcAft>
-                    <a:spcPts val="0"/>
-                  </a:spcAft>
-                  <a:buNone/>
-                </a:pPr>
-                <a:r>
-                  <a:rPr lang="fr">
-                    <a:solidFill>
-                      <a:schemeClr val="dk2"/>
-                    </a:solidFill>
-                  </a:rPr>
-                  <a:t>et importation</a:t>
-                </a:r>
-                <a:endParaRPr/>
-              </a:p>
-            </p:txBody>
-          </p:sp>
-          <p:cxnSp>
-            <p:nvCxnSpPr>
-              <p:cNvPr id="379" name="Google Shape;379;p33"/>
-              <p:cNvCxnSpPr>
-                <a:stCxn id="373" idx="2"/>
-                <a:endCxn id="378" idx="1"/>
-              </p:cNvCxnSpPr>
-              <p:nvPr/>
-            </p:nvCxnSpPr>
-            <p:spPr>
-              <a:xfrm flipH="1" rot="-5400000">
-                <a:off x="5302425" y="4063775"/>
-                <a:ext cx="435000" cy="635400"/>
-              </a:xfrm>
-              <a:prstGeom prst="curvedConnector2">
-                <a:avLst/>
-              </a:prstGeom>
-              <a:noFill/>
-              <a:ln cap="flat" cmpd="sng" w="28575">
-                <a:solidFill>
-                  <a:srgbClr val="FF6173"/>
-                </a:solidFill>
-                <a:prstDash val="solid"/>
-                <a:round/>
-                <a:headEnd len="med" w="med" type="none"/>
-                <a:tailEnd len="med" w="med" type="triangle"/>
-              </a:ln>
-            </p:spPr>
-          </p:cxnSp>
-        </p:grpSp>
-        <p:sp>
-          <p:nvSpPr>
-            <p:cNvPr id="380" name="Google Shape;380;p33"/>
-            <p:cNvSpPr txBox="1"/>
-            <p:nvPr/>
-          </p:nvSpPr>
+          </p:nvPicPr>
+          <p:blipFill>
+            <a:blip r:embed="rId4">
+              <a:alphaModFix/>
+            </a:blip>
+            <a:stretch>
+              <a:fillRect/>
+            </a:stretch>
+          </p:blipFill>
           <p:spPr>
             <a:xfrm>
-              <a:off x="6675925" y="2919663"/>
-              <a:ext cx="2076600" cy="831300"/>
+              <a:off x="3876896" y="1194846"/>
+              <a:ext cx="2093425" cy="2955025"/>
             </a:xfrm>
             <a:prstGeom prst="rect">
               <a:avLst/>
@@ -25212,13 +22542,41 @@
               <a:noFill/>
             </a:ln>
           </p:spPr>
+        </p:pic>
+        <p:sp>
+          <p:nvSpPr>
+            <p:cNvPr id="383" name="Google Shape;383;p32"/>
+            <p:cNvSpPr/>
+            <p:nvPr/>
+          </p:nvSpPr>
+          <p:spPr>
+            <a:xfrm>
+              <a:off x="3876900" y="1145575"/>
+              <a:ext cx="2272800" cy="758100"/>
+            </a:xfrm>
+            <a:prstGeom prst="rect">
+              <a:avLst/>
+            </a:prstGeom>
+            <a:solidFill>
+              <a:schemeClr val="lt1"/>
+            </a:solidFill>
+            <a:ln cap="flat" cmpd="sng" w="9525">
+              <a:solidFill>
+                <a:schemeClr val="lt1"/>
+              </a:solidFill>
+              <a:prstDash val="solid"/>
+              <a:round/>
+              <a:headEnd len="sm" w="sm" type="none"/>
+              <a:tailEnd len="sm" w="sm" type="none"/>
+            </a:ln>
+          </p:spPr>
           <p:txBody>
-            <a:bodyPr anchorCtr="0" anchor="t" bIns="91425" lIns="91425" spcFirstLastPara="1" rIns="91425" wrap="square" tIns="91425">
-              <a:spAutoFit/>
+            <a:bodyPr anchorCtr="0" anchor="ctr" bIns="91425" lIns="91425" spcFirstLastPara="1" rIns="91425" wrap="square" tIns="91425">
+              <a:noAutofit/>
             </a:bodyPr>
             <a:lstStyle/>
             <a:p>
-              <a:pPr indent="0" lvl="0" marL="0" rtl="0" algn="just">
+              <a:pPr indent="0" lvl="0" marL="0" rtl="0" algn="ctr">
                 <a:spcBef>
                   <a:spcPts val="0"/>
                 </a:spcBef>
@@ -25228,55 +22586,75 @@
                 <a:buNone/>
               </a:pPr>
               <a:r>
-                <a:rPr lang="fr">
-                  <a:solidFill>
-                    <a:schemeClr val="dk2"/>
-                  </a:solidFill>
-                </a:rPr>
-                <a:t>Dernières modifications si nécessaire sur les tables</a:t>
+                <a:t/>
               </a:r>
-              <a:endParaRPr>
-                <a:solidFill>
-                  <a:schemeClr val="dk2"/>
-                </a:solidFill>
-              </a:endParaRPr>
+              <a:endParaRPr/>
             </a:p>
           </p:txBody>
         </p:sp>
-        <p:cxnSp>
-          <p:nvCxnSpPr>
-            <p:cNvPr id="381" name="Google Shape;381;p33"/>
-            <p:cNvCxnSpPr>
-              <a:stCxn id="378" idx="3"/>
-              <a:endCxn id="380" idx="1"/>
-            </p:cNvCxnSpPr>
-            <p:nvPr/>
-          </p:nvCxnSpPr>
-          <p:spPr>
-            <a:xfrm rot="10800000">
-              <a:off x="6675895" y="3335225"/>
-              <a:ext cx="515400" cy="1263900"/>
-            </a:xfrm>
-            <a:prstGeom prst="curvedConnector5">
-              <a:avLst>
-                <a:gd fmla="val -46202" name="adj1"/>
-                <a:gd fmla="val 45730" name="adj2"/>
-                <a:gd fmla="val 146196" name="adj3"/>
-              </a:avLst>
-            </a:prstGeom>
+      </p:grpSp>
+      <p:sp>
+        <p:nvSpPr>
+          <p:cNvPr id="384" name="Google Shape;384;p32"/>
+          <p:cNvSpPr/>
+          <p:nvPr/>
+        </p:nvSpPr>
+        <p:spPr>
+          <a:xfrm>
+            <a:off x="4169250" y="1984425"/>
+            <a:ext cx="857400" cy="81000"/>
+          </a:xfrm>
+          <a:prstGeom prst="roundRect">
+            <a:avLst>
+              <a:gd fmla="val 16667" name="adj"/>
+            </a:avLst>
+          </a:prstGeom>
+          <a:gradFill>
+            <a:gsLst>
+              <a:gs pos="0">
+                <a:srgbClr val="FF9E32"/>
+              </a:gs>
+              <a:gs pos="27000">
+                <a:srgbClr val="FF7A58"/>
+              </a:gs>
+              <a:gs pos="51000">
+                <a:srgbClr val="FF6173"/>
+              </a:gs>
+              <a:gs pos="73000">
+                <a:srgbClr val="FF5183"/>
+              </a:gs>
+              <a:gs pos="100000">
+                <a:srgbClr val="FF4C89"/>
+              </a:gs>
+            </a:gsLst>
+            <a:lin ang="2698631" scaled="0"/>
+          </a:gradFill>
+          <a:ln>
             <a:noFill/>
-            <a:ln cap="flat" cmpd="sng" w="28575">
-              <a:solidFill>
-                <a:srgbClr val="FF5183"/>
-              </a:solidFill>
-              <a:prstDash val="solid"/>
-              <a:round/>
-              <a:headEnd len="med" w="med" type="none"/>
-              <a:tailEnd len="med" w="med" type="triangle"/>
-            </a:ln>
-          </p:spPr>
-        </p:cxnSp>
-      </p:grpSp>
+          </a:ln>
+        </p:spPr>
+        <p:txBody>
+          <a:bodyPr anchorCtr="0" anchor="ctr" bIns="91425" lIns="91425" spcFirstLastPara="1" rIns="91425" wrap="square" tIns="91425">
+            <a:noAutofit/>
+          </a:bodyPr>
+          <a:lstStyle/>
+          <a:p>
+            <a:pPr indent="0" lvl="0" marL="0" rtl="0" algn="ctr">
+              <a:spcBef>
+                <a:spcPts val="0"/>
+              </a:spcBef>
+              <a:spcAft>
+                <a:spcPts val="0"/>
+              </a:spcAft>
+              <a:buNone/>
+            </a:pPr>
+            <a:r>
+              <a:t/>
+            </a:r>
+            <a:endParaRPr/>
+          </a:p>
+        </p:txBody>
+      </p:sp>
     </p:spTree>
   </p:cSld>
   <p:clrMapOvr>
@@ -25285,12 +22663,12 @@
 </p:sld>
 </file>
 
-<file path=ppt/slides/slide22.xml><?xml version="1.0" encoding="utf-8"?>
+<file path=ppt/slides/slide21.xml><?xml version="1.0" encoding="utf-8"?>
 <p:sld xmlns:a="http://schemas.openxmlformats.org/drawingml/2006/main" xmlns:r="http://schemas.openxmlformats.org/officeDocument/2006/relationships" xmlns:mc="http://schemas.openxmlformats.org/markup-compatibility/2006" xmlns:mv="urn:schemas-microsoft-com:mac:vml" xmlns:p="http://schemas.openxmlformats.org/presentationml/2006/main" xmlns:c="http://schemas.openxmlformats.org/drawingml/2006/chart" xmlns:dgm="http://schemas.openxmlformats.org/drawingml/2006/diagram" xmlns:o="urn:schemas-microsoft-com:office:office" xmlns:v="urn:schemas-microsoft-com:vml" xmlns:pvml="urn:schemas-microsoft-com:office:powerpoint" xmlns:com="http://schemas.openxmlformats.org/drawingml/2006/compatibility" xmlns:p14="http://schemas.microsoft.com/office/powerpoint/2010/main" xmlns:p15="http://schemas.microsoft.com/office/powerpoint/2012/main" xmlns:ahyp="http://schemas.microsoft.com/office/drawing/2018/hyperlinkcolor">
   <p:cSld>
     <p:spTree>
       <p:nvGrpSpPr>
-        <p:cNvPr id="385" name="Shape 385"/>
+        <p:cNvPr id="388" name="Shape 388"/>
         <p:cNvGrpSpPr/>
         <p:nvPr/>
       </p:nvGrpSpPr>
@@ -25304,7 +22682,7 @@
       </p:grpSpPr>
       <p:sp>
         <p:nvSpPr>
-          <p:cNvPr id="386" name="Google Shape;386;p34"/>
+          <p:cNvPr id="389" name="Google Shape;389;p33"/>
           <p:cNvSpPr/>
           <p:nvPr/>
         </p:nvSpPr>
@@ -25366,7 +22744,7 @@
       </p:sp>
       <p:sp>
         <p:nvSpPr>
-          <p:cNvPr id="387" name="Google Shape;387;p34"/>
+          <p:cNvPr id="390" name="Google Shape;390;p33"/>
           <p:cNvSpPr/>
           <p:nvPr/>
         </p:nvSpPr>
@@ -25428,7 +22806,7 @@
       </p:sp>
       <p:sp>
         <p:nvSpPr>
-          <p:cNvPr id="388" name="Google Shape;388;p34"/>
+          <p:cNvPr id="391" name="Google Shape;391;p33"/>
           <p:cNvSpPr/>
           <p:nvPr/>
         </p:nvSpPr>
@@ -25490,7 +22868,7 @@
       </p:sp>
       <p:grpSp>
         <p:nvGrpSpPr>
-          <p:cNvPr id="389" name="Google Shape;389;p34"/>
+          <p:cNvPr id="392" name="Google Shape;392;p33"/>
           <p:cNvGrpSpPr/>
           <p:nvPr/>
         </p:nvGrpSpPr>
@@ -25504,7 +22882,7 @@
         </p:grpSpPr>
         <p:grpSp>
           <p:nvGrpSpPr>
-            <p:cNvPr id="390" name="Google Shape;390;p34"/>
+            <p:cNvPr id="393" name="Google Shape;393;p33"/>
             <p:cNvGrpSpPr/>
             <p:nvPr/>
           </p:nvGrpSpPr>
@@ -25518,7 +22896,7 @@
           </p:grpSpPr>
           <p:pic>
             <p:nvPicPr>
-              <p:cNvPr id="391" name="Google Shape;391;p34"/>
+              <p:cNvPr id="394" name="Google Shape;394;p33"/>
               <p:cNvPicPr preferRelativeResize="0"/>
               <p:nvPr/>
             </p:nvPicPr>
@@ -25546,7 +22924,7 @@
           </p:pic>
           <p:sp>
             <p:nvSpPr>
-              <p:cNvPr id="392" name="Google Shape;392;p34"/>
+              <p:cNvPr id="395" name="Google Shape;395;p33"/>
               <p:cNvSpPr/>
               <p:nvPr/>
             </p:nvSpPr>
@@ -25590,7 +22968,7 @@
         </p:grpSp>
         <p:sp>
           <p:nvSpPr>
-            <p:cNvPr id="393" name="Google Shape;393;p34"/>
+            <p:cNvPr id="396" name="Google Shape;396;p33"/>
             <p:cNvSpPr txBox="1"/>
             <p:nvPr/>
           </p:nvSpPr>
@@ -26497,9 +23875,9 @@
         <p:grpSpPr>
           <a:xfrm>
             <a:off x="6278325" y="2764425"/>
-            <a:ext cx="1938450" cy="1547000"/>
+            <a:ext cx="1938450" cy="824750"/>
             <a:chOff x="6075336" y="2764425"/>
-            <a:chExt cx="1938450" cy="1547000"/>
+            <a:chExt cx="1938450" cy="824750"/>
           </a:xfrm>
         </p:grpSpPr>
         <p:sp>
@@ -26611,69 +23989,10 @@
             </a:ln>
           </p:spPr>
         </p:cxnSp>
-        <p:pic>
-          <p:nvPicPr>
-            <p:cNvPr id="99" name="Google Shape;99;p16"/>
-            <p:cNvPicPr preferRelativeResize="0"/>
-            <p:nvPr/>
-          </p:nvPicPr>
-          <p:blipFill>
-            <a:blip r:embed="rId4">
-              <a:alphaModFix/>
-            </a:blip>
-            <a:stretch>
-              <a:fillRect/>
-            </a:stretch>
-          </p:blipFill>
-          <p:spPr>
-            <a:xfrm>
-              <a:off x="6262239" y="3704225"/>
-              <a:ext cx="1751547" cy="607200"/>
-            </a:xfrm>
-            <a:prstGeom prst="rect">
-              <a:avLst/>
-            </a:prstGeom>
-            <a:noFill/>
-            <a:ln>
-              <a:noFill/>
-            </a:ln>
-          </p:spPr>
-        </p:pic>
-        <p:cxnSp>
-          <p:nvCxnSpPr>
-            <p:cNvPr id="100" name="Google Shape;100;p16"/>
-            <p:cNvCxnSpPr>
-              <a:stCxn id="96" idx="3"/>
-              <a:endCxn id="99" idx="3"/>
-            </p:cNvCxnSpPr>
-            <p:nvPr/>
-          </p:nvCxnSpPr>
-          <p:spPr>
-            <a:xfrm>
-              <a:off x="7988175" y="2964525"/>
-              <a:ext cx="25500" cy="1043400"/>
-            </a:xfrm>
-            <a:prstGeom prst="bentConnector3">
-              <a:avLst>
-                <a:gd fmla="val 1034258" name="adj1"/>
-              </a:avLst>
-            </a:prstGeom>
-            <a:noFill/>
-            <a:ln cap="flat" cmpd="sng" w="28575">
-              <a:solidFill>
-                <a:srgbClr val="FF7A58"/>
-              </a:solidFill>
-              <a:prstDash val="solid"/>
-              <a:round/>
-              <a:headEnd len="med" w="med" type="none"/>
-              <a:tailEnd len="med" w="med" type="none"/>
-            </a:ln>
-          </p:spPr>
-        </p:cxnSp>
       </p:grpSp>
       <p:grpSp>
         <p:nvGrpSpPr>
-          <p:cNvPr id="101" name="Google Shape;101;p16"/>
+          <p:cNvPr id="99" name="Google Shape;99;p16"/>
           <p:cNvGrpSpPr/>
           <p:nvPr/>
         </p:nvGrpSpPr>
@@ -26687,7 +24006,7 @@
         </p:grpSpPr>
         <p:sp>
           <p:nvSpPr>
-            <p:cNvPr id="102" name="Google Shape;102;p16"/>
+            <p:cNvPr id="100" name="Google Shape;100;p16"/>
             <p:cNvSpPr txBox="1"/>
             <p:nvPr/>
           </p:nvSpPr>
@@ -26745,10 +24064,10 @@
         </p:sp>
         <p:cxnSp>
           <p:nvCxnSpPr>
-            <p:cNvPr id="103" name="Google Shape;103;p16"/>
+            <p:cNvPr id="101" name="Google Shape;101;p16"/>
             <p:cNvCxnSpPr>
-              <a:stCxn id="102" idx="1"/>
-              <a:endCxn id="104" idx="1"/>
+              <a:stCxn id="100" idx="1"/>
+              <a:endCxn id="102" idx="1"/>
             </p:cNvCxnSpPr>
             <p:nvPr/>
           </p:nvCxnSpPr>
@@ -26776,12 +24095,12 @@
         </p:cxnSp>
         <p:pic>
           <p:nvPicPr>
-            <p:cNvPr id="104" name="Google Shape;104;p16"/>
+            <p:cNvPr id="102" name="Google Shape;102;p16"/>
             <p:cNvPicPr preferRelativeResize="0"/>
             <p:nvPr/>
           </p:nvPicPr>
           <p:blipFill>
-            <a:blip r:embed="rId5">
+            <a:blip r:embed="rId4">
               <a:alphaModFix/>
             </a:blip>
             <a:stretch>
@@ -26822,7 +24141,7 @@
   <p:cSld>
     <p:spTree>
       <p:nvGrpSpPr>
-        <p:cNvPr id="108" name="Shape 108"/>
+        <p:cNvPr id="106" name="Shape 106"/>
         <p:cNvGrpSpPr/>
         <p:nvPr/>
       </p:nvGrpSpPr>
@@ -26836,7 +24155,7 @@
       </p:grpSpPr>
       <p:sp>
         <p:nvSpPr>
-          <p:cNvPr id="109" name="Google Shape;109;p17"/>
+          <p:cNvPr id="107" name="Google Shape;107;p17"/>
           <p:cNvSpPr txBox="1"/>
           <p:nvPr/>
         </p:nvSpPr>
@@ -26918,7 +24237,7 @@
       </p:sp>
       <p:sp>
         <p:nvSpPr>
-          <p:cNvPr id="110" name="Google Shape;110;p17"/>
+          <p:cNvPr id="108" name="Google Shape;108;p17"/>
           <p:cNvSpPr txBox="1"/>
           <p:nvPr/>
         </p:nvSpPr>
@@ -27069,7 +24388,7 @@
       </p:sp>
       <p:sp>
         <p:nvSpPr>
-          <p:cNvPr id="111" name="Google Shape;111;p17"/>
+          <p:cNvPr id="109" name="Google Shape;109;p17"/>
           <p:cNvSpPr txBox="1"/>
           <p:nvPr/>
         </p:nvSpPr>
@@ -27119,7 +24438,7 @@
       </p:sp>
       <p:pic>
         <p:nvPicPr>
-          <p:cNvPr id="112" name="Google Shape;112;p17"/>
+          <p:cNvPr id="110" name="Google Shape;110;p17"/>
           <p:cNvPicPr preferRelativeResize="0"/>
           <p:nvPr/>
         </p:nvPicPr>
@@ -27147,7 +24466,7 @@
       </p:pic>
       <p:sp>
         <p:nvSpPr>
-          <p:cNvPr id="113" name="Google Shape;113;p17"/>
+          <p:cNvPr id="111" name="Google Shape;111;p17"/>
           <p:cNvSpPr txBox="1"/>
           <p:nvPr/>
         </p:nvSpPr>
@@ -27197,7 +24516,7 @@
       </p:sp>
       <p:pic>
         <p:nvPicPr>
-          <p:cNvPr id="114" name="Google Shape;114;p17"/>
+          <p:cNvPr id="112" name="Google Shape;112;p17"/>
           <p:cNvPicPr preferRelativeResize="0"/>
           <p:nvPr/>
         </p:nvPicPr>
@@ -27225,7 +24544,7 @@
       </p:pic>
       <p:sp>
         <p:nvSpPr>
-          <p:cNvPr id="115" name="Google Shape;115;p17"/>
+          <p:cNvPr id="113" name="Google Shape;113;p17"/>
           <p:cNvSpPr txBox="1"/>
           <p:nvPr/>
         </p:nvSpPr>
@@ -27275,7 +24594,7 @@
       </p:sp>
       <p:pic>
         <p:nvPicPr>
-          <p:cNvPr id="116" name="Google Shape;116;p17"/>
+          <p:cNvPr id="114" name="Google Shape;114;p17"/>
           <p:cNvPicPr preferRelativeResize="0"/>
           <p:nvPr/>
         </p:nvPicPr>
@@ -27303,7 +24622,7 @@
       </p:pic>
       <p:pic>
         <p:nvPicPr>
-          <p:cNvPr id="117" name="Google Shape;117;p17"/>
+          <p:cNvPr id="115" name="Google Shape;115;p17"/>
           <p:cNvPicPr preferRelativeResize="0"/>
           <p:nvPr/>
         </p:nvPicPr>
@@ -27331,7 +24650,7 @@
       </p:pic>
       <p:sp>
         <p:nvSpPr>
-          <p:cNvPr id="118" name="Google Shape;118;p17"/>
+          <p:cNvPr id="116" name="Google Shape;116;p17"/>
           <p:cNvSpPr txBox="1"/>
           <p:nvPr/>
         </p:nvSpPr>
@@ -27381,7 +24700,7 @@
       </p:sp>
       <p:pic>
         <p:nvPicPr>
-          <p:cNvPr id="119" name="Google Shape;119;p17"/>
+          <p:cNvPr id="117" name="Google Shape;117;p17"/>
           <p:cNvPicPr preferRelativeResize="0"/>
           <p:nvPr/>
         </p:nvPicPr>
@@ -27409,7 +24728,7 @@
       </p:pic>
       <p:sp>
         <p:nvSpPr>
-          <p:cNvPr id="120" name="Google Shape;120;p17"/>
+          <p:cNvPr id="118" name="Google Shape;118;p17"/>
           <p:cNvSpPr txBox="1"/>
           <p:nvPr/>
         </p:nvSpPr>
@@ -27459,7 +24778,7 @@
       </p:sp>
       <p:sp>
         <p:nvSpPr>
-          <p:cNvPr id="121" name="Google Shape;121;p17"/>
+          <p:cNvPr id="119" name="Google Shape;119;p17"/>
           <p:cNvSpPr txBox="1"/>
           <p:nvPr/>
         </p:nvSpPr>
@@ -27509,7 +24828,7 @@
       </p:sp>
       <p:pic>
         <p:nvPicPr>
-          <p:cNvPr id="122" name="Google Shape;122;p17"/>
+          <p:cNvPr id="120" name="Google Shape;120;p17"/>
           <p:cNvPicPr preferRelativeResize="0"/>
           <p:nvPr/>
         </p:nvPicPr>
@@ -27537,7 +24856,7 @@
       </p:pic>
       <p:pic>
         <p:nvPicPr>
-          <p:cNvPr id="123" name="Google Shape;123;p17"/>
+          <p:cNvPr id="121" name="Google Shape;121;p17"/>
           <p:cNvPicPr preferRelativeResize="0"/>
           <p:nvPr/>
         </p:nvPicPr>
@@ -27565,7 +24884,7 @@
       </p:pic>
       <p:sp>
         <p:nvSpPr>
-          <p:cNvPr id="124" name="Google Shape;124;p17"/>
+          <p:cNvPr id="122" name="Google Shape;122;p17"/>
           <p:cNvSpPr txBox="1"/>
           <p:nvPr/>
         </p:nvSpPr>
@@ -27623,7 +24942,7 @@
       </p:sp>
       <p:pic>
         <p:nvPicPr>
-          <p:cNvPr id="125" name="Google Shape;125;p17"/>
+          <p:cNvPr id="123" name="Google Shape;123;p17"/>
           <p:cNvPicPr preferRelativeResize="0"/>
           <p:nvPr/>
         </p:nvPicPr>
@@ -27651,7 +24970,7 @@
       </p:pic>
       <p:sp>
         <p:nvSpPr>
-          <p:cNvPr id="126" name="Google Shape;126;p17"/>
+          <p:cNvPr id="124" name="Google Shape;124;p17"/>
           <p:cNvSpPr txBox="1"/>
           <p:nvPr/>
         </p:nvSpPr>
@@ -27709,7 +25028,7 @@
       </p:sp>
       <p:pic>
         <p:nvPicPr>
-          <p:cNvPr id="127" name="Google Shape;127;p17"/>
+          <p:cNvPr id="125" name="Google Shape;125;p17"/>
           <p:cNvPicPr preferRelativeResize="0"/>
           <p:nvPr/>
         </p:nvPicPr>
@@ -27737,7 +25056,7 @@
       </p:pic>
       <p:sp>
         <p:nvSpPr>
-          <p:cNvPr id="128" name="Google Shape;128;p17"/>
+          <p:cNvPr id="126" name="Google Shape;126;p17"/>
           <p:cNvSpPr txBox="1"/>
           <p:nvPr/>
         </p:nvSpPr>
@@ -27787,7 +25106,7 @@
       </p:sp>
       <p:sp>
         <p:nvSpPr>
-          <p:cNvPr id="129" name="Google Shape;129;p17"/>
+          <p:cNvPr id="127" name="Google Shape;127;p17"/>
           <p:cNvSpPr txBox="1"/>
           <p:nvPr/>
         </p:nvSpPr>
@@ -27837,7 +25156,7 @@
       </p:sp>
       <p:pic>
         <p:nvPicPr>
-          <p:cNvPr id="130" name="Google Shape;130;p17"/>
+          <p:cNvPr id="128" name="Google Shape;128;p17"/>
           <p:cNvPicPr preferRelativeResize="0"/>
           <p:nvPr/>
         </p:nvPicPr>
@@ -27865,7 +25184,7 @@
       </p:pic>
       <p:sp>
         <p:nvSpPr>
-          <p:cNvPr id="131" name="Google Shape;131;p17"/>
+          <p:cNvPr id="129" name="Google Shape;129;p17"/>
           <p:cNvSpPr txBox="1"/>
           <p:nvPr/>
         </p:nvSpPr>
@@ -27915,7 +25234,7 @@
       </p:sp>
       <p:pic>
         <p:nvPicPr>
-          <p:cNvPr id="132" name="Google Shape;132;p17"/>
+          <p:cNvPr id="130" name="Google Shape;130;p17"/>
           <p:cNvPicPr preferRelativeResize="0"/>
           <p:nvPr/>
         </p:nvPicPr>
@@ -27943,9 +25262,9 @@
       </p:pic>
       <p:cxnSp>
         <p:nvCxnSpPr>
-          <p:cNvPr id="133" name="Google Shape;133;p17"/>
+          <p:cNvPr id="131" name="Google Shape;131;p17"/>
           <p:cNvCxnSpPr>
-            <a:endCxn id="116" idx="1"/>
+            <a:endCxn id="114" idx="1"/>
           </p:cNvCxnSpPr>
           <p:nvPr/>
         </p:nvCxnSpPr>
@@ -27971,10 +25290,10 @@
       </p:cxnSp>
       <p:cxnSp>
         <p:nvCxnSpPr>
-          <p:cNvPr id="134" name="Google Shape;134;p17"/>
+          <p:cNvPr id="132" name="Google Shape;132;p17"/>
           <p:cNvCxnSpPr>
-            <a:stCxn id="112" idx="2"/>
-            <a:endCxn id="119" idx="1"/>
+            <a:stCxn id="110" idx="2"/>
+            <a:endCxn id="117" idx="1"/>
           </p:cNvCxnSpPr>
           <p:nvPr/>
         </p:nvCxnSpPr>
@@ -28000,9 +25319,9 @@
       </p:cxnSp>
       <p:cxnSp>
         <p:nvCxnSpPr>
-          <p:cNvPr id="135" name="Google Shape;135;p17"/>
+          <p:cNvPr id="133" name="Google Shape;133;p17"/>
           <p:cNvCxnSpPr>
-            <a:endCxn id="117" idx="1"/>
+            <a:endCxn id="115" idx="1"/>
           </p:cNvCxnSpPr>
           <p:nvPr/>
         </p:nvCxnSpPr>
@@ -28028,10 +25347,10 @@
       </p:cxnSp>
       <p:cxnSp>
         <p:nvCxnSpPr>
-          <p:cNvPr id="136" name="Google Shape;136;p17"/>
+          <p:cNvPr id="134" name="Google Shape;134;p17"/>
           <p:cNvCxnSpPr>
-            <a:stCxn id="114" idx="2"/>
-            <a:endCxn id="122" idx="1"/>
+            <a:stCxn id="112" idx="2"/>
+            <a:endCxn id="120" idx="1"/>
           </p:cNvCxnSpPr>
           <p:nvPr/>
         </p:nvCxnSpPr>
@@ -28057,10 +25376,10 @@
       </p:cxnSp>
       <p:cxnSp>
         <p:nvCxnSpPr>
-          <p:cNvPr id="137" name="Google Shape;137;p17"/>
+          <p:cNvPr id="135" name="Google Shape;135;p17"/>
           <p:cNvCxnSpPr>
-            <a:stCxn id="114" idx="2"/>
-            <a:endCxn id="130" idx="1"/>
+            <a:stCxn id="112" idx="2"/>
+            <a:endCxn id="128" idx="1"/>
           </p:cNvCxnSpPr>
           <p:nvPr/>
         </p:nvCxnSpPr>
@@ -28086,9 +25405,9 @@
       </p:cxnSp>
       <p:cxnSp>
         <p:nvCxnSpPr>
-          <p:cNvPr id="138" name="Google Shape;138;p17"/>
+          <p:cNvPr id="136" name="Google Shape;136;p17"/>
           <p:cNvCxnSpPr>
-            <a:endCxn id="132" idx="1"/>
+            <a:endCxn id="130" idx="1"/>
           </p:cNvCxnSpPr>
           <p:nvPr/>
         </p:nvCxnSpPr>
@@ -28114,10 +25433,10 @@
       </p:cxnSp>
       <p:cxnSp>
         <p:nvCxnSpPr>
-          <p:cNvPr id="139" name="Google Shape;139;p17"/>
+          <p:cNvPr id="137" name="Google Shape;137;p17"/>
           <p:cNvCxnSpPr>
-            <a:stCxn id="122" idx="2"/>
-            <a:endCxn id="123" idx="1"/>
+            <a:stCxn id="120" idx="2"/>
+            <a:endCxn id="121" idx="1"/>
           </p:cNvCxnSpPr>
           <p:nvPr/>
         </p:nvCxnSpPr>
@@ -28143,10 +25462,10 @@
       </p:cxnSp>
       <p:cxnSp>
         <p:nvCxnSpPr>
-          <p:cNvPr id="140" name="Google Shape;140;p17"/>
+          <p:cNvPr id="138" name="Google Shape;138;p17"/>
           <p:cNvCxnSpPr>
-            <a:stCxn id="122" idx="2"/>
-            <a:endCxn id="125" idx="1"/>
+            <a:stCxn id="120" idx="2"/>
+            <a:endCxn id="123" idx="1"/>
           </p:cNvCxnSpPr>
           <p:nvPr/>
         </p:nvCxnSpPr>
@@ -28172,10 +25491,10 @@
       </p:cxnSp>
       <p:cxnSp>
         <p:nvCxnSpPr>
-          <p:cNvPr id="141" name="Google Shape;141;p17"/>
+          <p:cNvPr id="139" name="Google Shape;139;p17"/>
           <p:cNvCxnSpPr>
-            <a:stCxn id="122" idx="2"/>
-            <a:endCxn id="127" idx="1"/>
+            <a:stCxn id="120" idx="2"/>
+            <a:endCxn id="125" idx="1"/>
           </p:cNvCxnSpPr>
           <p:nvPr/>
         </p:nvCxnSpPr>
@@ -28201,10 +25520,10 @@
       </p:cxnSp>
       <p:cxnSp>
         <p:nvCxnSpPr>
-          <p:cNvPr id="142" name="Google Shape;142;p17"/>
+          <p:cNvPr id="140" name="Google Shape;140;p17"/>
           <p:cNvCxnSpPr>
-            <a:stCxn id="112" idx="1"/>
-            <a:endCxn id="114" idx="1"/>
+            <a:stCxn id="110" idx="1"/>
+            <a:endCxn id="112" idx="1"/>
           </p:cNvCxnSpPr>
           <p:nvPr/>
         </p:nvCxnSpPr>
@@ -28243,7 +25562,7 @@
   <p:cSld>
     <p:spTree>
       <p:nvGrpSpPr>
-        <p:cNvPr id="146" name="Shape 146"/>
+        <p:cNvPr id="144" name="Shape 144"/>
         <p:cNvGrpSpPr/>
         <p:nvPr/>
       </p:nvGrpSpPr>
@@ -28257,10 +25576,10 @@
       </p:grpSpPr>
       <p:cxnSp>
         <p:nvCxnSpPr>
-          <p:cNvPr id="147" name="Google Shape;147;p18"/>
+          <p:cNvPr id="145" name="Google Shape;145;p18"/>
           <p:cNvCxnSpPr>
-            <a:stCxn id="148" idx="3"/>
-            <a:endCxn id="149" idx="2"/>
+            <a:stCxn id="146" idx="3"/>
+            <a:endCxn id="147" idx="2"/>
           </p:cNvCxnSpPr>
           <p:nvPr/>
         </p:nvCxnSpPr>
@@ -28286,7 +25605,7 @@
       </p:cxnSp>
       <p:sp>
         <p:nvSpPr>
-          <p:cNvPr id="148" name="Google Shape;148;p18"/>
+          <p:cNvPr id="146" name="Google Shape;146;p18"/>
           <p:cNvSpPr txBox="1"/>
           <p:nvPr/>
         </p:nvSpPr>
@@ -28357,7 +25676,7 @@
       </p:sp>
       <p:sp>
         <p:nvSpPr>
-          <p:cNvPr id="150" name="Google Shape;150;p18"/>
+          <p:cNvPr id="148" name="Google Shape;148;p18"/>
           <p:cNvSpPr txBox="1"/>
           <p:nvPr/>
         </p:nvSpPr>
@@ -29091,7 +26410,7 @@
                 <a:cs typeface="Consolas"/>
                 <a:sym typeface="Consolas"/>
               </a:rPr>
-              <a:t># Supprimer la colonne si le pourcentage de valeurs manquantes est supérieur à 50%</a:t>
+              <a:t># Supprimer la colonne si le pourcentage de valeurs manquantes   est supérieur à 50%</a:t>
             </a:r>
             <a:endParaRPr sz="850">
               <a:solidFill>
@@ -29527,7 +26846,7 @@
       </p:sp>
       <p:sp>
         <p:nvSpPr>
-          <p:cNvPr id="151" name="Google Shape;151;p18"/>
+          <p:cNvPr id="149" name="Google Shape;149;p18"/>
           <p:cNvSpPr txBox="1"/>
           <p:nvPr/>
         </p:nvSpPr>
@@ -30608,7 +27927,7 @@
       </p:sp>
       <p:sp>
         <p:nvSpPr>
-          <p:cNvPr id="152" name="Google Shape;152;p18"/>
+          <p:cNvPr id="150" name="Google Shape;150;p18"/>
           <p:cNvSpPr txBox="1"/>
           <p:nvPr/>
         </p:nvSpPr>
@@ -30658,7 +27977,7 @@
       </p:sp>
       <p:sp>
         <p:nvSpPr>
-          <p:cNvPr id="153" name="Google Shape;153;p18"/>
+          <p:cNvPr id="151" name="Google Shape;151;p18"/>
           <p:cNvSpPr txBox="1"/>
           <p:nvPr/>
         </p:nvSpPr>
@@ -30708,7 +28027,7 @@
       </p:sp>
       <p:grpSp>
         <p:nvGrpSpPr>
-          <p:cNvPr id="154" name="Google Shape;154;p18"/>
+          <p:cNvPr id="152" name="Google Shape;152;p18"/>
           <p:cNvGrpSpPr/>
           <p:nvPr/>
         </p:nvGrpSpPr>
@@ -30722,7 +28041,7 @@
         </p:grpSpPr>
         <p:sp>
           <p:nvSpPr>
-            <p:cNvPr id="149" name="Google Shape;149;p18"/>
+            <p:cNvPr id="147" name="Google Shape;147;p18"/>
             <p:cNvSpPr txBox="1"/>
             <p:nvPr/>
           </p:nvSpPr>
@@ -30772,7 +28091,7 @@
         </p:sp>
         <p:pic>
           <p:nvPicPr>
-            <p:cNvPr id="155" name="Google Shape;155;p18"/>
+            <p:cNvPr id="153" name="Google Shape;153;p18"/>
             <p:cNvPicPr preferRelativeResize="0"/>
             <p:nvPr/>
           </p:nvPicPr>
@@ -30812,7 +28131,7 @@
   <p:cSld>
     <p:spTree>
       <p:nvGrpSpPr>
-        <p:cNvPr id="159" name="Shape 159"/>
+        <p:cNvPr id="157" name="Shape 157"/>
         <p:cNvGrpSpPr/>
         <p:nvPr/>
       </p:nvGrpSpPr>
@@ -30826,10 +28145,10 @@
       </p:grpSpPr>
       <p:cxnSp>
         <p:nvCxnSpPr>
-          <p:cNvPr id="160" name="Google Shape;160;p19"/>
+          <p:cNvPr id="158" name="Google Shape;158;p19"/>
           <p:cNvCxnSpPr>
-            <a:stCxn id="161" idx="3"/>
-            <a:endCxn id="162" idx="2"/>
+            <a:stCxn id="159" idx="3"/>
+            <a:endCxn id="160" idx="2"/>
           </p:cNvCxnSpPr>
           <p:nvPr/>
         </p:nvCxnSpPr>
@@ -30855,7 +28174,7 @@
       </p:cxnSp>
       <p:sp>
         <p:nvSpPr>
-          <p:cNvPr id="161" name="Google Shape;161;p19"/>
+          <p:cNvPr id="159" name="Google Shape;159;p19"/>
           <p:cNvSpPr txBox="1"/>
           <p:nvPr/>
         </p:nvSpPr>
@@ -30926,7 +28245,7 @@
       </p:sp>
       <p:sp>
         <p:nvSpPr>
-          <p:cNvPr id="163" name="Google Shape;163;p19"/>
+          <p:cNvPr id="161" name="Google Shape;161;p19"/>
           <p:cNvSpPr txBox="1"/>
           <p:nvPr/>
         </p:nvSpPr>
@@ -33834,7 +31153,7 @@
       </p:sp>
       <p:sp>
         <p:nvSpPr>
-          <p:cNvPr id="164" name="Google Shape;164;p19"/>
+          <p:cNvPr id="162" name="Google Shape;162;p19"/>
           <p:cNvSpPr txBox="1"/>
           <p:nvPr/>
         </p:nvSpPr>
@@ -33884,7 +31203,7 @@
       </p:sp>
       <p:grpSp>
         <p:nvGrpSpPr>
-          <p:cNvPr id="165" name="Google Shape;165;p19"/>
+          <p:cNvPr id="163" name="Google Shape;163;p19"/>
           <p:cNvGrpSpPr/>
           <p:nvPr/>
         </p:nvGrpSpPr>
@@ -33898,7 +31217,7 @@
         </p:grpSpPr>
         <p:sp>
           <p:nvSpPr>
-            <p:cNvPr id="162" name="Google Shape;162;p19"/>
+            <p:cNvPr id="160" name="Google Shape;160;p19"/>
             <p:cNvSpPr txBox="1"/>
             <p:nvPr/>
           </p:nvSpPr>
@@ -33948,7 +31267,7 @@
         </p:sp>
         <p:pic>
           <p:nvPicPr>
-            <p:cNvPr id="166" name="Google Shape;166;p19"/>
+            <p:cNvPr id="164" name="Google Shape;164;p19"/>
             <p:cNvPicPr preferRelativeResize="0"/>
             <p:nvPr/>
           </p:nvPicPr>
@@ -33988,7 +31307,7 @@
   <p:cSld>
     <p:spTree>
       <p:nvGrpSpPr>
-        <p:cNvPr id="170" name="Shape 170"/>
+        <p:cNvPr id="168" name="Shape 168"/>
         <p:cNvGrpSpPr/>
         <p:nvPr/>
       </p:nvGrpSpPr>
@@ -34002,7 +31321,7 @@
       </p:grpSpPr>
       <p:sp>
         <p:nvSpPr>
-          <p:cNvPr id="171" name="Google Shape;171;p20"/>
+          <p:cNvPr id="169" name="Google Shape;169;p20"/>
           <p:cNvSpPr txBox="1"/>
           <p:nvPr/>
         </p:nvSpPr>
@@ -34841,7 +32160,7 @@
       </p:sp>
       <p:sp>
         <p:nvSpPr>
-          <p:cNvPr id="172" name="Google Shape;172;p20"/>
+          <p:cNvPr id="170" name="Google Shape;170;p20"/>
           <p:cNvSpPr txBox="1"/>
           <p:nvPr/>
         </p:nvSpPr>
@@ -34899,10 +32218,10 @@
       </p:sp>
       <p:cxnSp>
         <p:nvCxnSpPr>
-          <p:cNvPr id="173" name="Google Shape;173;p20"/>
+          <p:cNvPr id="171" name="Google Shape;171;p20"/>
           <p:cNvCxnSpPr>
-            <a:stCxn id="174" idx="3"/>
-            <a:endCxn id="175" idx="2"/>
+            <a:stCxn id="172" idx="3"/>
+            <a:endCxn id="173" idx="2"/>
           </p:cNvCxnSpPr>
           <p:nvPr/>
         </p:nvCxnSpPr>
@@ -34928,7 +32247,7 @@
       </p:cxnSp>
       <p:sp>
         <p:nvSpPr>
-          <p:cNvPr id="174" name="Google Shape;174;p20"/>
+          <p:cNvPr id="172" name="Google Shape;172;p20"/>
           <p:cNvSpPr txBox="1"/>
           <p:nvPr/>
         </p:nvSpPr>
@@ -34999,7 +32318,7 @@
       </p:sp>
       <p:grpSp>
         <p:nvGrpSpPr>
-          <p:cNvPr id="176" name="Google Shape;176;p20"/>
+          <p:cNvPr id="174" name="Google Shape;174;p20"/>
           <p:cNvGrpSpPr/>
           <p:nvPr/>
         </p:nvGrpSpPr>
@@ -35013,7 +32332,7 @@
         </p:grpSpPr>
         <p:sp>
           <p:nvSpPr>
-            <p:cNvPr id="175" name="Google Shape;175;p20"/>
+            <p:cNvPr id="173" name="Google Shape;173;p20"/>
             <p:cNvSpPr txBox="1"/>
             <p:nvPr/>
           </p:nvSpPr>
@@ -35063,7 +32382,7 @@
         </p:sp>
         <p:pic>
           <p:nvPicPr>
-            <p:cNvPr id="177" name="Google Shape;177;p20"/>
+            <p:cNvPr id="175" name="Google Shape;175;p20"/>
             <p:cNvPicPr preferRelativeResize="0"/>
             <p:nvPr/>
           </p:nvPicPr>
@@ -35103,7 +32422,7 @@
   <p:cSld>
     <p:spTree>
       <p:nvGrpSpPr>
-        <p:cNvPr id="181" name="Shape 181"/>
+        <p:cNvPr id="179" name="Shape 179"/>
         <p:cNvGrpSpPr/>
         <p:nvPr/>
       </p:nvGrpSpPr>
@@ -35117,10 +32436,10 @@
       </p:grpSpPr>
       <p:cxnSp>
         <p:nvCxnSpPr>
-          <p:cNvPr id="182" name="Google Shape;182;p21"/>
+          <p:cNvPr id="180" name="Google Shape;180;p21"/>
           <p:cNvCxnSpPr>
-            <a:stCxn id="183" idx="3"/>
-            <a:endCxn id="184" idx="2"/>
+            <a:stCxn id="181" idx="3"/>
+            <a:endCxn id="182" idx="2"/>
           </p:cNvCxnSpPr>
           <p:nvPr/>
         </p:nvCxnSpPr>
@@ -35146,7 +32465,7 @@
       </p:cxnSp>
       <p:sp>
         <p:nvSpPr>
-          <p:cNvPr id="183" name="Google Shape;183;p21"/>
+          <p:cNvPr id="181" name="Google Shape;181;p21"/>
           <p:cNvSpPr txBox="1"/>
           <p:nvPr/>
         </p:nvSpPr>
@@ -35220,7 +32539,7 @@
       </p:sp>
       <p:grpSp>
         <p:nvGrpSpPr>
-          <p:cNvPr id="185" name="Google Shape;185;p21"/>
+          <p:cNvPr id="183" name="Google Shape;183;p21"/>
           <p:cNvGrpSpPr/>
           <p:nvPr/>
         </p:nvGrpSpPr>
@@ -35234,7 +32553,7 @@
         </p:grpSpPr>
         <p:sp>
           <p:nvSpPr>
-            <p:cNvPr id="184" name="Google Shape;184;p21"/>
+            <p:cNvPr id="182" name="Google Shape;182;p21"/>
             <p:cNvSpPr txBox="1"/>
             <p:nvPr/>
           </p:nvSpPr>
@@ -35284,7 +32603,7 @@
         </p:sp>
         <p:pic>
           <p:nvPicPr>
-            <p:cNvPr id="186" name="Google Shape;186;p21"/>
+            <p:cNvPr id="184" name="Google Shape;184;p21"/>
             <p:cNvPicPr preferRelativeResize="0"/>
             <p:nvPr/>
           </p:nvPicPr>
@@ -35313,13 +32632,13 @@
       </p:grpSp>
       <p:sp>
         <p:nvSpPr>
-          <p:cNvPr id="187" name="Google Shape;187;p21"/>
+          <p:cNvPr id="185" name="Google Shape;185;p21"/>
           <p:cNvSpPr txBox="1"/>
           <p:nvPr/>
         </p:nvSpPr>
         <p:spPr>
           <a:xfrm>
-            <a:off x="404688" y="2563300"/>
+            <a:off x="404688" y="2410900"/>
             <a:ext cx="8435100" cy="2446200"/>
           </a:xfrm>
           <a:prstGeom prst="rect">
@@ -36957,7 +34276,7 @@
       </p:sp>
       <p:sp>
         <p:nvSpPr>
-          <p:cNvPr id="188" name="Google Shape;188;p21"/>
+          <p:cNvPr id="186" name="Google Shape;186;p21"/>
           <p:cNvSpPr txBox="1"/>
           <p:nvPr/>
         </p:nvSpPr>
@@ -37006,6 +34325,285 @@
 </file>
 
 <file path=ppt/theme/theme1.xml><?xml version="1.0" encoding="utf-8"?>
+<a:theme xmlns:a="http://schemas.openxmlformats.org/drawingml/2006/main" xmlns:r="http://schemas.openxmlformats.org/officeDocument/2006/relationships" name="Simple Light">
+  <a:themeElements>
+    <a:clrScheme name="Simple Light">
+      <a:dk1>
+        <a:srgbClr val="000000"/>
+      </a:dk1>
+      <a:lt1>
+        <a:srgbClr val="FFFFFF"/>
+      </a:lt1>
+      <a:dk2>
+        <a:srgbClr val="595959"/>
+      </a:dk2>
+      <a:lt2>
+        <a:srgbClr val="EEEEEE"/>
+      </a:lt2>
+      <a:accent1>
+        <a:srgbClr val="4285F4"/>
+      </a:accent1>
+      <a:accent2>
+        <a:srgbClr val="212121"/>
+      </a:accent2>
+      <a:accent3>
+        <a:srgbClr val="78909C"/>
+      </a:accent3>
+      <a:accent4>
+        <a:srgbClr val="FFAB40"/>
+      </a:accent4>
+      <a:accent5>
+        <a:srgbClr val="0097A7"/>
+      </a:accent5>
+      <a:accent6>
+        <a:srgbClr val="EEFF41"/>
+      </a:accent6>
+      <a:hlink>
+        <a:srgbClr val="0097A7"/>
+      </a:hlink>
+      <a:folHlink>
+        <a:srgbClr val="0097A7"/>
+      </a:folHlink>
+    </a:clrScheme>
+    <a:fontScheme name="Office">
+      <a:majorFont>
+        <a:latin typeface="Arial"/>
+        <a:ea typeface=""/>
+        <a:cs typeface=""/>
+        <a:font script="Jpan" typeface="ＭＳ Ｐゴシック"/>
+        <a:font script="Hang" typeface="맑은 고딕"/>
+        <a:font script="Hans" typeface="宋体"/>
+        <a:font script="Hant" typeface="新細明體"/>
+        <a:font script="Arab" typeface="Times New Roman"/>
+        <a:font script="Hebr" typeface="Times New Roman"/>
+        <a:font script="Thai" typeface="Angsana New"/>
+        <a:font script="Ethi" typeface="Nyala"/>
+        <a:font script="Beng" typeface="Vrinda"/>
+        <a:font script="Gujr" typeface="Shruti"/>
+        <a:font script="Khmr" typeface="MoolBoran"/>
+        <a:font script="Knda" typeface="Tunga"/>
+        <a:font script="Guru" typeface="Raavi"/>
+        <a:font script="Cans" typeface="Euphemia"/>
+        <a:font script="Cher" typeface="Plantagenet Cherokee"/>
+        <a:font script="Yiii" typeface="Microsoft Yi Baiti"/>
+        <a:font script="Tibt" typeface="Microsoft Himalaya"/>
+        <a:font script="Thaa" typeface="MV Boli"/>
+        <a:font script="Deva" typeface="Mangal"/>
+        <a:font script="Telu" typeface="Gautami"/>
+        <a:font script="Taml" typeface="Latha"/>
+        <a:font script="Syrc" typeface="Estrangelo Edessa"/>
+        <a:font script="Orya" typeface="Kalinga"/>
+        <a:font script="Mlym" typeface="Kartika"/>
+        <a:font script="Laoo" typeface="DokChampa"/>
+        <a:font script="Sinh" typeface="Iskoola Pota"/>
+        <a:font script="Mong" typeface="Mongolian Baiti"/>
+        <a:font script="Viet" typeface="Times New Roman"/>
+        <a:font script="Uigh" typeface="Microsoft Uighur"/>
+        <a:font script="Geor" typeface="Sylfaen"/>
+      </a:majorFont>
+      <a:minorFont>
+        <a:latin typeface="Arial"/>
+        <a:ea typeface=""/>
+        <a:cs typeface=""/>
+        <a:font script="Jpan" typeface="ＭＳ Ｐゴシック"/>
+        <a:font script="Hang" typeface="맑은 고딕"/>
+        <a:font script="Hans" typeface="宋体"/>
+        <a:font script="Hant" typeface="新細明體"/>
+        <a:font script="Arab" typeface="Arial"/>
+        <a:font script="Hebr" typeface="Arial"/>
+        <a:font script="Thai" typeface="Cordia New"/>
+        <a:font script="Ethi" typeface="Nyala"/>
+        <a:font script="Beng" typeface="Vrinda"/>
+        <a:font script="Gujr" typeface="Shruti"/>
+        <a:font script="Khmr" typeface="DaunPenh"/>
+        <a:font script="Knda" typeface="Tunga"/>
+        <a:font script="Guru" typeface="Raavi"/>
+        <a:font script="Cans" typeface="Euphemia"/>
+        <a:font script="Cher" typeface="Plantagenet Cherokee"/>
+        <a:font script="Yiii" typeface="Microsoft Yi Baiti"/>
+        <a:font script="Tibt" typeface="Microsoft Himalaya"/>
+        <a:font script="Thaa" typeface="MV Boli"/>
+        <a:font script="Deva" typeface="Mangal"/>
+        <a:font script="Telu" typeface="Gautami"/>
+        <a:font script="Taml" typeface="Latha"/>
+        <a:font script="Syrc" typeface="Estrangelo Edessa"/>
+        <a:font script="Orya" typeface="Kalinga"/>
+        <a:font script="Mlym" typeface="Kartika"/>
+        <a:font script="Laoo" typeface="DokChampa"/>
+        <a:font script="Sinh" typeface="Iskoola Pota"/>
+        <a:font script="Mong" typeface="Mongolian Baiti"/>
+        <a:font script="Viet" typeface="Arial"/>
+        <a:font script="Uigh" typeface="Microsoft Uighur"/>
+        <a:font script="Geor" typeface="Sylfaen"/>
+      </a:minorFont>
+    </a:fontScheme>
+    <a:fmtScheme name="Office">
+      <a:fillStyleLst>
+        <a:solidFill>
+          <a:schemeClr val="phClr"/>
+        </a:solidFill>
+        <a:gradFill rotWithShape="1">
+          <a:gsLst>
+            <a:gs pos="0">
+              <a:schemeClr val="phClr">
+                <a:tint val="50000"/>
+                <a:satMod val="300000"/>
+              </a:schemeClr>
+            </a:gs>
+            <a:gs pos="35000">
+              <a:schemeClr val="phClr">
+                <a:tint val="37000"/>
+                <a:satMod val="300000"/>
+              </a:schemeClr>
+            </a:gs>
+            <a:gs pos="100000">
+              <a:schemeClr val="phClr">
+                <a:tint val="15000"/>
+                <a:satMod val="350000"/>
+              </a:schemeClr>
+            </a:gs>
+          </a:gsLst>
+          <a:lin ang="16200000" scaled="1"/>
+        </a:gradFill>
+        <a:gradFill rotWithShape="1">
+          <a:gsLst>
+            <a:gs pos="0">
+              <a:schemeClr val="phClr">
+                <a:tint val="100000"/>
+                <a:shade val="100000"/>
+                <a:satMod val="130000"/>
+              </a:schemeClr>
+            </a:gs>
+            <a:gs pos="100000">
+              <a:schemeClr val="phClr">
+                <a:tint val="50000"/>
+                <a:shade val="100000"/>
+                <a:satMod val="350000"/>
+              </a:schemeClr>
+            </a:gs>
+          </a:gsLst>
+          <a:lin ang="16200000" scaled="0"/>
+        </a:gradFill>
+      </a:fillStyleLst>
+      <a:lnStyleLst>
+        <a:ln w="9525" cap="flat" cmpd="sng" algn="ctr">
+          <a:solidFill>
+            <a:schemeClr val="phClr">
+              <a:shade val="95000"/>
+              <a:satMod val="105000"/>
+            </a:schemeClr>
+          </a:solidFill>
+          <a:prstDash val="solid"/>
+        </a:ln>
+        <a:ln w="25400" cap="flat" cmpd="sng" algn="ctr">
+          <a:solidFill>
+            <a:schemeClr val="phClr"/>
+          </a:solidFill>
+          <a:prstDash val="solid"/>
+        </a:ln>
+        <a:ln w="38100" cap="flat" cmpd="sng" algn="ctr">
+          <a:solidFill>
+            <a:schemeClr val="phClr"/>
+          </a:solidFill>
+          <a:prstDash val="solid"/>
+        </a:ln>
+      </a:lnStyleLst>
+      <a:effectStyleLst>
+        <a:effectStyle>
+          <a:effectLst>
+            <a:outerShdw blurRad="40000" dist="20000" dir="5400000" rotWithShape="0">
+              <a:srgbClr val="000000">
+                <a:alpha val="38000"/>
+              </a:srgbClr>
+            </a:outerShdw>
+          </a:effectLst>
+        </a:effectStyle>
+        <a:effectStyle>
+          <a:effectLst>
+            <a:outerShdw blurRad="40000" dist="23000" dir="5400000" rotWithShape="0">
+              <a:srgbClr val="000000">
+                <a:alpha val="35000"/>
+              </a:srgbClr>
+            </a:outerShdw>
+          </a:effectLst>
+        </a:effectStyle>
+        <a:effectStyle>
+          <a:effectLst>
+            <a:outerShdw blurRad="40000" dist="23000" dir="5400000" rotWithShape="0">
+              <a:srgbClr val="000000">
+                <a:alpha val="35000"/>
+              </a:srgbClr>
+            </a:outerShdw>
+          </a:effectLst>
+          <a:scene3d>
+            <a:camera prst="orthographicFront">
+              <a:rot lat="0" lon="0" rev="0"/>
+            </a:camera>
+            <a:lightRig rig="threePt" dir="t">
+              <a:rot lat="0" lon="0" rev="1200000"/>
+            </a:lightRig>
+          </a:scene3d>
+          <a:sp3d>
+            <a:bevelT w="63500" h="25400"/>
+          </a:sp3d>
+        </a:effectStyle>
+      </a:effectStyleLst>
+      <a:bgFillStyleLst>
+        <a:solidFill>
+          <a:schemeClr val="phClr"/>
+        </a:solidFill>
+        <a:gradFill rotWithShape="1">
+          <a:gsLst>
+            <a:gs pos="0">
+              <a:schemeClr val="phClr">
+                <a:tint val="40000"/>
+                <a:satMod val="350000"/>
+              </a:schemeClr>
+            </a:gs>
+            <a:gs pos="40000">
+              <a:schemeClr val="phClr">
+                <a:tint val="45000"/>
+                <a:shade val="99000"/>
+                <a:satMod val="350000"/>
+              </a:schemeClr>
+            </a:gs>
+            <a:gs pos="100000">
+              <a:schemeClr val="phClr">
+                <a:shade val="20000"/>
+                <a:satMod val="255000"/>
+              </a:schemeClr>
+            </a:gs>
+          </a:gsLst>
+          <a:path path="circle">
+            <a:fillToRect l="50000" t="-80000" r="50000" b="180000"/>
+          </a:path>
+        </a:gradFill>
+        <a:gradFill rotWithShape="1">
+          <a:gsLst>
+            <a:gs pos="0">
+              <a:schemeClr val="phClr">
+                <a:tint val="80000"/>
+                <a:satMod val="300000"/>
+              </a:schemeClr>
+            </a:gs>
+            <a:gs pos="100000">
+              <a:schemeClr val="phClr">
+                <a:shade val="30000"/>
+                <a:satMod val="200000"/>
+              </a:schemeClr>
+            </a:gs>
+          </a:gsLst>
+          <a:path path="circle">
+            <a:fillToRect l="50000" t="50000" r="50000" b="50000"/>
+          </a:path>
+        </a:gradFill>
+      </a:bgFillStyleLst>
+    </a:fmtScheme>
+  </a:themeElements>
+</a:theme>
+</file>
+
+<file path=ppt/theme/theme2.xml><?xml version="1.0" encoding="utf-8"?>
 <a:theme xmlns:a="http://schemas.openxmlformats.org/drawingml/2006/main" xmlns:r="http://schemas.openxmlformats.org/officeDocument/2006/relationships">
   <a:themeElements>
     <a:clrScheme name="Default">
@@ -37282,283 +34880,4 @@
     </a:fmtScheme>
   </a:themeElements>
 </a:theme>
-</file>
-
-<file path=ppt/theme/theme2.xml><?xml version="1.0" encoding="utf-8"?>
-<a:theme xmlns:a="http://schemas.openxmlformats.org/drawingml/2006/main" xmlns:r="http://schemas.openxmlformats.org/officeDocument/2006/relationships" name="Simple Light">
-  <a:themeElements>
-    <a:clrScheme name="Simple Light">
-      <a:dk1>
-        <a:srgbClr val="000000"/>
-      </a:dk1>
-      <a:lt1>
-        <a:srgbClr val="FFFFFF"/>
-      </a:lt1>
-      <a:dk2>
-        <a:srgbClr val="595959"/>
-      </a:dk2>
-      <a:lt2>
-        <a:srgbClr val="EEEEEE"/>
-      </a:lt2>
-      <a:accent1>
-        <a:srgbClr val="4285F4"/>
-      </a:accent1>
-      <a:accent2>
-        <a:srgbClr val="212121"/>
-      </a:accent2>
-      <a:accent3>
-        <a:srgbClr val="78909C"/>
-      </a:accent3>
-      <a:accent4>
-        <a:srgbClr val="FFAB40"/>
-      </a:accent4>
-      <a:accent5>
-        <a:srgbClr val="0097A7"/>
-      </a:accent5>
-      <a:accent6>
-        <a:srgbClr val="EEFF41"/>
-      </a:accent6>
-      <a:hlink>
-        <a:srgbClr val="0097A7"/>
-      </a:hlink>
-      <a:folHlink>
-        <a:srgbClr val="0097A7"/>
-      </a:folHlink>
-    </a:clrScheme>
-    <a:fontScheme name="Office">
-      <a:majorFont>
-        <a:latin typeface="Arial"/>
-        <a:ea typeface=""/>
-        <a:cs typeface=""/>
-        <a:font script="Jpan" typeface="ＭＳ Ｐゴシック"/>
-        <a:font script="Hang" typeface="맑은 고딕"/>
-        <a:font script="Hans" typeface="宋体"/>
-        <a:font script="Hant" typeface="新細明體"/>
-        <a:font script="Arab" typeface="Times New Roman"/>
-        <a:font script="Hebr" typeface="Times New Roman"/>
-        <a:font script="Thai" typeface="Angsana New"/>
-        <a:font script="Ethi" typeface="Nyala"/>
-        <a:font script="Beng" typeface="Vrinda"/>
-        <a:font script="Gujr" typeface="Shruti"/>
-        <a:font script="Khmr" typeface="MoolBoran"/>
-        <a:font script="Knda" typeface="Tunga"/>
-        <a:font script="Guru" typeface="Raavi"/>
-        <a:font script="Cans" typeface="Euphemia"/>
-        <a:font script="Cher" typeface="Plantagenet Cherokee"/>
-        <a:font script="Yiii" typeface="Microsoft Yi Baiti"/>
-        <a:font script="Tibt" typeface="Microsoft Himalaya"/>
-        <a:font script="Thaa" typeface="MV Boli"/>
-        <a:font script="Deva" typeface="Mangal"/>
-        <a:font script="Telu" typeface="Gautami"/>
-        <a:font script="Taml" typeface="Latha"/>
-        <a:font script="Syrc" typeface="Estrangelo Edessa"/>
-        <a:font script="Orya" typeface="Kalinga"/>
-        <a:font script="Mlym" typeface="Kartika"/>
-        <a:font script="Laoo" typeface="DokChampa"/>
-        <a:font script="Sinh" typeface="Iskoola Pota"/>
-        <a:font script="Mong" typeface="Mongolian Baiti"/>
-        <a:font script="Viet" typeface="Times New Roman"/>
-        <a:font script="Uigh" typeface="Microsoft Uighur"/>
-        <a:font script="Geor" typeface="Sylfaen"/>
-      </a:majorFont>
-      <a:minorFont>
-        <a:latin typeface="Arial"/>
-        <a:ea typeface=""/>
-        <a:cs typeface=""/>
-        <a:font script="Jpan" typeface="ＭＳ Ｐゴシック"/>
-        <a:font script="Hang" typeface="맑은 고딕"/>
-        <a:font script="Hans" typeface="宋体"/>
-        <a:font script="Hant" typeface="新細明體"/>
-        <a:font script="Arab" typeface="Arial"/>
-        <a:font script="Hebr" typeface="Arial"/>
-        <a:font script="Thai" typeface="Cordia New"/>
-        <a:font script="Ethi" typeface="Nyala"/>
-        <a:font script="Beng" typeface="Vrinda"/>
-        <a:font script="Gujr" typeface="Shruti"/>
-        <a:font script="Khmr" typeface="DaunPenh"/>
-        <a:font script="Knda" typeface="Tunga"/>
-        <a:font script="Guru" typeface="Raavi"/>
-        <a:font script="Cans" typeface="Euphemia"/>
-        <a:font script="Cher" typeface="Plantagenet Cherokee"/>
-        <a:font script="Yiii" typeface="Microsoft Yi Baiti"/>
-        <a:font script="Tibt" typeface="Microsoft Himalaya"/>
-        <a:font script="Thaa" typeface="MV Boli"/>
-        <a:font script="Deva" typeface="Mangal"/>
-        <a:font script="Telu" typeface="Gautami"/>
-        <a:font script="Taml" typeface="Latha"/>
-        <a:font script="Syrc" typeface="Estrangelo Edessa"/>
-        <a:font script="Orya" typeface="Kalinga"/>
-        <a:font script="Mlym" typeface="Kartika"/>
-        <a:font script="Laoo" typeface="DokChampa"/>
-        <a:font script="Sinh" typeface="Iskoola Pota"/>
-        <a:font script="Mong" typeface="Mongolian Baiti"/>
-        <a:font script="Viet" typeface="Arial"/>
-        <a:font script="Uigh" typeface="Microsoft Uighur"/>
-        <a:font script="Geor" typeface="Sylfaen"/>
-      </a:minorFont>
-    </a:fontScheme>
-    <a:fmtScheme name="Office">
-      <a:fillStyleLst>
-        <a:solidFill>
-          <a:schemeClr val="phClr"/>
-        </a:solidFill>
-        <a:gradFill rotWithShape="1">
-          <a:gsLst>
-            <a:gs pos="0">
-              <a:schemeClr val="phClr">
-                <a:tint val="50000"/>
-                <a:satMod val="300000"/>
-              </a:schemeClr>
-            </a:gs>
-            <a:gs pos="35000">
-              <a:schemeClr val="phClr">
-                <a:tint val="37000"/>
-                <a:satMod val="300000"/>
-              </a:schemeClr>
-            </a:gs>
-            <a:gs pos="100000">
-              <a:schemeClr val="phClr">
-                <a:tint val="15000"/>
-                <a:satMod val="350000"/>
-              </a:schemeClr>
-            </a:gs>
-          </a:gsLst>
-          <a:lin ang="16200000" scaled="1"/>
-        </a:gradFill>
-        <a:gradFill rotWithShape="1">
-          <a:gsLst>
-            <a:gs pos="0">
-              <a:schemeClr val="phClr">
-                <a:tint val="100000"/>
-                <a:shade val="100000"/>
-                <a:satMod val="130000"/>
-              </a:schemeClr>
-            </a:gs>
-            <a:gs pos="100000">
-              <a:schemeClr val="phClr">
-                <a:tint val="50000"/>
-                <a:shade val="100000"/>
-                <a:satMod val="350000"/>
-              </a:schemeClr>
-            </a:gs>
-          </a:gsLst>
-          <a:lin ang="16200000" scaled="0"/>
-        </a:gradFill>
-      </a:fillStyleLst>
-      <a:lnStyleLst>
-        <a:ln w="9525" cap="flat" cmpd="sng" algn="ctr">
-          <a:solidFill>
-            <a:schemeClr val="phClr">
-              <a:shade val="95000"/>
-              <a:satMod val="105000"/>
-            </a:schemeClr>
-          </a:solidFill>
-          <a:prstDash val="solid"/>
-        </a:ln>
-        <a:ln w="25400" cap="flat" cmpd="sng" algn="ctr">
-          <a:solidFill>
-            <a:schemeClr val="phClr"/>
-          </a:solidFill>
-          <a:prstDash val="solid"/>
-        </a:ln>
-        <a:ln w="38100" cap="flat" cmpd="sng" algn="ctr">
-          <a:solidFill>
-            <a:schemeClr val="phClr"/>
-          </a:solidFill>
-          <a:prstDash val="solid"/>
-        </a:ln>
-      </a:lnStyleLst>
-      <a:effectStyleLst>
-        <a:effectStyle>
-          <a:effectLst>
-            <a:outerShdw blurRad="40000" dist="20000" dir="5400000" rotWithShape="0">
-              <a:srgbClr val="000000">
-                <a:alpha val="38000"/>
-              </a:srgbClr>
-            </a:outerShdw>
-          </a:effectLst>
-        </a:effectStyle>
-        <a:effectStyle>
-          <a:effectLst>
-            <a:outerShdw blurRad="40000" dist="23000" dir="5400000" rotWithShape="0">
-              <a:srgbClr val="000000">
-                <a:alpha val="35000"/>
-              </a:srgbClr>
-            </a:outerShdw>
-          </a:effectLst>
-        </a:effectStyle>
-        <a:effectStyle>
-          <a:effectLst>
-            <a:outerShdw blurRad="40000" dist="23000" dir="5400000" rotWithShape="0">
-              <a:srgbClr val="000000">
-                <a:alpha val="35000"/>
-              </a:srgbClr>
-            </a:outerShdw>
-          </a:effectLst>
-          <a:scene3d>
-            <a:camera prst="orthographicFront">
-              <a:rot lat="0" lon="0" rev="0"/>
-            </a:camera>
-            <a:lightRig rig="threePt" dir="t">
-              <a:rot lat="0" lon="0" rev="1200000"/>
-            </a:lightRig>
-          </a:scene3d>
-          <a:sp3d>
-            <a:bevelT w="63500" h="25400"/>
-          </a:sp3d>
-        </a:effectStyle>
-      </a:effectStyleLst>
-      <a:bgFillStyleLst>
-        <a:solidFill>
-          <a:schemeClr val="phClr"/>
-        </a:solidFill>
-        <a:gradFill rotWithShape="1">
-          <a:gsLst>
-            <a:gs pos="0">
-              <a:schemeClr val="phClr">
-                <a:tint val="40000"/>
-                <a:satMod val="350000"/>
-              </a:schemeClr>
-            </a:gs>
-            <a:gs pos="40000">
-              <a:schemeClr val="phClr">
-                <a:tint val="45000"/>
-                <a:shade val="99000"/>
-                <a:satMod val="350000"/>
-              </a:schemeClr>
-            </a:gs>
-            <a:gs pos="100000">
-              <a:schemeClr val="phClr">
-                <a:shade val="20000"/>
-                <a:satMod val="255000"/>
-              </a:schemeClr>
-            </a:gs>
-          </a:gsLst>
-          <a:path path="circle">
-            <a:fillToRect l="50000" t="-80000" r="50000" b="180000"/>
-          </a:path>
-        </a:gradFill>
-        <a:gradFill rotWithShape="1">
-          <a:gsLst>
-            <a:gs pos="0">
-              <a:schemeClr val="phClr">
-                <a:tint val="80000"/>
-                <a:satMod val="300000"/>
-              </a:schemeClr>
-            </a:gs>
-            <a:gs pos="100000">
-              <a:schemeClr val="phClr">
-                <a:shade val="30000"/>
-                <a:satMod val="200000"/>
-              </a:schemeClr>
-            </a:gs>
-          </a:gsLst>
-          <a:path path="circle">
-            <a:fillToRect l="50000" t="50000" r="50000" b="50000"/>
-          </a:path>
-        </a:gradFill>
-      </a:bgFillStyleLst>
-    </a:fmtScheme>
-  </a:themeElements>
-</a:theme>
 </file>